--- a/aula2/embarque-digital-serpro-aula2.pptx
+++ b/aula2/embarque-digital-serpro-aula2.pptx
@@ -31,7 +31,11 @@
     <p:sldId id="293" r:id="rId25"/>
     <p:sldId id="294" r:id="rId26"/>
     <p:sldId id="295" r:id="rId27"/>
-    <p:sldId id="275" r:id="rId28"/>
+    <p:sldId id="299" r:id="rId28"/>
+    <p:sldId id="300" r:id="rId29"/>
+    <p:sldId id="297" r:id="rId30"/>
+    <p:sldId id="298" r:id="rId31"/>
+    <p:sldId id="275" r:id="rId32"/>
   </p:sldIdLst>
   <p:sldSz cx="9144000" cy="5143500" type="screen16x9"/>
   <p:notesSz cx="7559675" cy="10691813"/>
@@ -136,980 +140,9 @@
 <file path=ppt/revisionInfo.xml><?xml version="1.0" encoding="utf-8"?>
 <p1510:revInfo xmlns:a="http://schemas.openxmlformats.org/drawingml/2006/main" xmlns:r="http://schemas.openxmlformats.org/officeDocument/2006/relationships" xmlns:p1510="http://schemas.microsoft.com/office/powerpoint/2015/10/main">
   <p1510:revLst>
-    <p1510:client id="{8A15314F-0F57-0098-8850-1F31313A6D8B}" v="236" dt="2024-03-31T13:17:06.263"/>
-    <p1510:client id="{A7AE961E-60CA-526F-4BAF-CBAD7C81A771}" v="357" dt="2024-03-31T13:49:34.925"/>
-    <p1510:client id="{C587F600-89DE-C75A-C65B-A9C14F8ED877}" v="18" dt="2024-03-31T13:06:41.053"/>
-    <p1510:client id="{C8710796-F470-AC18-3CB4-DDA9D477267E}" v="521" dt="2024-03-31T14:27:20.402"/>
+    <p1510:client id="{479261F6-98F1-52C6-3959-A272B7A7A3BA}" v="678" dt="2024-04-10T11:32:29.559"/>
   </p1510:revLst>
 </p1510:revInfo>
-</file>
-
-<file path=ppt/changesInfos/changesInfo1.xml><?xml version="1.0" encoding="utf-8"?>
-<pc:chgInfo xmlns:a="http://schemas.openxmlformats.org/drawingml/2006/main" xmlns:r="http://schemas.openxmlformats.org/officeDocument/2006/relationships" xmlns:ac="http://schemas.microsoft.com/office/drawing/2013/main/command" xmlns:pc="http://schemas.microsoft.com/office/powerpoint/2013/main/command">
-  <pc:docChgLst>
-    <pc:chgData name="Fernando Raposo da Camara Silva" userId="S::fernando.camara@serpro.gov.br::b5a100ac-d9df-4791-818e-20c2ebd1755b" providerId="AD" clId="Web-{A7AE961E-60CA-526F-4BAF-CBAD7C81A771}"/>
-    <pc:docChg chg="addSld modSld sldOrd">
-      <pc:chgData name="Fernando Raposo da Camara Silva" userId="S::fernando.camara@serpro.gov.br::b5a100ac-d9df-4791-818e-20c2ebd1755b" providerId="AD" clId="Web-{A7AE961E-60CA-526F-4BAF-CBAD7C81A771}" dt="2024-03-31T13:49:34.128" v="332" actId="20577"/>
-      <pc:docMkLst>
-        <pc:docMk/>
-      </pc:docMkLst>
-      <pc:sldChg chg="addSp delSp modSp add ord replId">
-        <pc:chgData name="Fernando Raposo da Camara Silva" userId="S::fernando.camara@serpro.gov.br::b5a100ac-d9df-4791-818e-20c2ebd1755b" providerId="AD" clId="Web-{A7AE961E-60CA-526F-4BAF-CBAD7C81A771}" dt="2024-03-31T13:20:43.307" v="28" actId="20577"/>
-        <pc:sldMkLst>
-          <pc:docMk/>
-          <pc:sldMk cId="575373150" sldId="278"/>
-        </pc:sldMkLst>
-        <pc:spChg chg="mod">
-          <ac:chgData name="Fernando Raposo da Camara Silva" userId="S::fernando.camara@serpro.gov.br::b5a100ac-d9df-4791-818e-20c2ebd1755b" providerId="AD" clId="Web-{A7AE961E-60CA-526F-4BAF-CBAD7C81A771}" dt="2024-03-31T13:19:26.368" v="7" actId="20577"/>
-          <ac:spMkLst>
-            <pc:docMk/>
-            <pc:sldMk cId="575373150" sldId="278"/>
-            <ac:spMk id="95" creationId="{00000000-0000-0000-0000-000000000000}"/>
-          </ac:spMkLst>
-        </pc:spChg>
-        <pc:spChg chg="mod">
-          <ac:chgData name="Fernando Raposo da Camara Silva" userId="S::fernando.camara@serpro.gov.br::b5a100ac-d9df-4791-818e-20c2ebd1755b" providerId="AD" clId="Web-{A7AE961E-60CA-526F-4BAF-CBAD7C81A771}" dt="2024-03-31T13:20:43.307" v="28" actId="20577"/>
-          <ac:spMkLst>
-            <pc:docMk/>
-            <pc:sldMk cId="575373150" sldId="278"/>
-            <ac:spMk id="98" creationId="{00000000-0000-0000-0000-000000000000}"/>
-          </ac:spMkLst>
-        </pc:spChg>
-        <pc:picChg chg="del">
-          <ac:chgData name="Fernando Raposo da Camara Silva" userId="S::fernando.camara@serpro.gov.br::b5a100ac-d9df-4791-818e-20c2ebd1755b" providerId="AD" clId="Web-{A7AE961E-60CA-526F-4BAF-CBAD7C81A771}" dt="2024-03-31T13:20:24.135" v="20"/>
-          <ac:picMkLst>
-            <pc:docMk/>
-            <pc:sldMk cId="575373150" sldId="278"/>
-            <ac:picMk id="2" creationId="{E7DB04EA-E2AE-0621-9115-B15D572BC9F4}"/>
-          </ac:picMkLst>
-        </pc:picChg>
-        <pc:picChg chg="add mod">
-          <ac:chgData name="Fernando Raposo da Camara Silva" userId="S::fernando.camara@serpro.gov.br::b5a100ac-d9df-4791-818e-20c2ebd1755b" providerId="AD" clId="Web-{A7AE961E-60CA-526F-4BAF-CBAD7C81A771}" dt="2024-03-31T13:20:36.338" v="27" actId="14100"/>
-          <ac:picMkLst>
-            <pc:docMk/>
-            <pc:sldMk cId="575373150" sldId="278"/>
-            <ac:picMk id="3" creationId="{1A47B88E-A47D-76C4-9909-3CD6D420246D}"/>
-          </ac:picMkLst>
-        </pc:picChg>
-      </pc:sldChg>
-      <pc:sldChg chg="delSp modSp add replId">
-        <pc:chgData name="Fernando Raposo da Camara Silva" userId="S::fernando.camara@serpro.gov.br::b5a100ac-d9df-4791-818e-20c2ebd1755b" providerId="AD" clId="Web-{A7AE961E-60CA-526F-4BAF-CBAD7C81A771}" dt="2024-03-31T13:22:59.720" v="54" actId="20577"/>
-        <pc:sldMkLst>
-          <pc:docMk/>
-          <pc:sldMk cId="3624929489" sldId="279"/>
-        </pc:sldMkLst>
-        <pc:spChg chg="mod">
-          <ac:chgData name="Fernando Raposo da Camara Silva" userId="S::fernando.camara@serpro.gov.br::b5a100ac-d9df-4791-818e-20c2ebd1755b" providerId="AD" clId="Web-{A7AE961E-60CA-526F-4BAF-CBAD7C81A771}" dt="2024-03-31T13:21:22.949" v="33" actId="20577"/>
-          <ac:spMkLst>
-            <pc:docMk/>
-            <pc:sldMk cId="3624929489" sldId="279"/>
-            <ac:spMk id="95" creationId="{00000000-0000-0000-0000-000000000000}"/>
-          </ac:spMkLst>
-        </pc:spChg>
-        <pc:spChg chg="mod">
-          <ac:chgData name="Fernando Raposo da Camara Silva" userId="S::fernando.camara@serpro.gov.br::b5a100ac-d9df-4791-818e-20c2ebd1755b" providerId="AD" clId="Web-{A7AE961E-60CA-526F-4BAF-CBAD7C81A771}" dt="2024-03-31T13:22:59.720" v="54" actId="20577"/>
-          <ac:spMkLst>
-            <pc:docMk/>
-            <pc:sldMk cId="3624929489" sldId="279"/>
-            <ac:spMk id="98" creationId="{00000000-0000-0000-0000-000000000000}"/>
-          </ac:spMkLst>
-        </pc:spChg>
-        <pc:picChg chg="del">
-          <ac:chgData name="Fernando Raposo da Camara Silva" userId="S::fernando.camara@serpro.gov.br::b5a100ac-d9df-4791-818e-20c2ebd1755b" providerId="AD" clId="Web-{A7AE961E-60CA-526F-4BAF-CBAD7C81A771}" dt="2024-03-31T13:21:24.011" v="34"/>
-          <ac:picMkLst>
-            <pc:docMk/>
-            <pc:sldMk cId="3624929489" sldId="279"/>
-            <ac:picMk id="3" creationId="{1A47B88E-A47D-76C4-9909-3CD6D420246D}"/>
-          </ac:picMkLst>
-        </pc:picChg>
-      </pc:sldChg>
-      <pc:sldChg chg="addSp modSp add replId">
-        <pc:chgData name="Fernando Raposo da Camara Silva" userId="S::fernando.camara@serpro.gov.br::b5a100ac-d9df-4791-818e-20c2ebd1755b" providerId="AD" clId="Web-{A7AE961E-60CA-526F-4BAF-CBAD7C81A771}" dt="2024-03-31T13:28:23.304" v="137" actId="20577"/>
-        <pc:sldMkLst>
-          <pc:docMk/>
-          <pc:sldMk cId="3439267125" sldId="280"/>
-        </pc:sldMkLst>
-        <pc:spChg chg="add mod">
-          <ac:chgData name="Fernando Raposo da Camara Silva" userId="S::fernando.camara@serpro.gov.br::b5a100ac-d9df-4791-818e-20c2ebd1755b" providerId="AD" clId="Web-{A7AE961E-60CA-526F-4BAF-CBAD7C81A771}" dt="2024-03-31T13:28:23.304" v="137" actId="20577"/>
-          <ac:spMkLst>
-            <pc:docMk/>
-            <pc:sldMk cId="3439267125" sldId="280"/>
-            <ac:spMk id="2" creationId="{32161BCA-55FB-0C55-6D05-8E660A3125BC}"/>
-          </ac:spMkLst>
-        </pc:spChg>
-        <pc:spChg chg="mod">
-          <ac:chgData name="Fernando Raposo da Camara Silva" userId="S::fernando.camara@serpro.gov.br::b5a100ac-d9df-4791-818e-20c2ebd1755b" providerId="AD" clId="Web-{A7AE961E-60CA-526F-4BAF-CBAD7C81A771}" dt="2024-03-31T13:24:42.737" v="60" actId="20577"/>
-          <ac:spMkLst>
-            <pc:docMk/>
-            <pc:sldMk cId="3439267125" sldId="280"/>
-            <ac:spMk id="95" creationId="{00000000-0000-0000-0000-000000000000}"/>
-          </ac:spMkLst>
-        </pc:spChg>
-        <pc:spChg chg="mod">
-          <ac:chgData name="Fernando Raposo da Camara Silva" userId="S::fernando.camara@serpro.gov.br::b5a100ac-d9df-4791-818e-20c2ebd1755b" providerId="AD" clId="Web-{A7AE961E-60CA-526F-4BAF-CBAD7C81A771}" dt="2024-03-31T13:27:11.100" v="135" actId="20577"/>
-          <ac:spMkLst>
-            <pc:docMk/>
-            <pc:sldMk cId="3439267125" sldId="280"/>
-            <ac:spMk id="98" creationId="{00000000-0000-0000-0000-000000000000}"/>
-          </ac:spMkLst>
-        </pc:spChg>
-      </pc:sldChg>
-      <pc:sldChg chg="delSp modSp add ord replId">
-        <pc:chgData name="Fernando Raposo da Camara Silva" userId="S::fernando.camara@serpro.gov.br::b5a100ac-d9df-4791-818e-20c2ebd1755b" providerId="AD" clId="Web-{A7AE961E-60CA-526F-4BAF-CBAD7C81A771}" dt="2024-03-31T13:31:10.104" v="178" actId="20577"/>
-        <pc:sldMkLst>
-          <pc:docMk/>
-          <pc:sldMk cId="825604278" sldId="281"/>
-        </pc:sldMkLst>
-        <pc:spChg chg="mod">
-          <ac:chgData name="Fernando Raposo da Camara Silva" userId="S::fernando.camara@serpro.gov.br::b5a100ac-d9df-4791-818e-20c2ebd1755b" providerId="AD" clId="Web-{A7AE961E-60CA-526F-4BAF-CBAD7C81A771}" dt="2024-03-31T13:28:43.742" v="145" actId="20577"/>
-          <ac:spMkLst>
-            <pc:docMk/>
-            <pc:sldMk cId="825604278" sldId="281"/>
-            <ac:spMk id="95" creationId="{00000000-0000-0000-0000-000000000000}"/>
-          </ac:spMkLst>
-        </pc:spChg>
-        <pc:spChg chg="mod">
-          <ac:chgData name="Fernando Raposo da Camara Silva" userId="S::fernando.camara@serpro.gov.br::b5a100ac-d9df-4791-818e-20c2ebd1755b" providerId="AD" clId="Web-{A7AE961E-60CA-526F-4BAF-CBAD7C81A771}" dt="2024-03-31T13:31:10.104" v="178" actId="20577"/>
-          <ac:spMkLst>
-            <pc:docMk/>
-            <pc:sldMk cId="825604278" sldId="281"/>
-            <ac:spMk id="98" creationId="{00000000-0000-0000-0000-000000000000}"/>
-          </ac:spMkLst>
-        </pc:spChg>
-        <pc:picChg chg="del">
-          <ac:chgData name="Fernando Raposo da Camara Silva" userId="S::fernando.camara@serpro.gov.br::b5a100ac-d9df-4791-818e-20c2ebd1755b" providerId="AD" clId="Web-{A7AE961E-60CA-526F-4BAF-CBAD7C81A771}" dt="2024-03-31T13:28:45.523" v="146"/>
-          <ac:picMkLst>
-            <pc:docMk/>
-            <pc:sldMk cId="825604278" sldId="281"/>
-            <ac:picMk id="2" creationId="{E7DB04EA-E2AE-0621-9115-B15D572BC9F4}"/>
-          </ac:picMkLst>
-        </pc:picChg>
-      </pc:sldChg>
-      <pc:sldChg chg="addSp modSp add replId">
-        <pc:chgData name="Fernando Raposo da Camara Silva" userId="S::fernando.camara@serpro.gov.br::b5a100ac-d9df-4791-818e-20c2ebd1755b" providerId="AD" clId="Web-{A7AE961E-60CA-526F-4BAF-CBAD7C81A771}" dt="2024-03-31T13:35:42.643" v="209" actId="14100"/>
-        <pc:sldMkLst>
-          <pc:docMk/>
-          <pc:sldMk cId="3565234749" sldId="282"/>
-        </pc:sldMkLst>
-        <pc:spChg chg="mod">
-          <ac:chgData name="Fernando Raposo da Camara Silva" userId="S::fernando.camara@serpro.gov.br::b5a100ac-d9df-4791-818e-20c2ebd1755b" providerId="AD" clId="Web-{A7AE961E-60CA-526F-4BAF-CBAD7C81A771}" dt="2024-03-31T13:33:42.250" v="182" actId="20577"/>
-          <ac:spMkLst>
-            <pc:docMk/>
-            <pc:sldMk cId="3565234749" sldId="282"/>
-            <ac:spMk id="95" creationId="{00000000-0000-0000-0000-000000000000}"/>
-          </ac:spMkLst>
-        </pc:spChg>
-        <pc:spChg chg="mod">
-          <ac:chgData name="Fernando Raposo da Camara Silva" userId="S::fernando.camara@serpro.gov.br::b5a100ac-d9df-4791-818e-20c2ebd1755b" providerId="AD" clId="Web-{A7AE961E-60CA-526F-4BAF-CBAD7C81A771}" dt="2024-03-31T13:35:24.737" v="204" actId="20577"/>
-          <ac:spMkLst>
-            <pc:docMk/>
-            <pc:sldMk cId="3565234749" sldId="282"/>
-            <ac:spMk id="98" creationId="{00000000-0000-0000-0000-000000000000}"/>
-          </ac:spMkLst>
-        </pc:spChg>
-        <pc:picChg chg="add mod">
-          <ac:chgData name="Fernando Raposo da Camara Silva" userId="S::fernando.camara@serpro.gov.br::b5a100ac-d9df-4791-818e-20c2ebd1755b" providerId="AD" clId="Web-{A7AE961E-60CA-526F-4BAF-CBAD7C81A771}" dt="2024-03-31T13:35:42.643" v="209" actId="14100"/>
-          <ac:picMkLst>
-            <pc:docMk/>
-            <pc:sldMk cId="3565234749" sldId="282"/>
-            <ac:picMk id="2" creationId="{9049679B-130F-A236-EB0D-15BAEE1BF106}"/>
-          </ac:picMkLst>
-        </pc:picChg>
-      </pc:sldChg>
-      <pc:sldChg chg="modSp add ord replId">
-        <pc:chgData name="Fernando Raposo da Camara Silva" userId="S::fernando.camara@serpro.gov.br::b5a100ac-d9df-4791-818e-20c2ebd1755b" providerId="AD" clId="Web-{A7AE961E-60CA-526F-4BAF-CBAD7C81A771}" dt="2024-03-31T13:37:51.584" v="236" actId="20577"/>
-        <pc:sldMkLst>
-          <pc:docMk/>
-          <pc:sldMk cId="4063310456" sldId="283"/>
-        </pc:sldMkLst>
-        <pc:spChg chg="mod">
-          <ac:chgData name="Fernando Raposo da Camara Silva" userId="S::fernando.camara@serpro.gov.br::b5a100ac-d9df-4791-818e-20c2ebd1755b" providerId="AD" clId="Web-{A7AE961E-60CA-526F-4BAF-CBAD7C81A771}" dt="2024-03-31T13:36:29.801" v="216" actId="20577"/>
-          <ac:spMkLst>
-            <pc:docMk/>
-            <pc:sldMk cId="4063310456" sldId="283"/>
-            <ac:spMk id="95" creationId="{00000000-0000-0000-0000-000000000000}"/>
-          </ac:spMkLst>
-        </pc:spChg>
-        <pc:spChg chg="mod">
-          <ac:chgData name="Fernando Raposo da Camara Silva" userId="S::fernando.camara@serpro.gov.br::b5a100ac-d9df-4791-818e-20c2ebd1755b" providerId="AD" clId="Web-{A7AE961E-60CA-526F-4BAF-CBAD7C81A771}" dt="2024-03-31T13:37:51.584" v="236" actId="20577"/>
-          <ac:spMkLst>
-            <pc:docMk/>
-            <pc:sldMk cId="4063310456" sldId="283"/>
-            <ac:spMk id="98" creationId="{00000000-0000-0000-0000-000000000000}"/>
-          </ac:spMkLst>
-        </pc:spChg>
-      </pc:sldChg>
-      <pc:sldChg chg="modSp add replId">
-        <pc:chgData name="Fernando Raposo da Camara Silva" userId="S::fernando.camara@serpro.gov.br::b5a100ac-d9df-4791-818e-20c2ebd1755b" providerId="AD" clId="Web-{A7AE961E-60CA-526F-4BAF-CBAD7C81A771}" dt="2024-03-31T13:41:35.454" v="273" actId="20577"/>
-        <pc:sldMkLst>
-          <pc:docMk/>
-          <pc:sldMk cId="2280540784" sldId="284"/>
-        </pc:sldMkLst>
-        <pc:spChg chg="mod">
-          <ac:chgData name="Fernando Raposo da Camara Silva" userId="S::fernando.camara@serpro.gov.br::b5a100ac-d9df-4791-818e-20c2ebd1755b" providerId="AD" clId="Web-{A7AE961E-60CA-526F-4BAF-CBAD7C81A771}" dt="2024-03-31T13:39:01.898" v="240" actId="20577"/>
-          <ac:spMkLst>
-            <pc:docMk/>
-            <pc:sldMk cId="2280540784" sldId="284"/>
-            <ac:spMk id="95" creationId="{00000000-0000-0000-0000-000000000000}"/>
-          </ac:spMkLst>
-        </pc:spChg>
-        <pc:spChg chg="mod">
-          <ac:chgData name="Fernando Raposo da Camara Silva" userId="S::fernando.camara@serpro.gov.br::b5a100ac-d9df-4791-818e-20c2ebd1755b" providerId="AD" clId="Web-{A7AE961E-60CA-526F-4BAF-CBAD7C81A771}" dt="2024-03-31T13:41:35.454" v="273" actId="20577"/>
-          <ac:spMkLst>
-            <pc:docMk/>
-            <pc:sldMk cId="2280540784" sldId="284"/>
-            <ac:spMk id="98" creationId="{00000000-0000-0000-0000-000000000000}"/>
-          </ac:spMkLst>
-        </pc:spChg>
-      </pc:sldChg>
-      <pc:sldChg chg="addSp modSp add ord replId">
-        <pc:chgData name="Fernando Raposo da Camara Silva" userId="S::fernando.camara@serpro.gov.br::b5a100ac-d9df-4791-818e-20c2ebd1755b" providerId="AD" clId="Web-{A7AE961E-60CA-526F-4BAF-CBAD7C81A771}" dt="2024-03-31T13:49:34.128" v="332" actId="20577"/>
-        <pc:sldMkLst>
-          <pc:docMk/>
-          <pc:sldMk cId="1197745084" sldId="285"/>
-        </pc:sldMkLst>
-        <pc:spChg chg="add mod">
-          <ac:chgData name="Fernando Raposo da Camara Silva" userId="S::fernando.camara@serpro.gov.br::b5a100ac-d9df-4791-818e-20c2ebd1755b" providerId="AD" clId="Web-{A7AE961E-60CA-526F-4BAF-CBAD7C81A771}" dt="2024-03-31T13:49:34.128" v="332" actId="20577"/>
-          <ac:spMkLst>
-            <pc:docMk/>
-            <pc:sldMk cId="1197745084" sldId="285"/>
-            <ac:spMk id="2" creationId="{06A5B88B-CCC5-18D6-017B-941E4717321C}"/>
-          </ac:spMkLst>
-        </pc:spChg>
-        <pc:spChg chg="mod">
-          <ac:chgData name="Fernando Raposo da Camara Silva" userId="S::fernando.camara@serpro.gov.br::b5a100ac-d9df-4791-818e-20c2ebd1755b" providerId="AD" clId="Web-{A7AE961E-60CA-526F-4BAF-CBAD7C81A771}" dt="2024-03-31T13:42:26.002" v="279" actId="20577"/>
-          <ac:spMkLst>
-            <pc:docMk/>
-            <pc:sldMk cId="1197745084" sldId="285"/>
-            <ac:spMk id="95" creationId="{00000000-0000-0000-0000-000000000000}"/>
-          </ac:spMkLst>
-        </pc:spChg>
-        <pc:spChg chg="mod">
-          <ac:chgData name="Fernando Raposo da Camara Silva" userId="S::fernando.camara@serpro.gov.br::b5a100ac-d9df-4791-818e-20c2ebd1755b" providerId="AD" clId="Web-{A7AE961E-60CA-526F-4BAF-CBAD7C81A771}" dt="2024-03-31T13:44:34.302" v="304" actId="20577"/>
-          <ac:spMkLst>
-            <pc:docMk/>
-            <pc:sldMk cId="1197745084" sldId="285"/>
-            <ac:spMk id="98" creationId="{00000000-0000-0000-0000-000000000000}"/>
-          </ac:spMkLst>
-        </pc:spChg>
-      </pc:sldChg>
-    </pc:docChg>
-  </pc:docChgLst>
-  <pc:docChgLst>
-    <pc:chgData name="Fernando Raposo da Camara Silva" userId="S::fernando.camara@serpro.gov.br::b5a100ac-d9df-4791-818e-20c2ebd1755b" providerId="AD" clId="Web-{C8710796-F470-AC18-3CB4-DDA9D477267E}"/>
-    <pc:docChg chg="addSld delSld modSld sldOrd">
-      <pc:chgData name="Fernando Raposo da Camara Silva" userId="S::fernando.camara@serpro.gov.br::b5a100ac-d9df-4791-818e-20c2ebd1755b" providerId="AD" clId="Web-{C8710796-F470-AC18-3CB4-DDA9D477267E}" dt="2024-03-31T14:27:18.027" v="469" actId="20577"/>
-      <pc:docMkLst>
-        <pc:docMk/>
-      </pc:docMkLst>
-      <pc:sldChg chg="del">
-        <pc:chgData name="Fernando Raposo da Camara Silva" userId="S::fernando.camara@serpro.gov.br::b5a100ac-d9df-4791-818e-20c2ebd1755b" providerId="AD" clId="Web-{C8710796-F470-AC18-3CB4-DDA9D477267E}" dt="2024-03-31T14:27:00.167" v="455"/>
-        <pc:sldMkLst>
-          <pc:docMk/>
-          <pc:sldMk cId="0" sldId="259"/>
-        </pc:sldMkLst>
-      </pc:sldChg>
-      <pc:sldChg chg="del">
-        <pc:chgData name="Fernando Raposo da Camara Silva" userId="S::fernando.camara@serpro.gov.br::b5a100ac-d9df-4791-818e-20c2ebd1755b" providerId="AD" clId="Web-{C8710796-F470-AC18-3CB4-DDA9D477267E}" dt="2024-03-31T14:27:00.167" v="454"/>
-        <pc:sldMkLst>
-          <pc:docMk/>
-          <pc:sldMk cId="0" sldId="261"/>
-        </pc:sldMkLst>
-      </pc:sldChg>
-      <pc:sldChg chg="del">
-        <pc:chgData name="Fernando Raposo da Camara Silva" userId="S::fernando.camara@serpro.gov.br::b5a100ac-d9df-4791-818e-20c2ebd1755b" providerId="AD" clId="Web-{C8710796-F470-AC18-3CB4-DDA9D477267E}" dt="2024-03-31T14:27:00.167" v="453"/>
-        <pc:sldMkLst>
-          <pc:docMk/>
-          <pc:sldMk cId="0" sldId="262"/>
-        </pc:sldMkLst>
-      </pc:sldChg>
-      <pc:sldChg chg="del">
-        <pc:chgData name="Fernando Raposo da Camara Silva" userId="S::fernando.camara@serpro.gov.br::b5a100ac-d9df-4791-818e-20c2ebd1755b" providerId="AD" clId="Web-{C8710796-F470-AC18-3CB4-DDA9D477267E}" dt="2024-03-31T14:27:00.167" v="452"/>
-        <pc:sldMkLst>
-          <pc:docMk/>
-          <pc:sldMk cId="0" sldId="263"/>
-        </pc:sldMkLst>
-      </pc:sldChg>
-      <pc:sldChg chg="del">
-        <pc:chgData name="Fernando Raposo da Camara Silva" userId="S::fernando.camara@serpro.gov.br::b5a100ac-d9df-4791-818e-20c2ebd1755b" providerId="AD" clId="Web-{C8710796-F470-AC18-3CB4-DDA9D477267E}" dt="2024-03-31T14:27:00.167" v="451"/>
-        <pc:sldMkLst>
-          <pc:docMk/>
-          <pc:sldMk cId="0" sldId="264"/>
-        </pc:sldMkLst>
-      </pc:sldChg>
-      <pc:sldChg chg="del">
-        <pc:chgData name="Fernando Raposo da Camara Silva" userId="S::fernando.camara@serpro.gov.br::b5a100ac-d9df-4791-818e-20c2ebd1755b" providerId="AD" clId="Web-{C8710796-F470-AC18-3CB4-DDA9D477267E}" dt="2024-03-31T14:27:00.167" v="450"/>
-        <pc:sldMkLst>
-          <pc:docMk/>
-          <pc:sldMk cId="0" sldId="265"/>
-        </pc:sldMkLst>
-      </pc:sldChg>
-      <pc:sldChg chg="del">
-        <pc:chgData name="Fernando Raposo da Camara Silva" userId="S::fernando.camara@serpro.gov.br::b5a100ac-d9df-4791-818e-20c2ebd1755b" providerId="AD" clId="Web-{C8710796-F470-AC18-3CB4-DDA9D477267E}" dt="2024-03-31T14:27:00.167" v="449"/>
-        <pc:sldMkLst>
-          <pc:docMk/>
-          <pc:sldMk cId="0" sldId="266"/>
-        </pc:sldMkLst>
-      </pc:sldChg>
-      <pc:sldChg chg="del">
-        <pc:chgData name="Fernando Raposo da Camara Silva" userId="S::fernando.camara@serpro.gov.br::b5a100ac-d9df-4791-818e-20c2ebd1755b" providerId="AD" clId="Web-{C8710796-F470-AC18-3CB4-DDA9D477267E}" dt="2024-03-31T14:27:00.167" v="448"/>
-        <pc:sldMkLst>
-          <pc:docMk/>
-          <pc:sldMk cId="0" sldId="267"/>
-        </pc:sldMkLst>
-      </pc:sldChg>
-      <pc:sldChg chg="del">
-        <pc:chgData name="Fernando Raposo da Camara Silva" userId="S::fernando.camara@serpro.gov.br::b5a100ac-d9df-4791-818e-20c2ebd1755b" providerId="AD" clId="Web-{C8710796-F470-AC18-3CB4-DDA9D477267E}" dt="2024-03-31T14:27:00.167" v="447"/>
-        <pc:sldMkLst>
-          <pc:docMk/>
-          <pc:sldMk cId="0" sldId="268"/>
-        </pc:sldMkLst>
-      </pc:sldChg>
-      <pc:sldChg chg="del">
-        <pc:chgData name="Fernando Raposo da Camara Silva" userId="S::fernando.camara@serpro.gov.br::b5a100ac-d9df-4791-818e-20c2ebd1755b" providerId="AD" clId="Web-{C8710796-F470-AC18-3CB4-DDA9D477267E}" dt="2024-03-31T14:27:00.167" v="446"/>
-        <pc:sldMkLst>
-          <pc:docMk/>
-          <pc:sldMk cId="0" sldId="269"/>
-        </pc:sldMkLst>
-      </pc:sldChg>
-      <pc:sldChg chg="del">
-        <pc:chgData name="Fernando Raposo da Camara Silva" userId="S::fernando.camara@serpro.gov.br::b5a100ac-d9df-4791-818e-20c2ebd1755b" providerId="AD" clId="Web-{C8710796-F470-AC18-3CB4-DDA9D477267E}" dt="2024-03-31T14:27:00.151" v="445"/>
-        <pc:sldMkLst>
-          <pc:docMk/>
-          <pc:sldMk cId="0" sldId="270"/>
-        </pc:sldMkLst>
-      </pc:sldChg>
-      <pc:sldChg chg="del">
-        <pc:chgData name="Fernando Raposo da Camara Silva" userId="S::fernando.camara@serpro.gov.br::b5a100ac-d9df-4791-818e-20c2ebd1755b" providerId="AD" clId="Web-{C8710796-F470-AC18-3CB4-DDA9D477267E}" dt="2024-03-31T14:27:00.151" v="444"/>
-        <pc:sldMkLst>
-          <pc:docMk/>
-          <pc:sldMk cId="0" sldId="271"/>
-        </pc:sldMkLst>
-      </pc:sldChg>
-      <pc:sldChg chg="del">
-        <pc:chgData name="Fernando Raposo da Camara Silva" userId="S::fernando.camara@serpro.gov.br::b5a100ac-d9df-4791-818e-20c2ebd1755b" providerId="AD" clId="Web-{C8710796-F470-AC18-3CB4-DDA9D477267E}" dt="2024-03-31T14:27:00.151" v="443"/>
-        <pc:sldMkLst>
-          <pc:docMk/>
-          <pc:sldMk cId="0" sldId="272"/>
-        </pc:sldMkLst>
-      </pc:sldChg>
-      <pc:sldChg chg="del">
-        <pc:chgData name="Fernando Raposo da Camara Silva" userId="S::fernando.camara@serpro.gov.br::b5a100ac-d9df-4791-818e-20c2ebd1755b" providerId="AD" clId="Web-{C8710796-F470-AC18-3CB4-DDA9D477267E}" dt="2024-03-31T14:27:00.151" v="442"/>
-        <pc:sldMkLst>
-          <pc:docMk/>
-          <pc:sldMk cId="0" sldId="273"/>
-        </pc:sldMkLst>
-      </pc:sldChg>
-      <pc:sldChg chg="del">
-        <pc:chgData name="Fernando Raposo da Camara Silva" userId="S::fernando.camara@serpro.gov.br::b5a100ac-d9df-4791-818e-20c2ebd1755b" providerId="AD" clId="Web-{C8710796-F470-AC18-3CB4-DDA9D477267E}" dt="2024-03-31T14:27:00.151" v="441"/>
-        <pc:sldMkLst>
-          <pc:docMk/>
-          <pc:sldMk cId="0" sldId="274"/>
-        </pc:sldMkLst>
-      </pc:sldChg>
-      <pc:sldChg chg="delSp modSp">
-        <pc:chgData name="Fernando Raposo da Camara Silva" userId="S::fernando.camara@serpro.gov.br::b5a100ac-d9df-4791-818e-20c2ebd1755b" providerId="AD" clId="Web-{C8710796-F470-AC18-3CB4-DDA9D477267E}" dt="2024-03-31T14:27:18.027" v="469" actId="20577"/>
-        <pc:sldMkLst>
-          <pc:docMk/>
-          <pc:sldMk cId="0" sldId="275"/>
-        </pc:sldMkLst>
-        <pc:spChg chg="del">
-          <ac:chgData name="Fernando Raposo da Camara Silva" userId="S::fernando.camara@serpro.gov.br::b5a100ac-d9df-4791-818e-20c2ebd1755b" providerId="AD" clId="Web-{C8710796-F470-AC18-3CB4-DDA9D477267E}" dt="2024-03-31T14:27:11.527" v="463"/>
-          <ac:spMkLst>
-            <pc:docMk/>
-            <pc:sldMk cId="0" sldId="275"/>
-            <ac:spMk id="307" creationId="{00000000-0000-0000-0000-000000000000}"/>
-          </ac:spMkLst>
-        </pc:spChg>
-        <pc:spChg chg="mod">
-          <ac:chgData name="Fernando Raposo da Camara Silva" userId="S::fernando.camara@serpro.gov.br::b5a100ac-d9df-4791-818e-20c2ebd1755b" providerId="AD" clId="Web-{C8710796-F470-AC18-3CB4-DDA9D477267E}" dt="2024-03-31T14:27:06.667" v="462" actId="20577"/>
-          <ac:spMkLst>
-            <pc:docMk/>
-            <pc:sldMk cId="0" sldId="275"/>
-            <ac:spMk id="310" creationId="{00000000-0000-0000-0000-000000000000}"/>
-          </ac:spMkLst>
-        </pc:spChg>
-        <pc:spChg chg="mod">
-          <ac:chgData name="Fernando Raposo da Camara Silva" userId="S::fernando.camara@serpro.gov.br::b5a100ac-d9df-4791-818e-20c2ebd1755b" providerId="AD" clId="Web-{C8710796-F470-AC18-3CB4-DDA9D477267E}" dt="2024-03-31T14:27:18.027" v="469" actId="20577"/>
-          <ac:spMkLst>
-            <pc:docMk/>
-            <pc:sldMk cId="0" sldId="275"/>
-            <ac:spMk id="311" creationId="{00000000-0000-0000-0000-000000000000}"/>
-          </ac:spMkLst>
-        </pc:spChg>
-      </pc:sldChg>
-      <pc:sldChg chg="modSp">
-        <pc:chgData name="Fernando Raposo da Camara Silva" userId="S::fernando.camara@serpro.gov.br::b5a100ac-d9df-4791-818e-20c2ebd1755b" providerId="AD" clId="Web-{C8710796-F470-AC18-3CB4-DDA9D477267E}" dt="2024-03-31T13:53:25.389" v="88" actId="1076"/>
-        <pc:sldMkLst>
-          <pc:docMk/>
-          <pc:sldMk cId="1197745084" sldId="285"/>
-        </pc:sldMkLst>
-        <pc:spChg chg="mod">
-          <ac:chgData name="Fernando Raposo da Camara Silva" userId="S::fernando.camara@serpro.gov.br::b5a100ac-d9df-4791-818e-20c2ebd1755b" providerId="AD" clId="Web-{C8710796-F470-AC18-3CB4-DDA9D477267E}" dt="2024-03-31T13:53:25.389" v="88" actId="1076"/>
-          <ac:spMkLst>
-            <pc:docMk/>
-            <pc:sldMk cId="1197745084" sldId="285"/>
-            <ac:spMk id="2" creationId="{06A5B88B-CCC5-18D6-017B-941E4717321C}"/>
-          </ac:spMkLst>
-        </pc:spChg>
-        <pc:spChg chg="mod">
-          <ac:chgData name="Fernando Raposo da Camara Silva" userId="S::fernando.camara@serpro.gov.br::b5a100ac-d9df-4791-818e-20c2ebd1755b" providerId="AD" clId="Web-{C8710796-F470-AC18-3CB4-DDA9D477267E}" dt="2024-03-31T13:53:19.139" v="87" actId="20577"/>
-          <ac:spMkLst>
-            <pc:docMk/>
-            <pc:sldMk cId="1197745084" sldId="285"/>
-            <ac:spMk id="98" creationId="{00000000-0000-0000-0000-000000000000}"/>
-          </ac:spMkLst>
-        </pc:spChg>
-      </pc:sldChg>
-      <pc:sldChg chg="delSp modSp add replId">
-        <pc:chgData name="Fernando Raposo da Camara Silva" userId="S::fernando.camara@serpro.gov.br::b5a100ac-d9df-4791-818e-20c2ebd1755b" providerId="AD" clId="Web-{C8710796-F470-AC18-3CB4-DDA9D477267E}" dt="2024-03-31T13:52:27.527" v="46" actId="20577"/>
-        <pc:sldMkLst>
-          <pc:docMk/>
-          <pc:sldMk cId="738089169" sldId="286"/>
-        </pc:sldMkLst>
-        <pc:spChg chg="del">
-          <ac:chgData name="Fernando Raposo da Camara Silva" userId="S::fernando.camara@serpro.gov.br::b5a100ac-d9df-4791-818e-20c2ebd1755b" providerId="AD" clId="Web-{C8710796-F470-AC18-3CB4-DDA9D477267E}" dt="2024-03-31T13:51:04.506" v="7"/>
-          <ac:spMkLst>
-            <pc:docMk/>
-            <pc:sldMk cId="738089169" sldId="286"/>
-            <ac:spMk id="2" creationId="{06A5B88B-CCC5-18D6-017B-941E4717321C}"/>
-          </ac:spMkLst>
-        </pc:spChg>
-        <pc:spChg chg="mod">
-          <ac:chgData name="Fernando Raposo da Camara Silva" userId="S::fernando.camara@serpro.gov.br::b5a100ac-d9df-4791-818e-20c2ebd1755b" providerId="AD" clId="Web-{C8710796-F470-AC18-3CB4-DDA9D477267E}" dt="2024-03-31T13:52:27.527" v="46" actId="20577"/>
-          <ac:spMkLst>
-            <pc:docMk/>
-            <pc:sldMk cId="738089169" sldId="286"/>
-            <ac:spMk id="98" creationId="{00000000-0000-0000-0000-000000000000}"/>
-          </ac:spMkLst>
-        </pc:spChg>
-      </pc:sldChg>
-      <pc:sldChg chg="addSp modSp add replId">
-        <pc:chgData name="Fernando Raposo da Camara Silva" userId="S::fernando.camara@serpro.gov.br::b5a100ac-d9df-4791-818e-20c2ebd1755b" providerId="AD" clId="Web-{C8710796-F470-AC18-3CB4-DDA9D477267E}" dt="2024-03-31T13:57:20.449" v="114" actId="20577"/>
-        <pc:sldMkLst>
-          <pc:docMk/>
-          <pc:sldMk cId="2382129055" sldId="287"/>
-        </pc:sldMkLst>
-        <pc:spChg chg="add mod">
-          <ac:chgData name="Fernando Raposo da Camara Silva" userId="S::fernando.camara@serpro.gov.br::b5a100ac-d9df-4791-818e-20c2ebd1755b" providerId="AD" clId="Web-{C8710796-F470-AC18-3CB4-DDA9D477267E}" dt="2024-03-31T13:57:20.449" v="114" actId="20577"/>
-          <ac:spMkLst>
-            <pc:docMk/>
-            <pc:sldMk cId="2382129055" sldId="287"/>
-            <ac:spMk id="2" creationId="{357321F7-0796-DA5F-2B11-419B1565CDCF}"/>
-          </ac:spMkLst>
-        </pc:spChg>
-        <pc:spChg chg="mod">
-          <ac:chgData name="Fernando Raposo da Camara Silva" userId="S::fernando.camara@serpro.gov.br::b5a100ac-d9df-4791-818e-20c2ebd1755b" providerId="AD" clId="Web-{C8710796-F470-AC18-3CB4-DDA9D477267E}" dt="2024-03-31T13:55:28.630" v="112" actId="20577"/>
-          <ac:spMkLst>
-            <pc:docMk/>
-            <pc:sldMk cId="2382129055" sldId="287"/>
-            <ac:spMk id="98" creationId="{00000000-0000-0000-0000-000000000000}"/>
-          </ac:spMkLst>
-        </pc:spChg>
-      </pc:sldChg>
-      <pc:sldChg chg="addSp delSp modSp add replId">
-        <pc:chgData name="Fernando Raposo da Camara Silva" userId="S::fernando.camara@serpro.gov.br::b5a100ac-d9df-4791-818e-20c2ebd1755b" providerId="AD" clId="Web-{C8710796-F470-AC18-3CB4-DDA9D477267E}" dt="2024-03-31T13:59:29.238" v="142" actId="20577"/>
-        <pc:sldMkLst>
-          <pc:docMk/>
-          <pc:sldMk cId="2407284507" sldId="288"/>
-        </pc:sldMkLst>
-        <pc:spChg chg="del mod">
-          <ac:chgData name="Fernando Raposo da Camara Silva" userId="S::fernando.camara@serpro.gov.br::b5a100ac-d9df-4791-818e-20c2ebd1755b" providerId="AD" clId="Web-{C8710796-F470-AC18-3CB4-DDA9D477267E}" dt="2024-03-31T13:58:28.187" v="131"/>
-          <ac:spMkLst>
-            <pc:docMk/>
-            <pc:sldMk cId="2407284507" sldId="288"/>
-            <ac:spMk id="2" creationId="{357321F7-0796-DA5F-2B11-419B1565CDCF}"/>
-          </ac:spMkLst>
-        </pc:spChg>
-        <pc:spChg chg="add mod">
-          <ac:chgData name="Fernando Raposo da Camara Silva" userId="S::fernando.camara@serpro.gov.br::b5a100ac-d9df-4791-818e-20c2ebd1755b" providerId="AD" clId="Web-{C8710796-F470-AC18-3CB4-DDA9D477267E}" dt="2024-03-31T13:59:29.238" v="142" actId="20577"/>
-          <ac:spMkLst>
-            <pc:docMk/>
-            <pc:sldMk cId="2407284507" sldId="288"/>
-            <ac:spMk id="4" creationId="{2B39369E-A6E1-47EF-C098-D0D0B3A986CD}"/>
-          </ac:spMkLst>
-        </pc:spChg>
-        <pc:spChg chg="mod">
-          <ac:chgData name="Fernando Raposo da Camara Silva" userId="S::fernando.camara@serpro.gov.br::b5a100ac-d9df-4791-818e-20c2ebd1755b" providerId="AD" clId="Web-{C8710796-F470-AC18-3CB4-DDA9D477267E}" dt="2024-03-31T13:57:59.045" v="126" actId="20577"/>
-          <ac:spMkLst>
-            <pc:docMk/>
-            <pc:sldMk cId="2407284507" sldId="288"/>
-            <ac:spMk id="95" creationId="{00000000-0000-0000-0000-000000000000}"/>
-          </ac:spMkLst>
-        </pc:spChg>
-        <pc:spChg chg="mod">
-          <ac:chgData name="Fernando Raposo da Camara Silva" userId="S::fernando.camara@serpro.gov.br::b5a100ac-d9df-4791-818e-20c2ebd1755b" providerId="AD" clId="Web-{C8710796-F470-AC18-3CB4-DDA9D477267E}" dt="2024-03-31T13:58:30.750" v="132" actId="20577"/>
-          <ac:spMkLst>
-            <pc:docMk/>
-            <pc:sldMk cId="2407284507" sldId="288"/>
-            <ac:spMk id="98" creationId="{00000000-0000-0000-0000-000000000000}"/>
-          </ac:spMkLst>
-        </pc:spChg>
-        <pc:picChg chg="add mod">
-          <ac:chgData name="Fernando Raposo da Camara Silva" userId="S::fernando.camara@serpro.gov.br::b5a100ac-d9df-4791-818e-20c2ebd1755b" providerId="AD" clId="Web-{C8710796-F470-AC18-3CB4-DDA9D477267E}" dt="2024-03-31T13:58:43.985" v="135" actId="14100"/>
-          <ac:picMkLst>
-            <pc:docMk/>
-            <pc:sldMk cId="2407284507" sldId="288"/>
-            <ac:picMk id="3" creationId="{EA094C65-03B5-F3DA-B023-AE4BBBCCF3B4}"/>
-          </ac:picMkLst>
-        </pc:picChg>
-      </pc:sldChg>
-      <pc:sldChg chg="addSp delSp modSp add replId">
-        <pc:chgData name="Fernando Raposo da Camara Silva" userId="S::fernando.camara@serpro.gov.br::b5a100ac-d9df-4791-818e-20c2ebd1755b" providerId="AD" clId="Web-{C8710796-F470-AC18-3CB4-DDA9D477267E}" dt="2024-03-31T14:02:15.458" v="196" actId="14100"/>
-        <pc:sldMkLst>
-          <pc:docMk/>
-          <pc:sldMk cId="1070511851" sldId="289"/>
-        </pc:sldMkLst>
-        <pc:spChg chg="del mod">
-          <ac:chgData name="Fernando Raposo da Camara Silva" userId="S::fernando.camara@serpro.gov.br::b5a100ac-d9df-4791-818e-20c2ebd1755b" providerId="AD" clId="Web-{C8710796-F470-AC18-3CB4-DDA9D477267E}" dt="2024-03-31T14:00:04.458" v="146"/>
-          <ac:spMkLst>
-            <pc:docMk/>
-            <pc:sldMk cId="1070511851" sldId="289"/>
-            <ac:spMk id="4" creationId="{2B39369E-A6E1-47EF-C098-D0D0B3A986CD}"/>
-          </ac:spMkLst>
-        </pc:spChg>
-        <pc:spChg chg="mod">
-          <ac:chgData name="Fernando Raposo da Camara Silva" userId="S::fernando.camara@serpro.gov.br::b5a100ac-d9df-4791-818e-20c2ebd1755b" providerId="AD" clId="Web-{C8710796-F470-AC18-3CB4-DDA9D477267E}" dt="2024-03-31T14:01:30.143" v="185" actId="20577"/>
-          <ac:spMkLst>
-            <pc:docMk/>
-            <pc:sldMk cId="1070511851" sldId="289"/>
-            <ac:spMk id="98" creationId="{00000000-0000-0000-0000-000000000000}"/>
-          </ac:spMkLst>
-        </pc:spChg>
-        <pc:picChg chg="add mod">
-          <ac:chgData name="Fernando Raposo da Camara Silva" userId="S::fernando.camara@serpro.gov.br::b5a100ac-d9df-4791-818e-20c2ebd1755b" providerId="AD" clId="Web-{C8710796-F470-AC18-3CB4-DDA9D477267E}" dt="2024-03-31T14:01:54.707" v="191" actId="1076"/>
-          <ac:picMkLst>
-            <pc:docMk/>
-            <pc:sldMk cId="1070511851" sldId="289"/>
-            <ac:picMk id="2" creationId="{988B8D98-CDA4-7913-A00A-2497BA22B06F}"/>
-          </ac:picMkLst>
-        </pc:picChg>
-        <pc:picChg chg="del">
-          <ac:chgData name="Fernando Raposo da Camara Silva" userId="S::fernando.camara@serpro.gov.br::b5a100ac-d9df-4791-818e-20c2ebd1755b" providerId="AD" clId="Web-{C8710796-F470-AC18-3CB4-DDA9D477267E}" dt="2024-03-31T14:00:08.740" v="147"/>
-          <ac:picMkLst>
-            <pc:docMk/>
-            <pc:sldMk cId="1070511851" sldId="289"/>
-            <ac:picMk id="3" creationId="{EA094C65-03B5-F3DA-B023-AE4BBBCCF3B4}"/>
-          </ac:picMkLst>
-        </pc:picChg>
-        <pc:picChg chg="add mod">
-          <ac:chgData name="Fernando Raposo da Camara Silva" userId="S::fernando.camara@serpro.gov.br::b5a100ac-d9df-4791-818e-20c2ebd1755b" providerId="AD" clId="Web-{C8710796-F470-AC18-3CB4-DDA9D477267E}" dt="2024-03-31T14:01:50.222" v="190" actId="1076"/>
-          <ac:picMkLst>
-            <pc:docMk/>
-            <pc:sldMk cId="1070511851" sldId="289"/>
-            <ac:picMk id="5" creationId="{08EDCA06-6DC6-4063-2B6C-D132918E18EA}"/>
-          </ac:picMkLst>
-        </pc:picChg>
-        <pc:picChg chg="add mod">
-          <ac:chgData name="Fernando Raposo da Camara Silva" userId="S::fernando.camara@serpro.gov.br::b5a100ac-d9df-4791-818e-20c2ebd1755b" providerId="AD" clId="Web-{C8710796-F470-AC18-3CB4-DDA9D477267E}" dt="2024-03-31T14:01:47.269" v="189" actId="1076"/>
-          <ac:picMkLst>
-            <pc:docMk/>
-            <pc:sldMk cId="1070511851" sldId="289"/>
-            <ac:picMk id="6" creationId="{312B6CAC-FDC6-663B-4111-1A0619DA104D}"/>
-          </ac:picMkLst>
-        </pc:picChg>
-        <pc:picChg chg="add mod">
-          <ac:chgData name="Fernando Raposo da Camara Silva" userId="S::fernando.camara@serpro.gov.br::b5a100ac-d9df-4791-818e-20c2ebd1755b" providerId="AD" clId="Web-{C8710796-F470-AC18-3CB4-DDA9D477267E}" dt="2024-03-31T14:02:02.629" v="193" actId="1076"/>
-          <ac:picMkLst>
-            <pc:docMk/>
-            <pc:sldMk cId="1070511851" sldId="289"/>
-            <ac:picMk id="7" creationId="{701B3C7C-4353-42EF-B5C4-F8ACC0F22E79}"/>
-          </ac:picMkLst>
-        </pc:picChg>
-        <pc:picChg chg="add mod">
-          <ac:chgData name="Fernando Raposo da Camara Silva" userId="S::fernando.camara@serpro.gov.br::b5a100ac-d9df-4791-818e-20c2ebd1755b" providerId="AD" clId="Web-{C8710796-F470-AC18-3CB4-DDA9D477267E}" dt="2024-03-31T14:02:15.458" v="196" actId="14100"/>
-          <ac:picMkLst>
-            <pc:docMk/>
-            <pc:sldMk cId="1070511851" sldId="289"/>
-            <ac:picMk id="8" creationId="{5443580D-D5E3-E076-AFC2-3812A750860A}"/>
-          </ac:picMkLst>
-        </pc:picChg>
-      </pc:sldChg>
-      <pc:sldChg chg="addSp delSp modSp add ord replId">
-        <pc:chgData name="Fernando Raposo da Camara Silva" userId="S::fernando.camara@serpro.gov.br::b5a100ac-d9df-4791-818e-20c2ebd1755b" providerId="AD" clId="Web-{C8710796-F470-AC18-3CB4-DDA9D477267E}" dt="2024-03-31T14:04:57.858" v="217" actId="1076"/>
-        <pc:sldMkLst>
-          <pc:docMk/>
-          <pc:sldMk cId="1030301561" sldId="290"/>
-        </pc:sldMkLst>
-        <pc:spChg chg="del">
-          <ac:chgData name="Fernando Raposo da Camara Silva" userId="S::fernando.camara@serpro.gov.br::b5a100ac-d9df-4791-818e-20c2ebd1755b" providerId="AD" clId="Web-{C8710796-F470-AC18-3CB4-DDA9D477267E}" dt="2024-03-31T14:03:49.635" v="200"/>
-          <ac:spMkLst>
-            <pc:docMk/>
-            <pc:sldMk cId="1030301561" sldId="290"/>
-            <ac:spMk id="4" creationId="{2B39369E-A6E1-47EF-C098-D0D0B3A986CD}"/>
-          </ac:spMkLst>
-        </pc:spChg>
-        <pc:spChg chg="mod">
-          <ac:chgData name="Fernando Raposo da Camara Silva" userId="S::fernando.camara@serpro.gov.br::b5a100ac-d9df-4791-818e-20c2ebd1755b" providerId="AD" clId="Web-{C8710796-F470-AC18-3CB4-DDA9D477267E}" dt="2024-03-31T14:04:56.233" v="216" actId="20577"/>
-          <ac:spMkLst>
-            <pc:docMk/>
-            <pc:sldMk cId="1030301561" sldId="290"/>
-            <ac:spMk id="98" creationId="{00000000-0000-0000-0000-000000000000}"/>
-          </ac:spMkLst>
-        </pc:spChg>
-        <pc:picChg chg="add mod">
-          <ac:chgData name="Fernando Raposo da Camara Silva" userId="S::fernando.camara@serpro.gov.br::b5a100ac-d9df-4791-818e-20c2ebd1755b" providerId="AD" clId="Web-{C8710796-F470-AC18-3CB4-DDA9D477267E}" dt="2024-03-31T14:04:57.858" v="217" actId="1076"/>
-          <ac:picMkLst>
-            <pc:docMk/>
-            <pc:sldMk cId="1030301561" sldId="290"/>
-            <ac:picMk id="2" creationId="{D3FD1427-1950-806E-CB7F-ED6B036A1540}"/>
-          </ac:picMkLst>
-        </pc:picChg>
-        <pc:picChg chg="del">
-          <ac:chgData name="Fernando Raposo da Camara Silva" userId="S::fernando.camara@serpro.gov.br::b5a100ac-d9df-4791-818e-20c2ebd1755b" providerId="AD" clId="Web-{C8710796-F470-AC18-3CB4-DDA9D477267E}" dt="2024-03-31T14:03:46.573" v="199"/>
-          <ac:picMkLst>
-            <pc:docMk/>
-            <pc:sldMk cId="1030301561" sldId="290"/>
-            <ac:picMk id="3" creationId="{EA094C65-03B5-F3DA-B023-AE4BBBCCF3B4}"/>
-          </ac:picMkLst>
-        </pc:picChg>
-      </pc:sldChg>
-      <pc:sldChg chg="addSp delSp modSp add del replId">
-        <pc:chgData name="Fernando Raposo da Camara Silva" userId="S::fernando.camara@serpro.gov.br::b5a100ac-d9df-4791-818e-20c2ebd1755b" providerId="AD" clId="Web-{C8710796-F470-AC18-3CB4-DDA9D477267E}" dt="2024-03-31T14:09:28.828" v="226"/>
-        <pc:sldMkLst>
-          <pc:docMk/>
-          <pc:sldMk cId="697959059" sldId="291"/>
-        </pc:sldMkLst>
-        <pc:spChg chg="add mod">
-          <ac:chgData name="Fernando Raposo da Camara Silva" userId="S::fernando.camara@serpro.gov.br::b5a100ac-d9df-4791-818e-20c2ebd1755b" providerId="AD" clId="Web-{C8710796-F470-AC18-3CB4-DDA9D477267E}" dt="2024-03-31T14:09:22.968" v="225"/>
-          <ac:spMkLst>
-            <pc:docMk/>
-            <pc:sldMk cId="697959059" sldId="291"/>
-            <ac:spMk id="3" creationId="{555817B6-9E12-0139-D196-CAB157A494CE}"/>
-          </ac:spMkLst>
-        </pc:spChg>
-        <pc:spChg chg="mod">
-          <ac:chgData name="Fernando Raposo da Camara Silva" userId="S::fernando.camara@serpro.gov.br::b5a100ac-d9df-4791-818e-20c2ebd1755b" providerId="AD" clId="Web-{C8710796-F470-AC18-3CB4-DDA9D477267E}" dt="2024-03-31T14:08:53.623" v="220" actId="20577"/>
-          <ac:spMkLst>
-            <pc:docMk/>
-            <pc:sldMk cId="697959059" sldId="291"/>
-            <ac:spMk id="95" creationId="{00000000-0000-0000-0000-000000000000}"/>
-          </ac:spMkLst>
-        </pc:spChg>
-        <pc:spChg chg="del mod">
-          <ac:chgData name="Fernando Raposo da Camara Silva" userId="S::fernando.camara@serpro.gov.br::b5a100ac-d9df-4791-818e-20c2ebd1755b" providerId="AD" clId="Web-{C8710796-F470-AC18-3CB4-DDA9D477267E}" dt="2024-03-31T14:09:16.124" v="223"/>
-          <ac:spMkLst>
-            <pc:docMk/>
-            <pc:sldMk cId="697959059" sldId="291"/>
-            <ac:spMk id="98" creationId="{00000000-0000-0000-0000-000000000000}"/>
-          </ac:spMkLst>
-        </pc:spChg>
-        <pc:picChg chg="del">
-          <ac:chgData name="Fernando Raposo da Camara Silva" userId="S::fernando.camara@serpro.gov.br::b5a100ac-d9df-4791-818e-20c2ebd1755b" providerId="AD" clId="Web-{C8710796-F470-AC18-3CB4-DDA9D477267E}" dt="2024-03-31T14:08:56.842" v="221"/>
-          <ac:picMkLst>
-            <pc:docMk/>
-            <pc:sldMk cId="697959059" sldId="291"/>
-            <ac:picMk id="2" creationId="{D3FD1427-1950-806E-CB7F-ED6B036A1540}"/>
-          </ac:picMkLst>
-        </pc:picChg>
-      </pc:sldChg>
-      <pc:sldChg chg="addSp delSp modSp add ord replId">
-        <pc:chgData name="Fernando Raposo da Camara Silva" userId="S::fernando.camara@serpro.gov.br::b5a100ac-d9df-4791-818e-20c2ebd1755b" providerId="AD" clId="Web-{C8710796-F470-AC18-3CB4-DDA9D477267E}" dt="2024-03-31T14:12:38.495" v="281" actId="20577"/>
-        <pc:sldMkLst>
-          <pc:docMk/>
-          <pc:sldMk cId="3900349760" sldId="291"/>
-        </pc:sldMkLst>
-        <pc:spChg chg="add del mod">
-          <ac:chgData name="Fernando Raposo da Camara Silva" userId="S::fernando.camara@serpro.gov.br::b5a100ac-d9df-4791-818e-20c2ebd1755b" providerId="AD" clId="Web-{C8710796-F470-AC18-3CB4-DDA9D477267E}" dt="2024-03-31T14:12:38.495" v="281" actId="20577"/>
-          <ac:spMkLst>
-            <pc:docMk/>
-            <pc:sldMk cId="3900349760" sldId="291"/>
-            <ac:spMk id="2" creationId="{357321F7-0796-DA5F-2B11-419B1565CDCF}"/>
-          </ac:spMkLst>
-        </pc:spChg>
-        <pc:spChg chg="mod">
-          <ac:chgData name="Fernando Raposo da Camara Silva" userId="S::fernando.camara@serpro.gov.br::b5a100ac-d9df-4791-818e-20c2ebd1755b" providerId="AD" clId="Web-{C8710796-F470-AC18-3CB4-DDA9D477267E}" dt="2024-03-31T14:10:08.096" v="235" actId="20577"/>
-          <ac:spMkLst>
-            <pc:docMk/>
-            <pc:sldMk cId="3900349760" sldId="291"/>
-            <ac:spMk id="95" creationId="{00000000-0000-0000-0000-000000000000}"/>
-          </ac:spMkLst>
-        </pc:spChg>
-        <pc:spChg chg="mod">
-          <ac:chgData name="Fernando Raposo da Camara Silva" userId="S::fernando.camara@serpro.gov.br::b5a100ac-d9df-4791-818e-20c2ebd1755b" providerId="AD" clId="Web-{C8710796-F470-AC18-3CB4-DDA9D477267E}" dt="2024-03-31T14:11:24.163" v="269" actId="20577"/>
-          <ac:spMkLst>
-            <pc:docMk/>
-            <pc:sldMk cId="3900349760" sldId="291"/>
-            <ac:spMk id="98" creationId="{00000000-0000-0000-0000-000000000000}"/>
-          </ac:spMkLst>
-        </pc:spChg>
-      </pc:sldChg>
-      <pc:sldChg chg="addSp delSp modSp add replId">
-        <pc:chgData name="Fernando Raposo da Camara Silva" userId="S::fernando.camara@serpro.gov.br::b5a100ac-d9df-4791-818e-20c2ebd1755b" providerId="AD" clId="Web-{C8710796-F470-AC18-3CB4-DDA9D477267E}" dt="2024-03-31T14:26:40.681" v="440" actId="20577"/>
-        <pc:sldMkLst>
-          <pc:docMk/>
-          <pc:sldMk cId="3159292416" sldId="292"/>
-        </pc:sldMkLst>
-        <pc:spChg chg="del mod">
-          <ac:chgData name="Fernando Raposo da Camara Silva" userId="S::fernando.camara@serpro.gov.br::b5a100ac-d9df-4791-818e-20c2ebd1755b" providerId="AD" clId="Web-{C8710796-F470-AC18-3CB4-DDA9D477267E}" dt="2024-03-31T14:13:02.747" v="297"/>
-          <ac:spMkLst>
-            <pc:docMk/>
-            <pc:sldMk cId="3159292416" sldId="292"/>
-            <ac:spMk id="2" creationId="{357321F7-0796-DA5F-2B11-419B1565CDCF}"/>
-          </ac:spMkLst>
-        </pc:spChg>
-        <pc:spChg chg="add mod">
-          <ac:chgData name="Fernando Raposo da Camara Silva" userId="S::fernando.camara@serpro.gov.br::b5a100ac-d9df-4791-818e-20c2ebd1755b" providerId="AD" clId="Web-{C8710796-F470-AC18-3CB4-DDA9D477267E}" dt="2024-03-31T14:26:40.681" v="440" actId="20577"/>
-          <ac:spMkLst>
-            <pc:docMk/>
-            <pc:sldMk cId="3159292416" sldId="292"/>
-            <ac:spMk id="3" creationId="{DE1FB6A9-AADD-99BA-B377-053709D6F572}"/>
-          </ac:spMkLst>
-        </pc:spChg>
-        <pc:spChg chg="mod">
-          <ac:chgData name="Fernando Raposo da Camara Silva" userId="S::fernando.camara@serpro.gov.br::b5a100ac-d9df-4791-818e-20c2ebd1755b" providerId="AD" clId="Web-{C8710796-F470-AC18-3CB4-DDA9D477267E}" dt="2024-03-31T14:12:49.808" v="295" actId="20577"/>
-          <ac:spMkLst>
-            <pc:docMk/>
-            <pc:sldMk cId="3159292416" sldId="292"/>
-            <ac:spMk id="95" creationId="{00000000-0000-0000-0000-000000000000}"/>
-          </ac:spMkLst>
-        </pc:spChg>
-        <pc:spChg chg="mod">
-          <ac:chgData name="Fernando Raposo da Camara Silva" userId="S::fernando.camara@serpro.gov.br::b5a100ac-d9df-4791-818e-20c2ebd1755b" providerId="AD" clId="Web-{C8710796-F470-AC18-3CB4-DDA9D477267E}" dt="2024-03-31T14:18:12.315" v="327" actId="20577"/>
-          <ac:spMkLst>
-            <pc:docMk/>
-            <pc:sldMk cId="3159292416" sldId="292"/>
-            <ac:spMk id="98" creationId="{00000000-0000-0000-0000-000000000000}"/>
-          </ac:spMkLst>
-        </pc:spChg>
-      </pc:sldChg>
-      <pc:sldChg chg="addSp delSp modSp add replId">
-        <pc:chgData name="Fernando Raposo da Camara Silva" userId="S::fernando.camara@serpro.gov.br::b5a100ac-d9df-4791-818e-20c2ebd1755b" providerId="AD" clId="Web-{C8710796-F470-AC18-3CB4-DDA9D477267E}" dt="2024-03-31T14:18:35.036" v="335" actId="1076"/>
-        <pc:sldMkLst>
-          <pc:docMk/>
-          <pc:sldMk cId="2349789114" sldId="293"/>
-        </pc:sldMkLst>
-        <pc:spChg chg="mod">
-          <ac:chgData name="Fernando Raposo da Camara Silva" userId="S::fernando.camara@serpro.gov.br::b5a100ac-d9df-4791-818e-20c2ebd1755b" providerId="AD" clId="Web-{C8710796-F470-AC18-3CB4-DDA9D477267E}" dt="2024-03-31T14:18:18.409" v="329" actId="20577"/>
-          <ac:spMkLst>
-            <pc:docMk/>
-            <pc:sldMk cId="2349789114" sldId="293"/>
-            <ac:spMk id="95" creationId="{00000000-0000-0000-0000-000000000000}"/>
-          </ac:spMkLst>
-        </pc:spChg>
-        <pc:spChg chg="del mod">
-          <ac:chgData name="Fernando Raposo da Camara Silva" userId="S::fernando.camara@serpro.gov.br::b5a100ac-d9df-4791-818e-20c2ebd1755b" providerId="AD" clId="Web-{C8710796-F470-AC18-3CB4-DDA9D477267E}" dt="2024-03-31T14:18:29.098" v="332"/>
-          <ac:spMkLst>
-            <pc:docMk/>
-            <pc:sldMk cId="2349789114" sldId="293"/>
-            <ac:spMk id="98" creationId="{00000000-0000-0000-0000-000000000000}"/>
-          </ac:spMkLst>
-        </pc:spChg>
-        <pc:picChg chg="add mod">
-          <ac:chgData name="Fernando Raposo da Camara Silva" userId="S::fernando.camara@serpro.gov.br::b5a100ac-d9df-4791-818e-20c2ebd1755b" providerId="AD" clId="Web-{C8710796-F470-AC18-3CB4-DDA9D477267E}" dt="2024-03-31T14:18:35.036" v="335" actId="1076"/>
-          <ac:picMkLst>
-            <pc:docMk/>
-            <pc:sldMk cId="2349789114" sldId="293"/>
-            <ac:picMk id="2" creationId="{38EE7A4A-806C-1D0B-38C1-D4A8AA61FCE9}"/>
-          </ac:picMkLst>
-        </pc:picChg>
-      </pc:sldChg>
-      <pc:sldChg chg="modSp add ord replId">
-        <pc:chgData name="Fernando Raposo da Camara Silva" userId="S::fernando.camara@serpro.gov.br::b5a100ac-d9df-4791-818e-20c2ebd1755b" providerId="AD" clId="Web-{C8710796-F470-AC18-3CB4-DDA9D477267E}" dt="2024-03-31T14:22:12.025" v="359" actId="20577"/>
-        <pc:sldMkLst>
-          <pc:docMk/>
-          <pc:sldMk cId="1251796851" sldId="294"/>
-        </pc:sldMkLst>
-        <pc:spChg chg="mod">
-          <ac:chgData name="Fernando Raposo da Camara Silva" userId="S::fernando.camara@serpro.gov.br::b5a100ac-d9df-4791-818e-20c2ebd1755b" providerId="AD" clId="Web-{C8710796-F470-AC18-3CB4-DDA9D477267E}" dt="2024-03-31T14:22:12.025" v="359" actId="20577"/>
-          <ac:spMkLst>
-            <pc:docMk/>
-            <pc:sldMk cId="1251796851" sldId="294"/>
-            <ac:spMk id="95" creationId="{00000000-0000-0000-0000-000000000000}"/>
-          </ac:spMkLst>
-        </pc:spChg>
-        <pc:spChg chg="mod">
-          <ac:chgData name="Fernando Raposo da Camara Silva" userId="S::fernando.camara@serpro.gov.br::b5a100ac-d9df-4791-818e-20c2ebd1755b" providerId="AD" clId="Web-{C8710796-F470-AC18-3CB4-DDA9D477267E}" dt="2024-03-31T14:21:59.446" v="354" actId="20577"/>
-          <ac:spMkLst>
-            <pc:docMk/>
-            <pc:sldMk cId="1251796851" sldId="294"/>
-            <ac:spMk id="98" creationId="{00000000-0000-0000-0000-000000000000}"/>
-          </ac:spMkLst>
-        </pc:spChg>
-      </pc:sldChg>
-      <pc:sldChg chg="modSp add replId">
-        <pc:chgData name="Fernando Raposo da Camara Silva" userId="S::fernando.camara@serpro.gov.br::b5a100ac-d9df-4791-818e-20c2ebd1755b" providerId="AD" clId="Web-{C8710796-F470-AC18-3CB4-DDA9D477267E}" dt="2024-03-31T14:24:30.798" v="380" actId="20577"/>
-        <pc:sldMkLst>
-          <pc:docMk/>
-          <pc:sldMk cId="2115054908" sldId="295"/>
-        </pc:sldMkLst>
-        <pc:spChg chg="mod">
-          <ac:chgData name="Fernando Raposo da Camara Silva" userId="S::fernando.camara@serpro.gov.br::b5a100ac-d9df-4791-818e-20c2ebd1755b" providerId="AD" clId="Web-{C8710796-F470-AC18-3CB4-DDA9D477267E}" dt="2024-03-31T14:22:06.978" v="357" actId="20577"/>
-          <ac:spMkLst>
-            <pc:docMk/>
-            <pc:sldMk cId="2115054908" sldId="295"/>
-            <ac:spMk id="95" creationId="{00000000-0000-0000-0000-000000000000}"/>
-          </ac:spMkLst>
-        </pc:spChg>
-        <pc:spChg chg="mod">
-          <ac:chgData name="Fernando Raposo da Camara Silva" userId="S::fernando.camara@serpro.gov.br::b5a100ac-d9df-4791-818e-20c2ebd1755b" providerId="AD" clId="Web-{C8710796-F470-AC18-3CB4-DDA9D477267E}" dt="2024-03-31T14:24:30.798" v="380" actId="20577"/>
-          <ac:spMkLst>
-            <pc:docMk/>
-            <pc:sldMk cId="2115054908" sldId="295"/>
-            <ac:spMk id="98" creationId="{00000000-0000-0000-0000-000000000000}"/>
-          </ac:spMkLst>
-        </pc:spChg>
-      </pc:sldChg>
-      <pc:sldChg chg="modSp add replId">
-        <pc:chgData name="Fernando Raposo da Camara Silva" userId="S::fernando.camara@serpro.gov.br::b5a100ac-d9df-4791-818e-20c2ebd1755b" providerId="AD" clId="Web-{C8710796-F470-AC18-3CB4-DDA9D477267E}" dt="2024-03-31T14:26:04.350" v="412" actId="20577"/>
-        <pc:sldMkLst>
-          <pc:docMk/>
-          <pc:sldMk cId="960611817" sldId="296"/>
-        </pc:sldMkLst>
-        <pc:spChg chg="mod">
-          <ac:chgData name="Fernando Raposo da Camara Silva" userId="S::fernando.camara@serpro.gov.br::b5a100ac-d9df-4791-818e-20c2ebd1755b" providerId="AD" clId="Web-{C8710796-F470-AC18-3CB4-DDA9D477267E}" dt="2024-03-31T14:24:40.705" v="387" actId="20577"/>
-          <ac:spMkLst>
-            <pc:docMk/>
-            <pc:sldMk cId="960611817" sldId="296"/>
-            <ac:spMk id="95" creationId="{00000000-0000-0000-0000-000000000000}"/>
-          </ac:spMkLst>
-        </pc:spChg>
-        <pc:spChg chg="mod">
-          <ac:chgData name="Fernando Raposo da Camara Silva" userId="S::fernando.camara@serpro.gov.br::b5a100ac-d9df-4791-818e-20c2ebd1755b" providerId="AD" clId="Web-{C8710796-F470-AC18-3CB4-DDA9D477267E}" dt="2024-03-31T14:26:04.350" v="412" actId="20577"/>
-          <ac:spMkLst>
-            <pc:docMk/>
-            <pc:sldMk cId="960611817" sldId="296"/>
-            <ac:spMk id="98" creationId="{00000000-0000-0000-0000-000000000000}"/>
-          </ac:spMkLst>
-        </pc:spChg>
-      </pc:sldChg>
-    </pc:docChg>
-  </pc:docChgLst>
-  <pc:docChgLst>
-    <pc:chgData name="Fernando Raposo da Camara Silva" userId="S::fernando.camara@serpro.gov.br::b5a100ac-d9df-4791-818e-20c2ebd1755b" providerId="AD" clId="Web-{C587F600-89DE-C75A-C65B-A9C14F8ED877}"/>
-    <pc:docChg chg="modSld sldOrd">
-      <pc:chgData name="Fernando Raposo da Camara Silva" userId="S::fernando.camara@serpro.gov.br::b5a100ac-d9df-4791-818e-20c2ebd1755b" providerId="AD" clId="Web-{C587F600-89DE-C75A-C65B-A9C14F8ED877}" dt="2024-03-31T13:06:41.053" v="15" actId="20577"/>
-      <pc:docMkLst>
-        <pc:docMk/>
-      </pc:docMkLst>
-      <pc:sldChg chg="delSp modSp ord">
-        <pc:chgData name="Fernando Raposo da Camara Silva" userId="S::fernando.camara@serpro.gov.br::b5a100ac-d9df-4791-818e-20c2ebd1755b" providerId="AD" clId="Web-{C587F600-89DE-C75A-C65B-A9C14F8ED877}" dt="2024-03-31T13:06:41.053" v="15" actId="20577"/>
-        <pc:sldMkLst>
-          <pc:docMk/>
-          <pc:sldMk cId="0" sldId="260"/>
-        </pc:sldMkLst>
-        <pc:spChg chg="mod">
-          <ac:chgData name="Fernando Raposo da Camara Silva" userId="S::fernando.camara@serpro.gov.br::b5a100ac-d9df-4791-818e-20c2ebd1755b" providerId="AD" clId="Web-{C587F600-89DE-C75A-C65B-A9C14F8ED877}" dt="2024-03-31T13:06:07.035" v="8" actId="20577"/>
-          <ac:spMkLst>
-            <pc:docMk/>
-            <pc:sldMk cId="0" sldId="260"/>
-            <ac:spMk id="95" creationId="{00000000-0000-0000-0000-000000000000}"/>
-          </ac:spMkLst>
-        </pc:spChg>
-        <pc:spChg chg="del mod">
-          <ac:chgData name="Fernando Raposo da Camara Silva" userId="S::fernando.camara@serpro.gov.br::b5a100ac-d9df-4791-818e-20c2ebd1755b" providerId="AD" clId="Web-{C587F600-89DE-C75A-C65B-A9C14F8ED877}" dt="2024-03-31T13:05:58.285" v="5"/>
-          <ac:spMkLst>
-            <pc:docMk/>
-            <pc:sldMk cId="0" sldId="260"/>
-            <ac:spMk id="97" creationId="{00000000-0000-0000-0000-000000000000}"/>
-          </ac:spMkLst>
-        </pc:spChg>
-        <pc:spChg chg="mod">
-          <ac:chgData name="Fernando Raposo da Camara Silva" userId="S::fernando.camara@serpro.gov.br::b5a100ac-d9df-4791-818e-20c2ebd1755b" providerId="AD" clId="Web-{C587F600-89DE-C75A-C65B-A9C14F8ED877}" dt="2024-03-31T13:06:41.053" v="15" actId="20577"/>
-          <ac:spMkLst>
-            <pc:docMk/>
-            <pc:sldMk cId="0" sldId="260"/>
-            <ac:spMk id="98" creationId="{00000000-0000-0000-0000-000000000000}"/>
-          </ac:spMkLst>
-        </pc:spChg>
-      </pc:sldChg>
-    </pc:docChg>
-  </pc:docChgLst>
-  <pc:docChgLst>
-    <pc:chgData name="Fernando Raposo da Camara Silva" userId="S::fernando.camara@serpro.gov.br::b5a100ac-d9df-4791-818e-20c2ebd1755b" providerId="AD" clId="Web-{8A15314F-0F57-0098-8850-1F31313A6D8B}"/>
-    <pc:docChg chg="addSld modSld sldOrd">
-      <pc:chgData name="Fernando Raposo da Camara Silva" userId="S::fernando.camara@serpro.gov.br::b5a100ac-d9df-4791-818e-20c2ebd1755b" providerId="AD" clId="Web-{8A15314F-0F57-0098-8850-1F31313A6D8B}" dt="2024-03-31T13:17:02.403" v="223" actId="20577"/>
-      <pc:docMkLst>
-        <pc:docMk/>
-      </pc:docMkLst>
-      <pc:sldChg chg="modSp">
-        <pc:chgData name="Fernando Raposo da Camara Silva" userId="S::fernando.camara@serpro.gov.br::b5a100ac-d9df-4791-818e-20c2ebd1755b" providerId="AD" clId="Web-{8A15314F-0F57-0098-8850-1F31313A6D8B}" dt="2024-03-31T13:14:17.660" v="164" actId="20577"/>
-        <pc:sldMkLst>
-          <pc:docMk/>
-          <pc:sldMk cId="0" sldId="260"/>
-        </pc:sldMkLst>
-        <pc:spChg chg="mod">
-          <ac:chgData name="Fernando Raposo da Camara Silva" userId="S::fernando.camara@serpro.gov.br::b5a100ac-d9df-4791-818e-20c2ebd1755b" providerId="AD" clId="Web-{8A15314F-0F57-0098-8850-1F31313A6D8B}" dt="2024-03-31T13:14:17.660" v="164" actId="20577"/>
-          <ac:spMkLst>
-            <pc:docMk/>
-            <pc:sldMk cId="0" sldId="260"/>
-            <ac:spMk id="98" creationId="{00000000-0000-0000-0000-000000000000}"/>
-          </ac:spMkLst>
-        </pc:spChg>
-      </pc:sldChg>
-      <pc:sldChg chg="addSp modSp add ord replId">
-        <pc:chgData name="Fernando Raposo da Camara Silva" userId="S::fernando.camara@serpro.gov.br::b5a100ac-d9df-4791-818e-20c2ebd1755b" providerId="AD" clId="Web-{8A15314F-0F57-0098-8850-1F31313A6D8B}" dt="2024-03-31T13:13:34.298" v="141" actId="20577"/>
-        <pc:sldMkLst>
-          <pc:docMk/>
-          <pc:sldMk cId="1161621105" sldId="276"/>
-        </pc:sldMkLst>
-        <pc:spChg chg="mod">
-          <ac:chgData name="Fernando Raposo da Camara Silva" userId="S::fernando.camara@serpro.gov.br::b5a100ac-d9df-4791-818e-20c2ebd1755b" providerId="AD" clId="Web-{8A15314F-0F57-0098-8850-1F31313A6D8B}" dt="2024-03-31T13:09:27.097" v="81" actId="20577"/>
-          <ac:spMkLst>
-            <pc:docMk/>
-            <pc:sldMk cId="1161621105" sldId="276"/>
-            <ac:spMk id="95" creationId="{00000000-0000-0000-0000-000000000000}"/>
-          </ac:spMkLst>
-        </pc:spChg>
-        <pc:spChg chg="mod">
-          <ac:chgData name="Fernando Raposo da Camara Silva" userId="S::fernando.camara@serpro.gov.br::b5a100ac-d9df-4791-818e-20c2ebd1755b" providerId="AD" clId="Web-{8A15314F-0F57-0098-8850-1F31313A6D8B}" dt="2024-03-31T13:13:34.298" v="141" actId="20577"/>
-          <ac:spMkLst>
-            <pc:docMk/>
-            <pc:sldMk cId="1161621105" sldId="276"/>
-            <ac:spMk id="98" creationId="{00000000-0000-0000-0000-000000000000}"/>
-          </ac:spMkLst>
-        </pc:spChg>
-        <pc:picChg chg="add mod">
-          <ac:chgData name="Fernando Raposo da Camara Silva" userId="S::fernando.camara@serpro.gov.br::b5a100ac-d9df-4791-818e-20c2ebd1755b" providerId="AD" clId="Web-{8A15314F-0F57-0098-8850-1F31313A6D8B}" dt="2024-03-31T13:12:12.169" v="119" actId="1076"/>
-          <ac:picMkLst>
-            <pc:docMk/>
-            <pc:sldMk cId="1161621105" sldId="276"/>
-            <ac:picMk id="2" creationId="{E7DB04EA-E2AE-0621-9115-B15D572BC9F4}"/>
-          </ac:picMkLst>
-        </pc:picChg>
-      </pc:sldChg>
-      <pc:sldChg chg="addSp delSp modSp add replId">
-        <pc:chgData name="Fernando Raposo da Camara Silva" userId="S::fernando.camara@serpro.gov.br::b5a100ac-d9df-4791-818e-20c2ebd1755b" providerId="AD" clId="Web-{8A15314F-0F57-0098-8850-1F31313A6D8B}" dt="2024-03-31T13:17:02.403" v="223" actId="20577"/>
-        <pc:sldMkLst>
-          <pc:docMk/>
-          <pc:sldMk cId="2413654287" sldId="277"/>
-        </pc:sldMkLst>
-        <pc:spChg chg="mod">
-          <ac:chgData name="Fernando Raposo da Camara Silva" userId="S::fernando.camara@serpro.gov.br::b5a100ac-d9df-4791-818e-20c2ebd1755b" providerId="AD" clId="Web-{8A15314F-0F57-0098-8850-1F31313A6D8B}" dt="2024-03-31T13:15:01.850" v="179" actId="20577"/>
-          <ac:spMkLst>
-            <pc:docMk/>
-            <pc:sldMk cId="2413654287" sldId="277"/>
-            <ac:spMk id="95" creationId="{00000000-0000-0000-0000-000000000000}"/>
-          </ac:spMkLst>
-        </pc:spChg>
-        <pc:spChg chg="mod">
-          <ac:chgData name="Fernando Raposo da Camara Silva" userId="S::fernando.camara@serpro.gov.br::b5a100ac-d9df-4791-818e-20c2ebd1755b" providerId="AD" clId="Web-{8A15314F-0F57-0098-8850-1F31313A6D8B}" dt="2024-03-31T13:17:02.403" v="223" actId="20577"/>
-          <ac:spMkLst>
-            <pc:docMk/>
-            <pc:sldMk cId="2413654287" sldId="277"/>
-            <ac:spMk id="98" creationId="{00000000-0000-0000-0000-000000000000}"/>
-          </ac:spMkLst>
-        </pc:spChg>
-        <pc:picChg chg="del">
-          <ac:chgData name="Fernando Raposo da Camara Silva" userId="S::fernando.camara@serpro.gov.br::b5a100ac-d9df-4791-818e-20c2ebd1755b" providerId="AD" clId="Web-{8A15314F-0F57-0098-8850-1F31313A6D8B}" dt="2024-03-31T13:15:03.803" v="180"/>
-          <ac:picMkLst>
-            <pc:docMk/>
-            <pc:sldMk cId="2413654287" sldId="277"/>
-            <ac:picMk id="2" creationId="{E7DB04EA-E2AE-0621-9115-B15D572BC9F4}"/>
-          </ac:picMkLst>
-        </pc:picChg>
-        <pc:picChg chg="add mod">
-          <ac:chgData name="Fernando Raposo da Camara Silva" userId="S::fernando.camara@serpro.gov.br::b5a100ac-d9df-4791-818e-20c2ebd1755b" providerId="AD" clId="Web-{8A15314F-0F57-0098-8850-1F31313A6D8B}" dt="2024-03-31T13:15:25.257" v="195" actId="1076"/>
-          <ac:picMkLst>
-            <pc:docMk/>
-            <pc:sldMk cId="2413654287" sldId="277"/>
-            <ac:picMk id="3" creationId="{39B7F71F-86C2-309C-B471-9A553D126042}"/>
-          </ac:picMkLst>
-        </pc:picChg>
-      </pc:sldChg>
-    </pc:docChg>
-  </pc:docChgLst>
-</pc:chgInfo>
 </file>
 
 <file path=ppt/slideLayouts/slideLayout1.xml><?xml version="1.0" encoding="utf-8"?>
@@ -5279,7 +4312,7 @@
           </a:ln>
         </p:spPr>
         <p:txBody>
-          <a:bodyPr lIns="0" tIns="91440" rIns="0" bIns="91440"/>
+          <a:bodyPr lIns="0" tIns="91440" rIns="0" bIns="91440" anchor="t"/>
           <a:lstStyle/>
           <a:p>
             <a:pPr>
@@ -5288,7 +4321,7 @@
               </a:lnSpc>
             </a:pPr>
             <a:r>
-              <a:rPr lang="pt-BR" sz="4600" b="0" strike="noStrike" spc="-1">
+              <a:rPr lang="pt-BR" sz="4600" b="0" strike="noStrike" spc="-1" dirty="0">
                 <a:solidFill>
                   <a:srgbClr val="0000CC"/>
                 </a:solidFill>
@@ -5297,10 +4330,14 @@
               </a:rPr>
               <a:t>Aula 2</a:t>
             </a:r>
-            <a:br/>
-            <a:br/>
-            <a:r>
-              <a:rPr lang="pt-BR" sz="4600" b="0" strike="noStrike" spc="-1">
+            <a:br>
+              <a:rPr dirty="0"/>
+            </a:br>
+            <a:br>
+              <a:rPr dirty="0"/>
+            </a:br>
+            <a:r>
+              <a:rPr lang="pt-BR" sz="4600" b="0" strike="noStrike" spc="-1" dirty="0">
                 <a:solidFill>
                   <a:srgbClr val="0000CC"/>
                 </a:solidFill>
@@ -5309,12 +4346,18 @@
               </a:rPr>
               <a:t>HTML &amp; CSS</a:t>
             </a:r>
-            <a:endParaRPr lang="pt-BR" sz="4600" b="0" strike="noStrike" spc="-1">
-              <a:solidFill>
-                <a:srgbClr val="000000"/>
-              </a:solidFill>
-              <a:latin typeface="Arial"/>
-            </a:endParaRPr>
+          </a:p>
+          <a:p>
+            <a:r>
+              <a:rPr lang="pt-BR" sz="800" spc="-1" dirty="0">
+                <a:solidFill>
+                  <a:srgbClr val="0000CC"/>
+                </a:solidFill>
+                <a:latin typeface="Open Sans Light"/>
+                <a:ea typeface="Open Sans Light"/>
+              </a:rPr>
+              <a:t>+spoilers</a:t>
+            </a:r>
           </a:p>
         </p:txBody>
       </p:sp>
@@ -8117,29 +7160,28 @@
                 <a:ea typeface="+mn-lt"/>
                 <a:cs typeface="+mn-lt"/>
               </a:rPr>
-              <a:t>Útil para separar da </a:t>
-            </a:r>
-            <a:r>
-              <a:rPr lang="pt-BR" sz="1600" spc="-1" dirty="0" err="1">
-                <a:solidFill>
-                  <a:srgbClr val="0000CC"/>
-                </a:solidFill>
-                <a:latin typeface="Open Sans"/>
-                <a:ea typeface="+mn-lt"/>
-                <a:cs typeface="+mn-lt"/>
-              </a:rPr>
-              <a:t>pgina</a:t>
+              <a:t>Útil para separar da </a:t>
             </a:r>
             <a:r>
               <a:rPr lang="pt-BR" sz="1600" spc="-1" dirty="0">
                 <a:solidFill>
                   <a:srgbClr val="0000CC"/>
                 </a:solidFill>
-                <a:latin typeface="Open Sans"/>
-                <a:ea typeface="+mn-lt"/>
-                <a:cs typeface="+mn-lt"/>
-              </a:rPr>
-              <a:t> o negócio e o estilo;</a:t>
+                <a:ea typeface="+mn-lt"/>
+                <a:cs typeface="+mn-lt"/>
+              </a:rPr>
+              <a:t>página</a:t>
+            </a:r>
+            <a:r>
+              <a:rPr lang="pt-BR" sz="1600" spc="-1" dirty="0">
+                <a:solidFill>
+                  <a:srgbClr val="0000CC"/>
+                </a:solidFill>
+                <a:latin typeface="Open Sans"/>
+                <a:ea typeface="+mn-lt"/>
+                <a:cs typeface="+mn-lt"/>
+              </a:rPr>
+              <a:t> o negócio e o estilo;</a:t>
             </a:r>
           </a:p>
           <a:p>
@@ -8577,7 +7619,7 @@
                 <a:ea typeface="+mn-lt"/>
                 <a:cs typeface="+mn-lt"/>
               </a:rPr>
-              <a:t>powderblue</a:t>
+              <a:t>red</a:t>
             </a:r>
             <a:r>
               <a:rPr lang="pt-BR" sz="1200" dirty="0">
@@ -8631,6 +7673,60 @@
                 <a:ea typeface="+mn-lt"/>
                 <a:cs typeface="+mn-lt"/>
               </a:rPr>
+              <a:t> blue</a:t>
+            </a:r>
+            <a:r>
+              <a:rPr lang="pt-BR" sz="1200" dirty="0">
+                <a:ea typeface="+mn-lt"/>
+                <a:cs typeface="+mn-lt"/>
+              </a:rPr>
+              <a:t>;}</a:t>
+            </a:r>
+            <a:endParaRPr lang="pt-BR" dirty="0"/>
+          </a:p>
+          <a:p>
+            <a:r>
+              <a:rPr lang="pt-BR" sz="1200" dirty="0">
+                <a:solidFill>
+                  <a:srgbClr val="A52A2A"/>
+                </a:solidFill>
+                <a:ea typeface="+mn-lt"/>
+                <a:cs typeface="+mn-lt"/>
+              </a:rPr>
+              <a:t>        p    </a:t>
+            </a:r>
+            <a:r>
+              <a:rPr lang="pt-BR" sz="1200" dirty="0">
+                <a:ea typeface="+mn-lt"/>
+                <a:cs typeface="+mn-lt"/>
+              </a:rPr>
+              <a:t>{</a:t>
+            </a:r>
+            <a:r>
+              <a:rPr lang="pt-BR" sz="1200" dirty="0">
+                <a:solidFill>
+                  <a:srgbClr val="FF0000"/>
+                </a:solidFill>
+                <a:ea typeface="+mn-lt"/>
+                <a:cs typeface="+mn-lt"/>
+              </a:rPr>
+              <a:t>color</a:t>
+            </a:r>
+            <a:r>
+              <a:rPr lang="pt-BR" sz="1200" dirty="0">
+                <a:ea typeface="+mn-lt"/>
+                <a:cs typeface="+mn-lt"/>
+              </a:rPr>
+              <a:t>:</a:t>
+            </a:r>
+            <a:r>
+              <a:rPr lang="pt-BR" sz="1200" dirty="0">
+                <a:solidFill>
+                  <a:srgbClr val="0000CD"/>
+                </a:solidFill>
+                <a:ea typeface="+mn-lt"/>
+                <a:cs typeface="+mn-lt"/>
+              </a:rPr>
               <a:t> </a:t>
             </a:r>
             <a:r>
@@ -8641,71 +7737,7 @@
                 <a:ea typeface="+mn-lt"/>
                 <a:cs typeface="+mn-lt"/>
               </a:rPr>
-              <a:t>red</a:t>
-            </a:r>
-            <a:r>
-              <a:rPr lang="pt-BR" sz="1200" dirty="0">
-                <a:ea typeface="+mn-lt"/>
-                <a:cs typeface="+mn-lt"/>
-              </a:rPr>
-              <a:t>;}</a:t>
-            </a:r>
-            <a:endParaRPr lang="pt-BR" dirty="0"/>
-          </a:p>
-          <a:p>
-            <a:r>
-              <a:rPr lang="pt-BR" sz="1200" dirty="0">
-                <a:solidFill>
-                  <a:srgbClr val="A52A2A"/>
-                </a:solidFill>
-                <a:ea typeface="+mn-lt"/>
-                <a:cs typeface="+mn-lt"/>
-              </a:rPr>
-              <a:t>        p    </a:t>
-            </a:r>
-            <a:r>
-              <a:rPr lang="pt-BR" sz="1200" dirty="0">
-                <a:ea typeface="+mn-lt"/>
-                <a:cs typeface="+mn-lt"/>
-              </a:rPr>
-              <a:t>{</a:t>
-            </a:r>
-            <a:r>
-              <a:rPr lang="pt-BR" sz="1200" dirty="0">
-                <a:solidFill>
-                  <a:srgbClr val="FF0000"/>
-                </a:solidFill>
-                <a:ea typeface="+mn-lt"/>
-                <a:cs typeface="+mn-lt"/>
-              </a:rPr>
-              <a:t>color</a:t>
-            </a:r>
-            <a:r>
-              <a:rPr lang="pt-BR" sz="1200" dirty="0">
-                <a:ea typeface="+mn-lt"/>
-                <a:cs typeface="+mn-lt"/>
-              </a:rPr>
-              <a:t>:</a:t>
-            </a:r>
-            <a:r>
-              <a:rPr lang="pt-BR" sz="1200" dirty="0">
-                <a:solidFill>
-                  <a:srgbClr val="0000CD"/>
-                </a:solidFill>
-                <a:ea typeface="+mn-lt"/>
-                <a:cs typeface="+mn-lt"/>
-              </a:rPr>
-              <a:t> </a:t>
-            </a:r>
-            <a:r>
-              <a:rPr lang="pt-BR" sz="1200" dirty="0" err="1">
-                <a:solidFill>
-                  <a:srgbClr val="0000CD"/>
-                </a:solidFill>
-                <a:ea typeface="+mn-lt"/>
-                <a:cs typeface="+mn-lt"/>
-              </a:rPr>
-              <a:t>red</a:t>
+              <a:t>green</a:t>
             </a:r>
             <a:r>
               <a:rPr lang="pt-BR" sz="1200" dirty="0">
@@ -11900,7 +10932,7 @@
               <a:buChar char="•"/>
             </a:pPr>
             <a:r>
-              <a:rPr lang="pt-BR" sz="1600" spc="-1">
+              <a:rPr lang="pt-BR" sz="1600" spc="-1" dirty="0">
                 <a:solidFill>
                   <a:srgbClr val="0000CC"/>
                 </a:solidFill>
@@ -11917,7 +10949,7 @@
               <a:buChar char="o"/>
             </a:pPr>
             <a:r>
-              <a:rPr lang="pt-BR" sz="1600" spc="-1">
+              <a:rPr lang="pt-BR" sz="1600" spc="-1" dirty="0">
                 <a:solidFill>
                   <a:srgbClr val="0000CC"/>
                 </a:solidFill>
@@ -11934,7 +10966,7 @@
               <a:buChar char="§"/>
             </a:pPr>
             <a:r>
-              <a:rPr lang="pt-BR" sz="1600" spc="-1">
+              <a:rPr lang="pt-BR" sz="1600" spc="-1" dirty="0">
                 <a:solidFill>
                   <a:srgbClr val="0000CC"/>
                 </a:solidFill>
@@ -11951,7 +10983,7 @@
               <a:buChar char="§"/>
             </a:pPr>
             <a:r>
-              <a:rPr lang="pt-BR" sz="1600" spc="-1">
+              <a:rPr lang="pt-BR" sz="1600" spc="-1" dirty="0">
                 <a:solidFill>
                   <a:srgbClr val="0000CC"/>
                 </a:solidFill>
@@ -11961,7 +10993,7 @@
               </a:rPr>
               <a:t>Elementos básicos</a:t>
             </a:r>
-            <a:endParaRPr lang="pt-BR"/>
+            <a:endParaRPr lang="pt-BR" dirty="0"/>
           </a:p>
           <a:p>
             <a:pPr marL="1200150" lvl="2" indent="-285750">
@@ -11969,7 +11001,7 @@
               <a:buChar char="§"/>
             </a:pPr>
             <a:r>
-              <a:rPr lang="pt-BR" sz="1600" spc="-1">
+              <a:rPr lang="pt-BR" sz="1600" spc="-1" dirty="0">
                 <a:solidFill>
                   <a:srgbClr val="0000CC"/>
                 </a:solidFill>
@@ -11986,7 +11018,7 @@
               <a:buChar char="o"/>
             </a:pPr>
             <a:r>
-              <a:rPr lang="pt-BR" sz="1600" spc="-1">
+              <a:rPr lang="pt-BR" sz="1600" spc="-1" dirty="0">
                 <a:solidFill>
                   <a:srgbClr val="0000CC"/>
                 </a:solidFill>
@@ -12003,7 +11035,7 @@
               <a:buChar char="§"/>
             </a:pPr>
             <a:r>
-              <a:rPr lang="pt-BR" sz="1600" spc="-1">
+              <a:rPr lang="pt-BR" sz="1600" spc="-1" dirty="0">
                 <a:solidFill>
                   <a:srgbClr val="0000CC"/>
                 </a:solidFill>
@@ -12020,7 +11052,7 @@
               <a:buChar char="o"/>
             </a:pPr>
             <a:r>
-              <a:rPr lang="pt-BR" sz="1600" spc="-1">
+              <a:rPr lang="pt-BR" sz="1600" spc="-1" dirty="0">
                 <a:solidFill>
                   <a:srgbClr val="0000CC"/>
                 </a:solidFill>
@@ -12037,7 +11069,7 @@
               <a:buChar char="o"/>
             </a:pPr>
             <a:r>
-              <a:rPr lang="pt-BR" sz="1600" spc="-1">
+              <a:rPr lang="pt-BR" sz="1600" spc="-1" dirty="0">
                 <a:solidFill>
                   <a:srgbClr val="0000CC"/>
                 </a:solidFill>
@@ -12045,7 +11077,75 @@
                 <a:ea typeface="Open Sans"/>
                 <a:cs typeface="Arial"/>
               </a:rPr>
+              <a:t>UX</a:t>
+            </a:r>
+          </a:p>
+          <a:p>
+            <a:pPr marL="742950" lvl="1" indent="-285750">
+              <a:buFont typeface="Courier New"/>
+              <a:buChar char="o"/>
+            </a:pPr>
+            <a:r>
+              <a:rPr lang="pt-BR" sz="1600" spc="-1" dirty="0">
+                <a:solidFill>
+                  <a:srgbClr val="0000CC"/>
+                </a:solidFill>
+                <a:latin typeface="Open Sans"/>
+                <a:ea typeface="Open Sans"/>
+                <a:cs typeface="Arial"/>
+              </a:rPr>
               <a:t>Exercício</a:t>
+            </a:r>
+          </a:p>
+          <a:p>
+            <a:pPr marL="742950" lvl="1" indent="-285750">
+              <a:buFont typeface="Courier New"/>
+              <a:buChar char="o"/>
+            </a:pPr>
+            <a:r>
+              <a:rPr lang="pt-BR" sz="1600" spc="-1" dirty="0">
+                <a:solidFill>
+                  <a:srgbClr val="0000CC"/>
+                </a:solidFill>
+                <a:latin typeface="Open Sans"/>
+                <a:ea typeface="Open Sans"/>
+                <a:cs typeface="Arial"/>
+              </a:rPr>
+              <a:t>Javascript (Spoiler)</a:t>
+            </a:r>
+          </a:p>
+          <a:p>
+            <a:pPr marL="1200150" lvl="2" indent="-285750">
+              <a:buFont typeface="Wingdings"/>
+              <a:buChar char="§"/>
+            </a:pPr>
+            <a:r>
+              <a:rPr lang="pt-BR" sz="1600" spc="-1" dirty="0">
+                <a:solidFill>
+                  <a:srgbClr val="0000CC"/>
+                </a:solidFill>
+                <a:latin typeface="Open Sans"/>
+                <a:ea typeface="Open Sans"/>
+                <a:cs typeface="Arial"/>
+              </a:rPr>
+              <a:t>V8</a:t>
+            </a:r>
+          </a:p>
+          <a:p>
+            <a:pPr marL="1200150" lvl="2" indent="-285750">
+              <a:buFont typeface="Wingdings"/>
+              <a:buChar char="§"/>
+            </a:pPr>
+            <a:r>
+              <a:rPr lang="pt-BR" sz="1600" spc="-1" dirty="0">
+                <a:solidFill>
+                  <a:srgbClr val="0000CC"/>
+                </a:solidFill>
+                <a:latin typeface="Open Sans"/>
+                <a:ea typeface="Open Sans"/>
+                <a:cs typeface="Arial"/>
+              </a:rPr>
+              <a:t>Node</a:t>
             </a:r>
           </a:p>
           <a:p>
@@ -12311,7 +11411,7 @@
               <a:t>&lt;</a:t>
             </a:r>
             <a:r>
-              <a:rPr lang="pt-BR" sz="1400" spc="-1" err="1">
+              <a:rPr lang="pt-BR" sz="1400" spc="-1" dirty="0" err="1">
                 <a:solidFill>
                   <a:srgbClr val="000000"/>
                 </a:solidFill>
@@ -12330,9 +11430,31 @@
                 <a:ea typeface="+mn-lt"/>
                 <a:cs typeface="+mn-lt"/>
               </a:rPr>
-              <a:t>&gt;</a:t>
-            </a:r>
-            <a:endParaRPr lang="pt-BR" sz="1400">
+              <a:t> id="</a:t>
+            </a:r>
+            <a:r>
+              <a:rPr lang="pt-BR" sz="1400" spc="-1" dirty="0" err="1">
+                <a:solidFill>
+                  <a:srgbClr val="000000"/>
+                </a:solidFill>
+                <a:latin typeface="Courier New"/>
+                <a:ea typeface="+mn-lt"/>
+                <a:cs typeface="+mn-lt"/>
+              </a:rPr>
+              <a:t>loginForm</a:t>
+            </a:r>
+            <a:r>
+              <a:rPr lang="pt-BR" sz="1400" spc="-1" dirty="0">
+                <a:solidFill>
+                  <a:srgbClr val="000000"/>
+                </a:solidFill>
+                <a:latin typeface="Courier New"/>
+                <a:ea typeface="+mn-lt"/>
+                <a:cs typeface="+mn-lt"/>
+              </a:rPr>
+              <a:t>"&gt;</a:t>
+            </a:r>
+            <a:endParaRPr lang="pt-BR" sz="1400" dirty="0">
               <a:latin typeface="Courier New"/>
             </a:endParaRPr>
           </a:p>
@@ -13101,6 +12223,306 @@
             </a:r>
             <a:endParaRPr lang="pt-BR" sz="1400" dirty="0">
               <a:latin typeface="Courier New"/>
+            </a:endParaRPr>
+          </a:p>
+          <a:p>
+            <a:endParaRPr lang="pt-BR" sz="1400" spc="-1" dirty="0">
+              <a:latin typeface="Courier New"/>
+              <a:cs typeface="Arial"/>
+            </a:endParaRPr>
+          </a:p>
+          <a:p>
+            <a:r>
+              <a:rPr lang="pt-BR" sz="1100" b="1" spc="-1">
+                <a:solidFill>
+                  <a:srgbClr val="808080"/>
+                </a:solidFill>
+                <a:ea typeface="+mn-lt"/>
+                <a:cs typeface="+mn-lt"/>
+              </a:rPr>
+              <a:t>&lt;</a:t>
+            </a:r>
+            <a:r>
+              <a:rPr lang="pt-BR" sz="1100" b="1" spc="-1">
+                <a:solidFill>
+                  <a:srgbClr val="569CD6"/>
+                </a:solidFill>
+                <a:ea typeface="+mn-lt"/>
+                <a:cs typeface="+mn-lt"/>
+              </a:rPr>
+              <a:t>script</a:t>
+            </a:r>
+            <a:r>
+              <a:rPr lang="pt-BR" sz="1100" b="1" spc="-1">
+                <a:solidFill>
+                  <a:srgbClr val="808080"/>
+                </a:solidFill>
+                <a:ea typeface="+mn-lt"/>
+                <a:cs typeface="+mn-lt"/>
+              </a:rPr>
+              <a:t>&gt;</a:t>
+            </a:r>
+            <a:endParaRPr lang="pt-BR" b="1"/>
+          </a:p>
+          <a:p>
+            <a:r>
+              <a:rPr lang="pt-BR" sz="1100" b="1" spc="-1" err="1">
+                <a:solidFill>
+                  <a:srgbClr val="569CD6"/>
+                </a:solidFill>
+                <a:ea typeface="+mn-lt"/>
+                <a:cs typeface="+mn-lt"/>
+              </a:rPr>
+              <a:t>function</a:t>
+            </a:r>
+            <a:r>
+              <a:rPr lang="pt-BR" sz="1100" b="1" spc="-1" dirty="0">
+                <a:solidFill>
+                  <a:srgbClr val="D4D4D4"/>
+                </a:solidFill>
+                <a:ea typeface="+mn-lt"/>
+                <a:cs typeface="+mn-lt"/>
+              </a:rPr>
+              <a:t> </a:t>
+            </a:r>
+            <a:r>
+              <a:rPr lang="pt-BR" sz="1100" b="1" spc="-1">
+                <a:solidFill>
+                  <a:srgbClr val="DCDCAA"/>
+                </a:solidFill>
+                <a:ea typeface="+mn-lt"/>
+                <a:cs typeface="+mn-lt"/>
+              </a:rPr>
+              <a:t>alerta</a:t>
+            </a:r>
+            <a:r>
+              <a:rPr lang="pt-BR" sz="1100" b="1" spc="-1">
+                <a:solidFill>
+                  <a:srgbClr val="D4D4D4"/>
+                </a:solidFill>
+                <a:ea typeface="+mn-lt"/>
+                <a:cs typeface="+mn-lt"/>
+              </a:rPr>
+              <a:t>() {</a:t>
+            </a:r>
+            <a:endParaRPr lang="pt-BR" b="1"/>
+          </a:p>
+          <a:p>
+            <a:r>
+              <a:rPr lang="pt-BR" sz="1100" b="1" spc="-1" err="1">
+                <a:solidFill>
+                  <a:srgbClr val="9CDCFE"/>
+                </a:solidFill>
+                <a:ea typeface="+mn-lt"/>
+                <a:cs typeface="+mn-lt"/>
+              </a:rPr>
+              <a:t>loginForm</a:t>
+            </a:r>
+            <a:r>
+              <a:rPr lang="pt-BR" sz="1100" b="1" spc="-1">
+                <a:solidFill>
+                  <a:srgbClr val="D4D4D4"/>
+                </a:solidFill>
+                <a:ea typeface="+mn-lt"/>
+                <a:cs typeface="+mn-lt"/>
+              </a:rPr>
+              <a:t> = </a:t>
+            </a:r>
+            <a:r>
+              <a:rPr lang="pt-BR" sz="1100" b="1" spc="-1" err="1">
+                <a:solidFill>
+                  <a:srgbClr val="9CDCFE"/>
+                </a:solidFill>
+                <a:ea typeface="+mn-lt"/>
+                <a:cs typeface="+mn-lt"/>
+              </a:rPr>
+              <a:t>document</a:t>
+            </a:r>
+            <a:r>
+              <a:rPr lang="pt-BR" sz="1100" b="1" spc="-1" err="1">
+                <a:solidFill>
+                  <a:srgbClr val="D4D4D4"/>
+                </a:solidFill>
+                <a:ea typeface="+mn-lt"/>
+                <a:cs typeface="+mn-lt"/>
+              </a:rPr>
+              <a:t>.</a:t>
+            </a:r>
+            <a:r>
+              <a:rPr lang="pt-BR" sz="1100" b="1" spc="-1" err="1">
+                <a:solidFill>
+                  <a:srgbClr val="DCDCAA"/>
+                </a:solidFill>
+                <a:ea typeface="+mn-lt"/>
+                <a:cs typeface="+mn-lt"/>
+              </a:rPr>
+              <a:t>getElementById</a:t>
+            </a:r>
+            <a:r>
+              <a:rPr lang="pt-BR" sz="1100" b="1" spc="-1">
+                <a:solidFill>
+                  <a:srgbClr val="D4D4D4"/>
+                </a:solidFill>
+                <a:ea typeface="+mn-lt"/>
+                <a:cs typeface="+mn-lt"/>
+              </a:rPr>
+              <a:t>(</a:t>
+            </a:r>
+            <a:r>
+              <a:rPr lang="pt-BR" sz="1100" b="1" spc="-1">
+                <a:solidFill>
+                  <a:srgbClr val="CE9178"/>
+                </a:solidFill>
+                <a:ea typeface="+mn-lt"/>
+                <a:cs typeface="+mn-lt"/>
+              </a:rPr>
+              <a:t>"</a:t>
+            </a:r>
+            <a:r>
+              <a:rPr lang="pt-BR" sz="1100" b="1" spc="-1" err="1">
+                <a:solidFill>
+                  <a:srgbClr val="CE9178"/>
+                </a:solidFill>
+                <a:ea typeface="+mn-lt"/>
+                <a:cs typeface="+mn-lt"/>
+              </a:rPr>
+              <a:t>loginForm</a:t>
+            </a:r>
+            <a:r>
+              <a:rPr lang="pt-BR" sz="1100" b="1" spc="-1">
+                <a:solidFill>
+                  <a:srgbClr val="CE9178"/>
+                </a:solidFill>
+                <a:ea typeface="+mn-lt"/>
+                <a:cs typeface="+mn-lt"/>
+              </a:rPr>
+              <a:t>"</a:t>
+            </a:r>
+            <a:r>
+              <a:rPr lang="pt-BR" sz="1100" b="1" spc="-1">
+                <a:solidFill>
+                  <a:srgbClr val="D4D4D4"/>
+                </a:solidFill>
+                <a:ea typeface="+mn-lt"/>
+                <a:cs typeface="+mn-lt"/>
+              </a:rPr>
+              <a:t>);</a:t>
+            </a:r>
+            <a:endParaRPr lang="pt-BR" b="1"/>
+          </a:p>
+          <a:p>
+            <a:r>
+              <a:rPr lang="pt-BR" sz="1100" b="1" spc="-1" err="1">
+                <a:solidFill>
+                  <a:srgbClr val="DCDCAA"/>
+                </a:solidFill>
+                <a:ea typeface="+mn-lt"/>
+                <a:cs typeface="+mn-lt"/>
+              </a:rPr>
+              <a:t>alert</a:t>
+            </a:r>
+            <a:r>
+              <a:rPr lang="pt-BR" sz="1100" b="1" spc="-1">
+                <a:solidFill>
+                  <a:srgbClr val="D4D4D4"/>
+                </a:solidFill>
+                <a:ea typeface="+mn-lt"/>
+                <a:cs typeface="+mn-lt"/>
+              </a:rPr>
+              <a:t>(</a:t>
+            </a:r>
+            <a:r>
+              <a:rPr lang="pt-BR" sz="1100" b="1" spc="-1" err="1">
+                <a:solidFill>
+                  <a:srgbClr val="9CDCFE"/>
+                </a:solidFill>
+                <a:ea typeface="+mn-lt"/>
+                <a:cs typeface="+mn-lt"/>
+              </a:rPr>
+              <a:t>loginForm</a:t>
+            </a:r>
+            <a:r>
+              <a:rPr lang="pt-BR" sz="1100" b="1" spc="-1" err="1">
+                <a:solidFill>
+                  <a:srgbClr val="D4D4D4"/>
+                </a:solidFill>
+                <a:ea typeface="+mn-lt"/>
+                <a:cs typeface="+mn-lt"/>
+              </a:rPr>
+              <a:t>.</a:t>
+            </a:r>
+            <a:r>
+              <a:rPr lang="pt-BR" sz="1100" b="1" spc="-1" err="1">
+                <a:solidFill>
+                  <a:srgbClr val="9CDCFE"/>
+                </a:solidFill>
+                <a:ea typeface="+mn-lt"/>
+                <a:cs typeface="+mn-lt"/>
+              </a:rPr>
+              <a:t>outerHTML</a:t>
+            </a:r>
+            <a:r>
+              <a:rPr lang="pt-BR" sz="1100" b="1" spc="-1">
+                <a:solidFill>
+                  <a:srgbClr val="D4D4D4"/>
+                </a:solidFill>
+                <a:ea typeface="+mn-lt"/>
+                <a:cs typeface="+mn-lt"/>
+              </a:rPr>
+              <a:t>)</a:t>
+            </a:r>
+            <a:endParaRPr lang="pt-BR" b="1"/>
+          </a:p>
+          <a:p>
+            <a:r>
+              <a:rPr lang="pt-BR" sz="1100" b="1" spc="-1">
+                <a:solidFill>
+                  <a:srgbClr val="D4D4D4"/>
+                </a:solidFill>
+                <a:ea typeface="+mn-lt"/>
+                <a:cs typeface="+mn-lt"/>
+              </a:rPr>
+              <a:t>}</a:t>
+            </a:r>
+            <a:endParaRPr lang="pt-BR" b="1"/>
+          </a:p>
+          <a:p>
+            <a:r>
+              <a:rPr lang="pt-BR" sz="1100" b="1" spc="-1">
+                <a:solidFill>
+                  <a:srgbClr val="808080"/>
+                </a:solidFill>
+                <a:ea typeface="+mn-lt"/>
+                <a:cs typeface="+mn-lt"/>
+              </a:rPr>
+              <a:t>&lt;/</a:t>
+            </a:r>
+            <a:r>
+              <a:rPr lang="pt-BR" sz="1100" b="1" spc="-1">
+                <a:solidFill>
+                  <a:srgbClr val="569CD6"/>
+                </a:solidFill>
+                <a:ea typeface="+mn-lt"/>
+                <a:cs typeface="+mn-lt"/>
+              </a:rPr>
+              <a:t>script</a:t>
+            </a:r>
+            <a:r>
+              <a:rPr lang="pt-BR" sz="1100" b="1" spc="-1">
+                <a:solidFill>
+                  <a:srgbClr val="808080"/>
+                </a:solidFill>
+                <a:ea typeface="+mn-lt"/>
+                <a:cs typeface="+mn-lt"/>
+              </a:rPr>
+              <a:t>&gt;</a:t>
+            </a:r>
+            <a:endParaRPr lang="pt-BR" b="1"/>
+          </a:p>
+          <a:p>
+            <a:endParaRPr lang="pt-BR" sz="1400" spc="-1" dirty="0">
+              <a:latin typeface="Courier New"/>
+              <a:cs typeface="Arial"/>
             </a:endParaRPr>
           </a:p>
           <a:p>
@@ -15098,7 +14520,7 @@
                 <a:latin typeface="Open Sans Light"/>
                 <a:ea typeface="Open Sans Light"/>
               </a:rPr>
-              <a:t>DOM</a:t>
+              <a:t>DOM (por baixo dos panos)</a:t>
             </a:r>
             <a:endParaRPr lang="pt-BR" dirty="0"/>
           </a:p>
@@ -16784,6 +16206,185 @@
             </a:endParaRPr>
           </a:p>
           <a:p>
+            <a:pPr marL="285750" indent="-285750">
+              <a:buFont typeface="Arial"/>
+              <a:buChar char="•"/>
+            </a:pPr>
+            <a:endParaRPr lang="en-US" sz="1600" spc="-1" dirty="0">
+              <a:solidFill>
+                <a:srgbClr val="0000CC"/>
+              </a:solidFill>
+              <a:latin typeface="Open Sans"/>
+              <a:cs typeface="Arial"/>
+            </a:endParaRPr>
+          </a:p>
+          <a:p>
+            <a:pPr marL="285750" indent="-285750">
+              <a:buFont typeface="Arial"/>
+              <a:buChar char="•"/>
+            </a:pPr>
+            <a:r>
+              <a:rPr lang="en-US" sz="1600" spc="-1" err="1">
+                <a:solidFill>
+                  <a:srgbClr val="0000CC"/>
+                </a:solidFill>
+                <a:latin typeface="Open Sans"/>
+                <a:cs typeface="Arial"/>
+              </a:rPr>
+              <a:t>Manipulando</a:t>
+            </a:r>
+            <a:r>
+              <a:rPr lang="en-US" sz="1600" spc="-1" dirty="0">
+                <a:solidFill>
+                  <a:srgbClr val="0000CC"/>
+                </a:solidFill>
+                <a:latin typeface="Open Sans"/>
+                <a:cs typeface="Arial"/>
+              </a:rPr>
+              <a:t> o DOM de forma </a:t>
+            </a:r>
+            <a:r>
+              <a:rPr lang="en-US" sz="1600" b="1" spc="-1" err="1">
+                <a:solidFill>
+                  <a:srgbClr val="0000CC"/>
+                </a:solidFill>
+                <a:latin typeface="Open Sans"/>
+                <a:cs typeface="Arial"/>
+              </a:rPr>
+              <a:t>dinâmica</a:t>
+            </a:r>
+            <a:r>
+              <a:rPr lang="en-US" sz="1600" b="1" spc="-1" dirty="0">
+                <a:solidFill>
+                  <a:srgbClr val="0000CC"/>
+                </a:solidFill>
+                <a:latin typeface="Open Sans"/>
+                <a:cs typeface="Arial"/>
+              </a:rPr>
+              <a:t> </a:t>
+            </a:r>
+            <a:r>
+              <a:rPr lang="en-US" sz="1600" spc="-1" err="1">
+                <a:solidFill>
+                  <a:srgbClr val="0000CC"/>
+                </a:solidFill>
+                <a:latin typeface="Open Sans"/>
+                <a:cs typeface="Arial"/>
+              </a:rPr>
+              <a:t>podemos</a:t>
+            </a:r>
+            <a:r>
+              <a:rPr lang="en-US" sz="1600" spc="-1" dirty="0">
+                <a:solidFill>
+                  <a:srgbClr val="0000CC"/>
+                </a:solidFill>
+                <a:latin typeface="Open Sans"/>
+                <a:cs typeface="Arial"/>
+              </a:rPr>
+              <a:t> </a:t>
+            </a:r>
+            <a:r>
+              <a:rPr lang="en-US" sz="1600" spc="-1" err="1">
+                <a:solidFill>
+                  <a:srgbClr val="0000CC"/>
+                </a:solidFill>
+                <a:latin typeface="Open Sans"/>
+                <a:cs typeface="Arial"/>
+              </a:rPr>
+              <a:t>melhorar</a:t>
+            </a:r>
+            <a:r>
+              <a:rPr lang="en-US" sz="1600" spc="-1" dirty="0">
+                <a:solidFill>
+                  <a:srgbClr val="0000CC"/>
+                </a:solidFill>
+                <a:latin typeface="Open Sans"/>
+                <a:cs typeface="Arial"/>
+              </a:rPr>
+              <a:t> a </a:t>
+            </a:r>
+            <a:r>
+              <a:rPr lang="en-US" sz="1600" spc="-1" err="1">
+                <a:solidFill>
+                  <a:srgbClr val="0000CC"/>
+                </a:solidFill>
+                <a:latin typeface="Open Sans"/>
+                <a:cs typeface="Arial"/>
+              </a:rPr>
+              <a:t>qualidade</a:t>
+            </a:r>
+            <a:r>
+              <a:rPr lang="en-US" sz="1600" spc="-1" dirty="0">
+                <a:solidFill>
+                  <a:srgbClr val="0000CC"/>
+                </a:solidFill>
+                <a:latin typeface="Open Sans"/>
+                <a:cs typeface="Arial"/>
+              </a:rPr>
+              <a:t> do site </a:t>
+            </a:r>
+            <a:r>
+              <a:rPr lang="en-US" sz="1600" spc="-1" err="1">
+                <a:solidFill>
+                  <a:srgbClr val="0000CC"/>
+                </a:solidFill>
+                <a:latin typeface="Open Sans"/>
+                <a:cs typeface="Arial"/>
+              </a:rPr>
+              <a:t>melhorando</a:t>
+            </a:r>
+            <a:r>
+              <a:rPr lang="en-US" sz="1600" spc="-1" dirty="0">
+                <a:solidFill>
+                  <a:srgbClr val="0000CC"/>
+                </a:solidFill>
+                <a:latin typeface="Open Sans"/>
+                <a:cs typeface="Arial"/>
+              </a:rPr>
+              <a:t> a </a:t>
+            </a:r>
+            <a:r>
+              <a:rPr lang="en-US" sz="1600" b="1" spc="-1" err="1">
+                <a:solidFill>
+                  <a:srgbClr val="FF0000"/>
+                </a:solidFill>
+                <a:latin typeface="Open Sans"/>
+                <a:cs typeface="Arial"/>
+              </a:rPr>
+              <a:t>experiência</a:t>
+            </a:r>
+            <a:r>
+              <a:rPr lang="en-US" sz="1600" b="1" spc="-1" dirty="0">
+                <a:solidFill>
+                  <a:srgbClr val="FF0000"/>
+                </a:solidFill>
+                <a:latin typeface="Open Sans"/>
+                <a:cs typeface="Arial"/>
+              </a:rPr>
+              <a:t> do </a:t>
+            </a:r>
+            <a:r>
+              <a:rPr lang="en-US" sz="1600" b="1" spc="-1" err="1">
+                <a:solidFill>
+                  <a:srgbClr val="FF0000"/>
+                </a:solidFill>
+                <a:latin typeface="Open Sans"/>
+                <a:cs typeface="Arial"/>
+              </a:rPr>
+              <a:t>usuário</a:t>
+            </a:r>
+            <a:r>
+              <a:rPr lang="en-US" sz="1600" spc="-1" dirty="0">
+                <a:solidFill>
+                  <a:srgbClr val="0000CC"/>
+                </a:solidFill>
+                <a:latin typeface="Open Sans"/>
+                <a:cs typeface="Arial"/>
+              </a:rPr>
+              <a:t>;</a:t>
+            </a:r>
+          </a:p>
+          <a:p>
             <a:br>
               <a:rPr lang="en-US" dirty="0"/>
             </a:br>
@@ -16933,6 +16534,4526 @@
 </file>
 
 <file path=ppt/slides/slide26.xml><?xml version="1.0" encoding="utf-8"?>
+<p:sld xmlns:a="http://schemas.openxmlformats.org/drawingml/2006/main" xmlns:r="http://schemas.openxmlformats.org/officeDocument/2006/relationships" xmlns:p="http://schemas.openxmlformats.org/presentationml/2006/main">
+  <p:cSld>
+    <p:spTree>
+      <p:nvGrpSpPr>
+        <p:cNvPr id="1" name=""/>
+        <p:cNvGrpSpPr/>
+        <p:nvPr/>
+      </p:nvGrpSpPr>
+      <p:grpSpPr>
+        <a:xfrm>
+          <a:off x="0" y="0"/>
+          <a:ext cx="0" cy="0"/>
+          <a:chOff x="0" y="0"/>
+          <a:chExt cx="0" cy="0"/>
+        </a:xfrm>
+      </p:grpSpPr>
+      <p:sp>
+        <p:nvSpPr>
+          <p:cNvPr id="94" name="TextShape 1"/>
+          <p:cNvSpPr txBox="1"/>
+          <p:nvPr/>
+        </p:nvSpPr>
+        <p:spPr>
+          <a:xfrm>
+            <a:off x="8472600" y="4663080"/>
+            <a:ext cx="547560" cy="392400"/>
+          </a:xfrm>
+          <a:prstGeom prst="rect">
+            <a:avLst/>
+          </a:prstGeom>
+          <a:noFill/>
+          <a:ln>
+            <a:noFill/>
+          </a:ln>
+        </p:spPr>
+        <p:txBody>
+          <a:bodyPr lIns="90000" tIns="91440" rIns="90000" bIns="91440" anchor="ctr"/>
+          <a:lstStyle/>
+          <a:p>
+            <a:pPr algn="r">
+              <a:lnSpc>
+                <a:spcPct val="100000"/>
+              </a:lnSpc>
+            </a:pPr>
+            <a:fld id="{53606E05-68C1-4429-846B-CDD23DD71137}" type="slidenum">
+              <a:rPr lang="pt-BR" sz="1000" b="0" strike="noStrike" spc="-1" dirty="0">
+                <a:solidFill>
+                  <a:srgbClr val="595959"/>
+                </a:solidFill>
+                <a:latin typeface="Arial"/>
+                <a:ea typeface="Arial"/>
+              </a:rPr>
+              <a:t>26</a:t>
+            </a:fld>
+            <a:endParaRPr lang="pt-BR" sz="1000" b="0" strike="noStrike" spc="-1">
+              <a:latin typeface="Times New Roman"/>
+            </a:endParaRPr>
+          </a:p>
+        </p:txBody>
+      </p:sp>
+      <p:sp>
+        <p:nvSpPr>
+          <p:cNvPr id="95" name="TextShape 2"/>
+          <p:cNvSpPr txBox="1"/>
+          <p:nvPr/>
+        </p:nvSpPr>
+        <p:spPr>
+          <a:xfrm>
+            <a:off x="276120" y="196920"/>
+            <a:ext cx="6980760" cy="585000"/>
+          </a:xfrm>
+          <a:prstGeom prst="rect">
+            <a:avLst/>
+          </a:prstGeom>
+          <a:noFill/>
+          <a:ln>
+            <a:noFill/>
+          </a:ln>
+        </p:spPr>
+        <p:txBody>
+          <a:bodyPr lIns="0" tIns="91440" rIns="0" bIns="91440" anchor="t"/>
+          <a:lstStyle/>
+          <a:p>
+            <a:pPr>
+              <a:lnSpc>
+                <a:spcPct val="80000"/>
+              </a:lnSpc>
+            </a:pPr>
+            <a:r>
+              <a:rPr lang="pt-BR" sz="3000" spc="-1" dirty="0">
+                <a:solidFill>
+                  <a:srgbClr val="0000CC"/>
+                </a:solidFill>
+                <a:latin typeface="Open Sans Light"/>
+                <a:ea typeface="Open Sans Light"/>
+              </a:rPr>
+              <a:t>UX = </a:t>
+            </a:r>
+            <a:r>
+              <a:rPr lang="pt-BR" sz="3000" spc="-1" dirty="0" err="1">
+                <a:solidFill>
+                  <a:srgbClr val="0000CC"/>
+                </a:solidFill>
+                <a:latin typeface="Open Sans Light"/>
+                <a:ea typeface="Open Sans Light"/>
+              </a:rPr>
+              <a:t>User</a:t>
+            </a:r>
+            <a:r>
+              <a:rPr lang="pt-BR" sz="3000" spc="-1" dirty="0">
+                <a:solidFill>
+                  <a:srgbClr val="0000CC"/>
+                </a:solidFill>
+                <a:latin typeface="Open Sans Light"/>
+                <a:ea typeface="Open Sans Light"/>
+              </a:rPr>
+              <a:t> Experience</a:t>
+            </a:r>
+            <a:endParaRPr lang="pt-BR" dirty="0" err="1"/>
+          </a:p>
+          <a:p>
+            <a:pPr>
+              <a:lnSpc>
+                <a:spcPct val="80000"/>
+              </a:lnSpc>
+            </a:pPr>
+            <a:r>
+              <a:rPr lang="pt-BR" sz="3000" b="0" strike="noStrike" spc="-1" dirty="0">
+                <a:solidFill>
+                  <a:srgbClr val="0000CC"/>
+                </a:solidFill>
+                <a:latin typeface="Open Sans Light"/>
+                <a:ea typeface="Open Sans Light"/>
+              </a:rPr>
+              <a:t>—</a:t>
+            </a:r>
+            <a:endParaRPr lang="pt-BR" sz="3000" b="0" strike="noStrike" spc="-1" dirty="0">
+              <a:solidFill>
+                <a:srgbClr val="000000"/>
+              </a:solidFill>
+              <a:latin typeface="Arial"/>
+            </a:endParaRPr>
+          </a:p>
+        </p:txBody>
+      </p:sp>
+      <p:pic>
+        <p:nvPicPr>
+          <p:cNvPr id="96" name="Google Shape;84;p16"/>
+          <p:cNvPicPr/>
+          <p:nvPr/>
+        </p:nvPicPr>
+        <p:blipFill>
+          <a:blip r:embed="rId2"/>
+          <a:stretch/>
+        </p:blipFill>
+        <p:spPr>
+          <a:xfrm>
+            <a:off x="7963920" y="228600"/>
+            <a:ext cx="874080" cy="268200"/>
+          </a:xfrm>
+          <a:prstGeom prst="rect">
+            <a:avLst/>
+          </a:prstGeom>
+          <a:ln>
+            <a:noFill/>
+          </a:ln>
+        </p:spPr>
+      </p:pic>
+      <p:sp>
+        <p:nvSpPr>
+          <p:cNvPr id="98" name="TextShape 4"/>
+          <p:cNvSpPr txBox="1"/>
+          <p:nvPr/>
+        </p:nvSpPr>
+        <p:spPr>
+          <a:xfrm>
+            <a:off x="276120" y="928440"/>
+            <a:ext cx="6980760" cy="499320"/>
+          </a:xfrm>
+          <a:prstGeom prst="rect">
+            <a:avLst/>
+          </a:prstGeom>
+          <a:noFill/>
+          <a:ln>
+            <a:noFill/>
+          </a:ln>
+        </p:spPr>
+        <p:txBody>
+          <a:bodyPr lIns="0" tIns="91440" rIns="0" bIns="91440" anchor="t"/>
+          <a:lstStyle/>
+          <a:p>
+            <a:pPr marL="285750" indent="-285750">
+              <a:buFont typeface="Arial"/>
+              <a:buChar char="•"/>
+            </a:pPr>
+            <a:r>
+              <a:rPr lang="en-US" sz="1600" spc="-1" dirty="0" err="1">
+                <a:solidFill>
+                  <a:srgbClr val="0000CC"/>
+                </a:solidFill>
+                <a:latin typeface="Open Sans"/>
+                <a:ea typeface="+mn-lt"/>
+                <a:cs typeface="+mn-lt"/>
+              </a:rPr>
+              <a:t>Chegamos</a:t>
+            </a:r>
+            <a:r>
+              <a:rPr lang="en-US" sz="1600" spc="-1" dirty="0">
+                <a:solidFill>
+                  <a:srgbClr val="0000CC"/>
+                </a:solidFill>
+                <a:latin typeface="Open Sans"/>
+                <a:ea typeface="+mn-lt"/>
+                <a:cs typeface="+mn-lt"/>
+              </a:rPr>
+              <a:t> a um </a:t>
+            </a:r>
+            <a:r>
+              <a:rPr lang="en-US" sz="1600" spc="-1" dirty="0" err="1">
+                <a:solidFill>
+                  <a:srgbClr val="0000CC"/>
+                </a:solidFill>
+                <a:latin typeface="Open Sans"/>
+                <a:ea typeface="+mn-lt"/>
+                <a:cs typeface="+mn-lt"/>
+              </a:rPr>
+              <a:t>ponto</a:t>
+            </a:r>
+            <a:r>
+              <a:rPr lang="en-US" sz="1600" spc="-1" dirty="0">
+                <a:solidFill>
+                  <a:srgbClr val="0000CC"/>
+                </a:solidFill>
+                <a:latin typeface="Open Sans"/>
+                <a:ea typeface="+mn-lt"/>
+                <a:cs typeface="+mn-lt"/>
+              </a:rPr>
+              <a:t> </a:t>
+            </a:r>
+            <a:r>
+              <a:rPr lang="en-US" sz="1600" spc="-1" dirty="0" err="1">
+                <a:solidFill>
+                  <a:srgbClr val="0000CC"/>
+                </a:solidFill>
+                <a:latin typeface="Open Sans"/>
+                <a:ea typeface="+mn-lt"/>
+                <a:cs typeface="+mn-lt"/>
+              </a:rPr>
+              <a:t>onde</a:t>
+            </a:r>
+            <a:r>
+              <a:rPr lang="en-US" sz="1600" spc="-1" dirty="0">
+                <a:solidFill>
+                  <a:srgbClr val="0000CC"/>
+                </a:solidFill>
+                <a:latin typeface="Open Sans"/>
+                <a:ea typeface="+mn-lt"/>
+                <a:cs typeface="+mn-lt"/>
+              </a:rPr>
+              <a:t> a WEB </a:t>
+            </a:r>
+            <a:r>
+              <a:rPr lang="en-US" sz="1600" spc="-1" dirty="0" err="1">
+                <a:solidFill>
+                  <a:srgbClr val="0000CC"/>
+                </a:solidFill>
+                <a:latin typeface="Open Sans"/>
+                <a:ea typeface="+mn-lt"/>
+                <a:cs typeface="+mn-lt"/>
+              </a:rPr>
+              <a:t>deixaria</a:t>
+            </a:r>
+            <a:r>
+              <a:rPr lang="en-US" sz="1600" spc="-1" dirty="0">
+                <a:solidFill>
+                  <a:srgbClr val="0000CC"/>
+                </a:solidFill>
+                <a:latin typeface="Open Sans"/>
+                <a:ea typeface="+mn-lt"/>
+                <a:cs typeface="+mn-lt"/>
+              </a:rPr>
+              <a:t> de ser </a:t>
+            </a:r>
+            <a:r>
+              <a:rPr lang="en-US" sz="1600" spc="-1" dirty="0" err="1">
+                <a:solidFill>
+                  <a:srgbClr val="0000CC"/>
+                </a:solidFill>
+                <a:latin typeface="Open Sans"/>
+                <a:ea typeface="+mn-lt"/>
+                <a:cs typeface="+mn-lt"/>
+              </a:rPr>
+              <a:t>usada</a:t>
+            </a:r>
+            <a:r>
+              <a:rPr lang="en-US" sz="1600" spc="-1" dirty="0">
+                <a:solidFill>
+                  <a:srgbClr val="0000CC"/>
+                </a:solidFill>
+                <a:latin typeface="Open Sans"/>
+                <a:ea typeface="+mn-lt"/>
+                <a:cs typeface="+mn-lt"/>
+              </a:rPr>
+              <a:t> </a:t>
+            </a:r>
+            <a:r>
+              <a:rPr lang="en-US" sz="1600" spc="-1" dirty="0" err="1">
+                <a:solidFill>
+                  <a:srgbClr val="0000CC"/>
+                </a:solidFill>
+                <a:latin typeface="Open Sans"/>
+                <a:ea typeface="+mn-lt"/>
+                <a:cs typeface="+mn-lt"/>
+              </a:rPr>
+              <a:t>não</a:t>
+            </a:r>
+            <a:r>
+              <a:rPr lang="en-US" sz="1600" spc="-1" dirty="0">
+                <a:solidFill>
+                  <a:srgbClr val="0000CC"/>
+                </a:solidFill>
+                <a:latin typeface="Open Sans"/>
+                <a:ea typeface="+mn-lt"/>
+                <a:cs typeface="+mn-lt"/>
+              </a:rPr>
+              <a:t> </a:t>
+            </a:r>
+            <a:r>
+              <a:rPr lang="en-US" sz="1600" spc="-1" dirty="0" err="1">
+                <a:solidFill>
+                  <a:srgbClr val="0000CC"/>
+                </a:solidFill>
+                <a:latin typeface="Open Sans"/>
+                <a:ea typeface="+mn-lt"/>
+                <a:cs typeface="+mn-lt"/>
+              </a:rPr>
+              <a:t>apenas</a:t>
+            </a:r>
+            <a:r>
+              <a:rPr lang="en-US" sz="1600" spc="-1" dirty="0">
+                <a:solidFill>
+                  <a:srgbClr val="0000CC"/>
+                </a:solidFill>
+                <a:latin typeface="Open Sans"/>
+                <a:ea typeface="+mn-lt"/>
+                <a:cs typeface="+mn-lt"/>
+              </a:rPr>
+              <a:t> </a:t>
+            </a:r>
+            <a:r>
+              <a:rPr lang="en-US" sz="1600" spc="-1" dirty="0" err="1">
+                <a:solidFill>
+                  <a:srgbClr val="0000CC"/>
+                </a:solidFill>
+                <a:latin typeface="Open Sans"/>
+                <a:ea typeface="+mn-lt"/>
+                <a:cs typeface="+mn-lt"/>
+              </a:rPr>
+              <a:t>por</a:t>
+            </a:r>
+            <a:r>
+              <a:rPr lang="en-US" sz="1600" spc="-1" dirty="0">
+                <a:solidFill>
+                  <a:srgbClr val="0000CC"/>
+                </a:solidFill>
+                <a:latin typeface="Open Sans"/>
+                <a:ea typeface="+mn-lt"/>
+                <a:cs typeface="+mn-lt"/>
+              </a:rPr>
+              <a:t> </a:t>
+            </a:r>
+            <a:r>
+              <a:rPr lang="en-US" sz="1600" spc="-1" dirty="0" err="1">
+                <a:solidFill>
+                  <a:srgbClr val="0000CC"/>
+                </a:solidFill>
+                <a:latin typeface="Open Sans"/>
+                <a:ea typeface="+mn-lt"/>
+                <a:cs typeface="+mn-lt"/>
+              </a:rPr>
+              <a:t>cientistas</a:t>
+            </a:r>
+            <a:r>
+              <a:rPr lang="en-US" sz="1600" spc="-1" dirty="0">
+                <a:solidFill>
+                  <a:srgbClr val="0000CC"/>
+                </a:solidFill>
+                <a:latin typeface="Open Sans"/>
+                <a:ea typeface="+mn-lt"/>
+                <a:cs typeface="+mn-lt"/>
+              </a:rPr>
+              <a:t> mas </a:t>
+            </a:r>
+            <a:r>
+              <a:rPr lang="en-US" sz="1600" spc="-1" dirty="0" err="1">
+                <a:solidFill>
+                  <a:srgbClr val="0000CC"/>
+                </a:solidFill>
+                <a:latin typeface="Open Sans"/>
+                <a:ea typeface="+mn-lt"/>
+                <a:cs typeface="+mn-lt"/>
+              </a:rPr>
+              <a:t>também</a:t>
+            </a:r>
+            <a:r>
+              <a:rPr lang="en-US" sz="1600" spc="-1" dirty="0">
+                <a:solidFill>
+                  <a:srgbClr val="0000CC"/>
+                </a:solidFill>
+                <a:latin typeface="Open Sans"/>
+                <a:ea typeface="+mn-lt"/>
+                <a:cs typeface="+mn-lt"/>
+              </a:rPr>
+              <a:t> </a:t>
+            </a:r>
+            <a:r>
+              <a:rPr lang="en-US" sz="1600" spc="-1" dirty="0" err="1">
+                <a:solidFill>
+                  <a:srgbClr val="0000CC"/>
+                </a:solidFill>
+                <a:latin typeface="Open Sans"/>
+                <a:ea typeface="+mn-lt"/>
+                <a:cs typeface="+mn-lt"/>
+              </a:rPr>
+              <a:t>pelo</a:t>
+            </a:r>
+            <a:r>
+              <a:rPr lang="en-US" sz="1600" spc="-1" dirty="0">
+                <a:solidFill>
+                  <a:srgbClr val="0000CC"/>
+                </a:solidFill>
+                <a:latin typeface="Open Sans"/>
+                <a:ea typeface="+mn-lt"/>
+                <a:cs typeface="+mn-lt"/>
+              </a:rPr>
+              <a:t> </a:t>
+            </a:r>
+            <a:r>
+              <a:rPr lang="en-US" sz="1600" spc="-1" dirty="0" err="1">
+                <a:solidFill>
+                  <a:srgbClr val="0000CC"/>
+                </a:solidFill>
+                <a:latin typeface="Open Sans"/>
+                <a:ea typeface="+mn-lt"/>
+                <a:cs typeface="+mn-lt"/>
+              </a:rPr>
+              <a:t>público</a:t>
+            </a:r>
+            <a:r>
+              <a:rPr lang="en-US" sz="1600" spc="-1" dirty="0">
+                <a:solidFill>
+                  <a:srgbClr val="0000CC"/>
+                </a:solidFill>
+                <a:latin typeface="Open Sans"/>
+                <a:ea typeface="+mn-lt"/>
+                <a:cs typeface="+mn-lt"/>
+              </a:rPr>
+              <a:t> </a:t>
+            </a:r>
+            <a:r>
+              <a:rPr lang="en-US" sz="1600" spc="-1" dirty="0" err="1">
+                <a:solidFill>
+                  <a:srgbClr val="0000CC"/>
+                </a:solidFill>
+                <a:latin typeface="Open Sans"/>
+                <a:ea typeface="+mn-lt"/>
+                <a:cs typeface="+mn-lt"/>
+              </a:rPr>
+              <a:t>geral</a:t>
+            </a:r>
+            <a:r>
+              <a:rPr lang="en-US" sz="1600" spc="-1" dirty="0">
+                <a:solidFill>
+                  <a:srgbClr val="0000CC"/>
+                </a:solidFill>
+                <a:latin typeface="Open Sans"/>
+                <a:ea typeface="+mn-lt"/>
+                <a:cs typeface="+mn-lt"/>
+              </a:rPr>
+              <a:t>;</a:t>
+            </a:r>
+          </a:p>
+          <a:p>
+            <a:pPr marL="285750" indent="-285750">
+              <a:buFont typeface="Arial"/>
+              <a:buChar char="•"/>
+            </a:pPr>
+            <a:r>
+              <a:rPr lang="en-US" sz="1600" spc="-1" err="1">
+                <a:solidFill>
+                  <a:srgbClr val="0000CC"/>
+                </a:solidFill>
+                <a:latin typeface="Open Sans"/>
+                <a:ea typeface="+mn-lt"/>
+                <a:cs typeface="+mn-lt"/>
+              </a:rPr>
+              <a:t>Os</a:t>
+            </a:r>
+            <a:r>
+              <a:rPr lang="en-US" sz="1600" spc="-1" dirty="0">
+                <a:solidFill>
+                  <a:srgbClr val="0000CC"/>
+                </a:solidFill>
+                <a:latin typeface="Open Sans"/>
+                <a:ea typeface="+mn-lt"/>
+                <a:cs typeface="+mn-lt"/>
+              </a:rPr>
+              <a:t> </a:t>
+            </a:r>
+            <a:r>
+              <a:rPr lang="en-US" sz="1600" spc="-1" err="1">
+                <a:solidFill>
+                  <a:srgbClr val="0000CC"/>
+                </a:solidFill>
+                <a:latin typeface="Open Sans"/>
+                <a:ea typeface="+mn-lt"/>
+                <a:cs typeface="+mn-lt"/>
+              </a:rPr>
+              <a:t>sistemas</a:t>
+            </a:r>
+            <a:r>
+              <a:rPr lang="en-US" sz="1600" spc="-1" dirty="0">
+                <a:solidFill>
+                  <a:srgbClr val="0000CC"/>
+                </a:solidFill>
+                <a:latin typeface="Open Sans"/>
+                <a:ea typeface="+mn-lt"/>
+                <a:cs typeface="+mn-lt"/>
+              </a:rPr>
+              <a:t> </a:t>
+            </a:r>
+            <a:r>
+              <a:rPr lang="en-US" sz="1600" spc="-1" err="1">
+                <a:solidFill>
+                  <a:srgbClr val="0000CC"/>
+                </a:solidFill>
+                <a:latin typeface="Open Sans"/>
+                <a:ea typeface="+mn-lt"/>
+                <a:cs typeface="+mn-lt"/>
+              </a:rPr>
+              <a:t>não</a:t>
+            </a:r>
+            <a:r>
+              <a:rPr lang="en-US" sz="1600" spc="-1" dirty="0">
+                <a:solidFill>
+                  <a:srgbClr val="0000CC"/>
+                </a:solidFill>
+                <a:latin typeface="Open Sans"/>
+                <a:ea typeface="+mn-lt"/>
+                <a:cs typeface="+mn-lt"/>
+              </a:rPr>
+              <a:t> </a:t>
+            </a:r>
+            <a:r>
+              <a:rPr lang="en-US" sz="1600" spc="-1" err="1">
+                <a:solidFill>
+                  <a:srgbClr val="0000CC"/>
+                </a:solidFill>
+                <a:latin typeface="Open Sans"/>
+                <a:ea typeface="+mn-lt"/>
+                <a:cs typeface="+mn-lt"/>
+              </a:rPr>
+              <a:t>poderiam</a:t>
+            </a:r>
+            <a:r>
+              <a:rPr lang="en-US" sz="1600" spc="-1" dirty="0">
+                <a:solidFill>
+                  <a:srgbClr val="0000CC"/>
+                </a:solidFill>
+                <a:latin typeface="Open Sans"/>
+                <a:ea typeface="+mn-lt"/>
+                <a:cs typeface="+mn-lt"/>
+              </a:rPr>
+              <a:t> </a:t>
+            </a:r>
+            <a:r>
+              <a:rPr lang="en-US" sz="1600" spc="-1" err="1">
+                <a:solidFill>
+                  <a:srgbClr val="0000CC"/>
+                </a:solidFill>
+                <a:latin typeface="Open Sans"/>
+                <a:ea typeface="+mn-lt"/>
+                <a:cs typeface="+mn-lt"/>
+              </a:rPr>
+              <a:t>continuar</a:t>
+            </a:r>
+            <a:r>
+              <a:rPr lang="en-US" sz="1600" spc="-1" dirty="0">
+                <a:solidFill>
+                  <a:srgbClr val="0000CC"/>
+                </a:solidFill>
+                <a:latin typeface="Open Sans"/>
+                <a:ea typeface="+mn-lt"/>
+                <a:cs typeface="+mn-lt"/>
+              </a:rPr>
+              <a:t> "</a:t>
+            </a:r>
+            <a:r>
+              <a:rPr lang="en-US" sz="1600" spc="-1" err="1">
+                <a:solidFill>
+                  <a:schemeClr val="accent4"/>
+                </a:solidFill>
+                <a:latin typeface="Open Sans"/>
+                <a:ea typeface="+mn-lt"/>
+                <a:cs typeface="+mn-lt"/>
+              </a:rPr>
+              <a:t>pobres</a:t>
+            </a:r>
+            <a:r>
+              <a:rPr lang="en-US" sz="1600" spc="-1" dirty="0">
+                <a:solidFill>
+                  <a:srgbClr val="0000CC"/>
+                </a:solidFill>
+                <a:latin typeface="Open Sans"/>
+                <a:ea typeface="+mn-lt"/>
+                <a:cs typeface="+mn-lt"/>
+              </a:rPr>
+              <a:t>", "</a:t>
+            </a:r>
+            <a:r>
+              <a:rPr lang="en-US" sz="1600" spc="-1" err="1">
+                <a:solidFill>
+                  <a:srgbClr val="FF0000"/>
+                </a:solidFill>
+                <a:latin typeface="Open Sans"/>
+                <a:ea typeface="+mn-lt"/>
+                <a:cs typeface="+mn-lt"/>
+              </a:rPr>
+              <a:t>estáticos</a:t>
+            </a:r>
+            <a:r>
+              <a:rPr lang="en-US" sz="1600" spc="-1" dirty="0">
+                <a:solidFill>
+                  <a:srgbClr val="0000CC"/>
+                </a:solidFill>
+                <a:latin typeface="Open Sans"/>
+                <a:ea typeface="+mn-lt"/>
+                <a:cs typeface="+mn-lt"/>
+              </a:rPr>
+              <a:t>" e "</a:t>
+            </a:r>
+            <a:r>
+              <a:rPr lang="en-US" sz="1600" spc="-1" err="1">
+                <a:solidFill>
+                  <a:schemeClr val="accent3">
+                    <a:lumMod val="75000"/>
+                  </a:schemeClr>
+                </a:solidFill>
+                <a:latin typeface="Open Sans"/>
+                <a:ea typeface="+mn-lt"/>
+                <a:cs typeface="+mn-lt"/>
+              </a:rPr>
+              <a:t>poluídos</a:t>
+            </a:r>
+            <a:r>
+              <a:rPr lang="en-US" sz="1600" spc="-1" dirty="0">
+                <a:solidFill>
+                  <a:srgbClr val="0000CC"/>
+                </a:solidFill>
+                <a:latin typeface="Open Sans"/>
+                <a:ea typeface="+mn-lt"/>
+                <a:cs typeface="+mn-lt"/>
+              </a:rPr>
+              <a:t>";</a:t>
+            </a:r>
+          </a:p>
+          <a:p>
+            <a:pPr marL="742950" lvl="1" indent="-285750">
+              <a:buFont typeface="Arial"/>
+              <a:buChar char="•"/>
+            </a:pPr>
+            <a:r>
+              <a:rPr lang="en-US" sz="1600" spc="-1" dirty="0">
+                <a:solidFill>
+                  <a:srgbClr val="0000CC"/>
+                </a:solidFill>
+                <a:latin typeface="Arial"/>
+                <a:cs typeface="Arial"/>
+              </a:rPr>
+              <a:t>Pop-ups;</a:t>
+            </a:r>
+          </a:p>
+          <a:p>
+            <a:pPr marL="742950" lvl="1" indent="-285750">
+              <a:buFont typeface="Arial"/>
+              <a:buChar char="•"/>
+            </a:pPr>
+            <a:r>
+              <a:rPr lang="en-US" sz="1600" spc="-1" dirty="0">
+                <a:solidFill>
+                  <a:srgbClr val="0000CC"/>
+                </a:solidFill>
+                <a:latin typeface="Arial"/>
+                <a:cs typeface="Arial"/>
+              </a:rPr>
+              <a:t>Flash Player;</a:t>
+            </a:r>
+          </a:p>
+          <a:p>
+            <a:pPr marL="742950" lvl="1" indent="-285750">
+              <a:buFont typeface="Arial"/>
+              <a:buChar char="•"/>
+            </a:pPr>
+            <a:r>
+              <a:rPr lang="en-US" sz="1600" spc="-1" dirty="0">
+                <a:solidFill>
+                  <a:srgbClr val="0000CC"/>
+                </a:solidFill>
+                <a:latin typeface="Arial"/>
+                <a:cs typeface="Arial"/>
+              </a:rPr>
+              <a:t>Applets...</a:t>
+            </a:r>
+          </a:p>
+          <a:p>
+            <a:pPr marL="285750" indent="-285750">
+              <a:buFont typeface="Arial"/>
+              <a:buChar char="•"/>
+            </a:pPr>
+            <a:r>
+              <a:rPr lang="en-US" sz="1600" spc="-1" dirty="0">
+                <a:solidFill>
+                  <a:srgbClr val="0000CC"/>
+                </a:solidFill>
+                <a:ea typeface="+mn-lt"/>
+                <a:cs typeface="+mn-lt"/>
+              </a:rPr>
+              <a:t>UX  = o </a:t>
+            </a:r>
+            <a:r>
+              <a:rPr lang="en-US" sz="1600" spc="-1" dirty="0" err="1">
+                <a:solidFill>
+                  <a:srgbClr val="0000CC"/>
+                </a:solidFill>
+                <a:ea typeface="+mn-lt"/>
+                <a:cs typeface="+mn-lt"/>
+              </a:rPr>
+              <a:t>processo</a:t>
+            </a:r>
+            <a:r>
+              <a:rPr lang="en-US" sz="1600" spc="-1" dirty="0">
+                <a:solidFill>
+                  <a:srgbClr val="0000CC"/>
+                </a:solidFill>
+                <a:ea typeface="+mn-lt"/>
+                <a:cs typeface="+mn-lt"/>
+              </a:rPr>
+              <a:t> que </a:t>
+            </a:r>
+            <a:r>
+              <a:rPr lang="en-US" sz="1600" spc="-1" dirty="0" err="1">
+                <a:solidFill>
+                  <a:srgbClr val="0000CC"/>
+                </a:solidFill>
+                <a:ea typeface="+mn-lt"/>
+                <a:cs typeface="+mn-lt"/>
+              </a:rPr>
+              <a:t>os</a:t>
+            </a:r>
+            <a:r>
+              <a:rPr lang="en-US" sz="1600" spc="-1" dirty="0">
+                <a:solidFill>
+                  <a:srgbClr val="0000CC"/>
+                </a:solidFill>
+                <a:ea typeface="+mn-lt"/>
+                <a:cs typeface="+mn-lt"/>
+              </a:rPr>
+              <a:t> times de </a:t>
+            </a:r>
+            <a:r>
+              <a:rPr lang="en-US" sz="1600" spc="-1" dirty="0" err="1">
+                <a:solidFill>
+                  <a:srgbClr val="0000CC"/>
+                </a:solidFill>
+                <a:ea typeface="+mn-lt"/>
+                <a:cs typeface="+mn-lt"/>
+              </a:rPr>
+              <a:t>desenvolvimento</a:t>
+            </a:r>
+            <a:r>
+              <a:rPr lang="en-US" sz="1600" spc="-1" dirty="0">
+                <a:solidFill>
+                  <a:srgbClr val="0000CC"/>
+                </a:solidFill>
+                <a:ea typeface="+mn-lt"/>
+                <a:cs typeface="+mn-lt"/>
+              </a:rPr>
+              <a:t> </a:t>
+            </a:r>
+            <a:r>
+              <a:rPr lang="en-US" sz="1600" spc="-1" dirty="0" err="1">
+                <a:solidFill>
+                  <a:srgbClr val="0000CC"/>
+                </a:solidFill>
+                <a:ea typeface="+mn-lt"/>
+                <a:cs typeface="+mn-lt"/>
+              </a:rPr>
+              <a:t>tem</a:t>
+            </a:r>
+            <a:r>
+              <a:rPr lang="en-US" sz="1600" spc="-1" dirty="0">
+                <a:solidFill>
+                  <a:srgbClr val="0000CC"/>
+                </a:solidFill>
+                <a:ea typeface="+mn-lt"/>
+                <a:cs typeface="+mn-lt"/>
+              </a:rPr>
+              <a:t> para prover </a:t>
+            </a:r>
+            <a:r>
+              <a:rPr lang="en-US" sz="1600" spc="-1" dirty="0" err="1">
+                <a:solidFill>
+                  <a:srgbClr val="0000CC"/>
+                </a:solidFill>
+                <a:ea typeface="+mn-lt"/>
+                <a:cs typeface="+mn-lt"/>
+              </a:rPr>
+              <a:t>aos</a:t>
+            </a:r>
+            <a:r>
+              <a:rPr lang="en-US" sz="1600" spc="-1" dirty="0">
+                <a:solidFill>
+                  <a:srgbClr val="0000CC"/>
+                </a:solidFill>
+                <a:ea typeface="+mn-lt"/>
+                <a:cs typeface="+mn-lt"/>
+              </a:rPr>
+              <a:t> </a:t>
+            </a:r>
+            <a:r>
+              <a:rPr lang="en-US" sz="1600" spc="-1" dirty="0" err="1">
+                <a:solidFill>
+                  <a:srgbClr val="0000CC"/>
+                </a:solidFill>
+                <a:ea typeface="+mn-lt"/>
+                <a:cs typeface="+mn-lt"/>
+              </a:rPr>
+              <a:t>usuários</a:t>
+            </a:r>
+            <a:r>
+              <a:rPr lang="en-US" sz="1600" spc="-1" dirty="0">
+                <a:solidFill>
+                  <a:srgbClr val="0000CC"/>
+                </a:solidFill>
+                <a:ea typeface="+mn-lt"/>
+                <a:cs typeface="+mn-lt"/>
+              </a:rPr>
+              <a:t> </a:t>
+            </a:r>
+            <a:r>
+              <a:rPr lang="en-US" sz="1600" spc="-1" dirty="0" err="1">
+                <a:solidFill>
+                  <a:srgbClr val="0000CC"/>
+                </a:solidFill>
+                <a:ea typeface="+mn-lt"/>
+                <a:cs typeface="+mn-lt"/>
+              </a:rPr>
+              <a:t>experiências</a:t>
+            </a:r>
+            <a:r>
+              <a:rPr lang="en-US" sz="1600" spc="-1" dirty="0">
+                <a:solidFill>
+                  <a:srgbClr val="0000CC"/>
+                </a:solidFill>
+                <a:ea typeface="+mn-lt"/>
+                <a:cs typeface="+mn-lt"/>
+              </a:rPr>
+              <a:t> </a:t>
+            </a:r>
+            <a:r>
+              <a:rPr lang="en-US" sz="1600" spc="-1" dirty="0" err="1">
+                <a:solidFill>
+                  <a:srgbClr val="0000CC"/>
+                </a:solidFill>
+                <a:ea typeface="+mn-lt"/>
+                <a:cs typeface="+mn-lt"/>
+              </a:rPr>
+              <a:t>relevantes</a:t>
+            </a:r>
+            <a:r>
+              <a:rPr lang="en-US" sz="1600" spc="-1" dirty="0">
+                <a:solidFill>
+                  <a:srgbClr val="0000CC"/>
+                </a:solidFill>
+                <a:ea typeface="+mn-lt"/>
+                <a:cs typeface="+mn-lt"/>
+              </a:rPr>
+              <a:t> e </a:t>
+            </a:r>
+            <a:r>
+              <a:rPr lang="en-US" sz="1600" spc="-1" dirty="0" err="1">
+                <a:solidFill>
+                  <a:srgbClr val="0000CC"/>
+                </a:solidFill>
+                <a:ea typeface="+mn-lt"/>
+                <a:cs typeface="+mn-lt"/>
+              </a:rPr>
+              <a:t>significativas</a:t>
+            </a:r>
+            <a:r>
+              <a:rPr lang="en-US" sz="1600" spc="-1" dirty="0">
+                <a:solidFill>
+                  <a:srgbClr val="0000CC"/>
+                </a:solidFill>
+                <a:ea typeface="+mn-lt"/>
+                <a:cs typeface="+mn-lt"/>
+              </a:rPr>
+              <a:t> </a:t>
+            </a:r>
+            <a:r>
+              <a:rPr lang="en-US" sz="1600" spc="-1" dirty="0" err="1">
+                <a:solidFill>
+                  <a:srgbClr val="0000CC"/>
+                </a:solidFill>
+                <a:ea typeface="+mn-lt"/>
+                <a:cs typeface="+mn-lt"/>
+              </a:rPr>
+              <a:t>aos</a:t>
+            </a:r>
+            <a:r>
+              <a:rPr lang="en-US" sz="1600" spc="-1" dirty="0">
+                <a:solidFill>
+                  <a:srgbClr val="0000CC"/>
+                </a:solidFill>
+                <a:ea typeface="+mn-lt"/>
+                <a:cs typeface="+mn-lt"/>
+              </a:rPr>
+              <a:t> </a:t>
+            </a:r>
+            <a:r>
+              <a:rPr lang="en-US" sz="1600" spc="-1" dirty="0" err="1">
+                <a:solidFill>
+                  <a:srgbClr val="0000CC"/>
+                </a:solidFill>
+                <a:ea typeface="+mn-lt"/>
+                <a:cs typeface="+mn-lt"/>
+              </a:rPr>
+              <a:t>usuários</a:t>
+            </a:r>
+            <a:r>
+              <a:rPr lang="en-US" sz="1600" spc="-1" dirty="0">
+                <a:solidFill>
+                  <a:srgbClr val="0000CC"/>
+                </a:solidFill>
+                <a:ea typeface="+mn-lt"/>
+                <a:cs typeface="+mn-lt"/>
+              </a:rPr>
+              <a:t>.</a:t>
+            </a:r>
+            <a:endParaRPr lang="en-US" sz="1600" spc="-1" dirty="0">
+              <a:solidFill>
+                <a:srgbClr val="0000CC"/>
+              </a:solidFill>
+              <a:latin typeface="Courier New"/>
+              <a:cs typeface="Arial"/>
+            </a:endParaRPr>
+          </a:p>
+          <a:p>
+            <a:pPr marL="742950" lvl="1" indent="-285750">
+              <a:buFont typeface="Arial"/>
+              <a:buChar char="•"/>
+            </a:pPr>
+            <a:r>
+              <a:rPr lang="en-US" sz="1600" spc="-1" err="1">
+                <a:solidFill>
+                  <a:srgbClr val="0000CC"/>
+                </a:solidFill>
+                <a:latin typeface="Arial"/>
+                <a:cs typeface="Arial"/>
+              </a:rPr>
+              <a:t>Aquisição</a:t>
+            </a:r>
+            <a:endParaRPr lang="en-US" sz="1600" spc="-1" dirty="0" err="1">
+              <a:solidFill>
+                <a:srgbClr val="0000CC"/>
+              </a:solidFill>
+              <a:latin typeface="Arial"/>
+              <a:cs typeface="Arial"/>
+            </a:endParaRPr>
+          </a:p>
+          <a:p>
+            <a:pPr marL="742950" lvl="1" indent="-285750">
+              <a:buFont typeface="Arial"/>
+              <a:buChar char="•"/>
+            </a:pPr>
+            <a:r>
+              <a:rPr lang="en-US" sz="1600" spc="-1" err="1">
+                <a:solidFill>
+                  <a:srgbClr val="0000CC"/>
+                </a:solidFill>
+                <a:latin typeface="Arial"/>
+                <a:cs typeface="Arial"/>
+              </a:rPr>
+              <a:t>Integração</a:t>
+            </a:r>
+            <a:r>
+              <a:rPr lang="en-US" sz="1600" spc="-1" dirty="0">
+                <a:solidFill>
+                  <a:srgbClr val="0000CC"/>
+                </a:solidFill>
+                <a:latin typeface="Arial"/>
+                <a:cs typeface="Arial"/>
+              </a:rPr>
+              <a:t> do </a:t>
+            </a:r>
+            <a:r>
+              <a:rPr lang="en-US" sz="1600" spc="-1" err="1">
+                <a:solidFill>
+                  <a:srgbClr val="0000CC"/>
+                </a:solidFill>
+                <a:latin typeface="Arial"/>
+                <a:cs typeface="Arial"/>
+              </a:rPr>
+              <a:t>produto</a:t>
+            </a:r>
+            <a:endParaRPr lang="en-US" sz="1600" spc="-1">
+              <a:solidFill>
+                <a:srgbClr val="0000CC"/>
+              </a:solidFill>
+              <a:latin typeface="Arial"/>
+              <a:cs typeface="Arial"/>
+            </a:endParaRPr>
+          </a:p>
+          <a:p>
+            <a:pPr marL="742950" lvl="1" indent="-285750">
+              <a:buFont typeface="Arial"/>
+              <a:buChar char="•"/>
+            </a:pPr>
+            <a:r>
+              <a:rPr lang="en-US" sz="1600" spc="-1" dirty="0">
+                <a:solidFill>
+                  <a:srgbClr val="0000CC"/>
+                </a:solidFill>
+                <a:latin typeface="Arial"/>
+                <a:cs typeface="Arial"/>
+              </a:rPr>
+              <a:t>Branding</a:t>
+            </a:r>
+          </a:p>
+          <a:p>
+            <a:pPr marL="742950" lvl="1" indent="-285750">
+              <a:buFont typeface="Arial"/>
+              <a:buChar char="•"/>
+            </a:pPr>
+            <a:r>
+              <a:rPr lang="en-US" sz="1600" spc="-1" dirty="0">
+                <a:solidFill>
+                  <a:srgbClr val="0000CC"/>
+                </a:solidFill>
+                <a:latin typeface="Arial"/>
+                <a:cs typeface="Arial"/>
+              </a:rPr>
+              <a:t>Design</a:t>
+            </a:r>
+          </a:p>
+          <a:p>
+            <a:pPr marL="742950" lvl="1" indent="-285750">
+              <a:buFont typeface="Arial"/>
+              <a:buChar char="•"/>
+            </a:pPr>
+            <a:r>
+              <a:rPr lang="en-US" sz="1600" spc="-1" err="1">
+                <a:solidFill>
+                  <a:srgbClr val="0000CC"/>
+                </a:solidFill>
+                <a:latin typeface="Arial"/>
+                <a:cs typeface="Arial"/>
+              </a:rPr>
+              <a:t>Usabilidade</a:t>
+            </a:r>
+            <a:endParaRPr lang="en-US" sz="1600" spc="-1" dirty="0" err="1">
+              <a:solidFill>
+                <a:srgbClr val="0000CC"/>
+              </a:solidFill>
+              <a:latin typeface="Arial"/>
+              <a:cs typeface="Arial"/>
+            </a:endParaRPr>
+          </a:p>
+          <a:p>
+            <a:pPr marL="742950" lvl="1" indent="-285750">
+              <a:buFont typeface="Arial"/>
+              <a:buChar char="•"/>
+            </a:pPr>
+            <a:r>
+              <a:rPr lang="en-US" sz="1600" spc="-1" err="1">
+                <a:solidFill>
+                  <a:srgbClr val="0000CC"/>
+                </a:solidFill>
+                <a:latin typeface="Arial"/>
+                <a:cs typeface="Arial"/>
+              </a:rPr>
+              <a:t>Funcionalidade</a:t>
+            </a:r>
+            <a:endParaRPr lang="en-US" sz="1600" spc="-1" dirty="0" err="1">
+              <a:solidFill>
+                <a:srgbClr val="0000CC"/>
+              </a:solidFill>
+              <a:latin typeface="Arial"/>
+              <a:cs typeface="Arial"/>
+            </a:endParaRPr>
+          </a:p>
+          <a:p>
+            <a:pPr marL="742950" lvl="1" indent="-285750">
+              <a:buFont typeface="Arial"/>
+              <a:buChar char="•"/>
+            </a:pPr>
+            <a:endParaRPr lang="en-US" sz="1600" spc="-1" dirty="0">
+              <a:solidFill>
+                <a:srgbClr val="0000CC"/>
+              </a:solidFill>
+              <a:cs typeface="Arial"/>
+            </a:endParaRPr>
+          </a:p>
+          <a:p>
+            <a:br>
+              <a:rPr lang="en-US" dirty="0"/>
+            </a:br>
+            <a:br>
+              <a:rPr lang="en-US" dirty="0"/>
+            </a:br>
+            <a:endParaRPr lang="en-US"/>
+          </a:p>
+          <a:p>
+            <a:pPr>
+              <a:buFont typeface="Arial"/>
+              <a:buChar char="•"/>
+            </a:pPr>
+            <a:endParaRPr lang="pt-BR" sz="1600" spc="-1" dirty="0">
+              <a:solidFill>
+                <a:srgbClr val="0000CC"/>
+              </a:solidFill>
+              <a:latin typeface="DejaVu Sans"/>
+              <a:ea typeface="Open Sans"/>
+              <a:cs typeface="Arial"/>
+            </a:endParaRPr>
+          </a:p>
+          <a:p>
+            <a:pPr>
+              <a:buFont typeface="Arial"/>
+              <a:buChar char="•"/>
+            </a:pPr>
+            <a:endParaRPr lang="pt-BR" sz="1600" spc="-1">
+              <a:solidFill>
+                <a:srgbClr val="0000CC"/>
+              </a:solidFill>
+              <a:latin typeface="Open Sans"/>
+              <a:ea typeface="Open Sans"/>
+              <a:cs typeface="Arial"/>
+            </a:endParaRPr>
+          </a:p>
+          <a:p>
+            <a:pPr marL="285750" indent="-285750">
+              <a:buFont typeface="Arial"/>
+              <a:buChar char="•"/>
+            </a:pPr>
+            <a:endParaRPr lang="pt-BR" sz="1600" spc="-1">
+              <a:solidFill>
+                <a:srgbClr val="0000CC"/>
+              </a:solidFill>
+              <a:latin typeface="Arial"/>
+              <a:ea typeface="Open Sans"/>
+              <a:cs typeface="Arial"/>
+            </a:endParaRPr>
+          </a:p>
+          <a:p>
+            <a:pPr marL="285750" indent="-285750">
+              <a:buFont typeface="Arial"/>
+              <a:buChar char="•"/>
+            </a:pPr>
+            <a:endParaRPr lang="pt-BR" sz="1600" spc="-1">
+              <a:solidFill>
+                <a:srgbClr val="0000CC"/>
+              </a:solidFill>
+              <a:latin typeface="Arial"/>
+              <a:ea typeface="Open Sans"/>
+              <a:cs typeface="Arial"/>
+            </a:endParaRPr>
+          </a:p>
+          <a:p>
+            <a:pPr marL="1200150" lvl="2" indent="-285750">
+              <a:buFont typeface="Wingdings"/>
+              <a:buChar char="§"/>
+            </a:pPr>
+            <a:endParaRPr lang="pt-BR" sz="1600" spc="-1">
+              <a:solidFill>
+                <a:srgbClr val="0000CC"/>
+              </a:solidFill>
+              <a:latin typeface="Open Sans"/>
+              <a:ea typeface="Open Sans"/>
+              <a:cs typeface="Arial"/>
+            </a:endParaRPr>
+          </a:p>
+          <a:p>
+            <a:pPr marL="285750" indent="-285750">
+              <a:buFont typeface="Arial"/>
+              <a:buChar char="•"/>
+            </a:pPr>
+            <a:endParaRPr lang="pt-BR" sz="1600" spc="-1">
+              <a:solidFill>
+                <a:srgbClr val="0000CC"/>
+              </a:solidFill>
+              <a:latin typeface="Open Sans"/>
+              <a:ea typeface="Open Sans"/>
+              <a:cs typeface="Arial"/>
+            </a:endParaRPr>
+          </a:p>
+          <a:p>
+            <a:pPr marL="285750" indent="-285750">
+              <a:buFont typeface="Arial"/>
+              <a:buChar char="•"/>
+            </a:pPr>
+            <a:endParaRPr lang="pt-BR" sz="1600" spc="-1">
+              <a:solidFill>
+                <a:srgbClr val="0000CC"/>
+              </a:solidFill>
+              <a:latin typeface="Open Sans"/>
+              <a:ea typeface="Open Sans"/>
+              <a:cs typeface="Arial"/>
+            </a:endParaRPr>
+          </a:p>
+        </p:txBody>
+      </p:sp>
+      <p:pic>
+        <p:nvPicPr>
+          <p:cNvPr id="2" name="Imagem 1" descr="Interface gráfica do usuário, Texto, Aplicativo&#10;&#10;Descrição gerada automaticamente">
+            <a:extLst>
+              <a:ext uri="{FF2B5EF4-FFF2-40B4-BE49-F238E27FC236}">
+                <a16:creationId xmlns:a16="http://schemas.microsoft.com/office/drawing/2014/main" id="{CE3DE312-A99A-294F-BDB2-90E0BB6E2CD9}"/>
+              </a:ext>
+            </a:extLst>
+          </p:cNvPr>
+          <p:cNvPicPr>
+            <a:picLocks noChangeAspect="1"/>
+          </p:cNvPicPr>
+          <p:nvPr/>
+        </p:nvPicPr>
+        <p:blipFill>
+          <a:blip r:embed="rId3"/>
+          <a:stretch>
+            <a:fillRect/>
+          </a:stretch>
+        </p:blipFill>
+        <p:spPr>
+          <a:xfrm>
+            <a:off x="4379703" y="3218012"/>
+            <a:ext cx="4762500" cy="2438400"/>
+          </a:xfrm>
+          <a:prstGeom prst="rect">
+            <a:avLst/>
+          </a:prstGeom>
+        </p:spPr>
+      </p:pic>
+    </p:spTree>
+    <p:extLst>
+      <p:ext uri="{BB962C8B-B14F-4D97-AF65-F5344CB8AC3E}">
+        <p14:creationId xmlns:p14="http://schemas.microsoft.com/office/powerpoint/2010/main" val="185287590"/>
+      </p:ext>
+    </p:extLst>
+  </p:cSld>
+  <p:clrMapOvr>
+    <a:masterClrMapping/>
+  </p:clrMapOvr>
+  <p:timing>
+    <p:tnLst>
+      <p:par>
+        <p:cTn id="1" dur="indefinite" restart="never" nodeType="tmRoot">
+          <p:childTnLst>
+            <p:seq>
+              <p:cTn id="2" dur="indefinite" nodeType="mainSeq"/>
+              <p:prevCondLst>
+                <p:cond evt="onPrev" delay="0">
+                  <p:tgtEl>
+                    <p:sldTgt/>
+                  </p:tgtEl>
+                </p:cond>
+              </p:prevCondLst>
+              <p:nextCondLst>
+                <p:cond evt="onNext" delay="0">
+                  <p:tgtEl>
+                    <p:sldTgt/>
+                  </p:tgtEl>
+                </p:cond>
+              </p:nextCondLst>
+            </p:seq>
+          </p:childTnLst>
+        </p:cTn>
+      </p:par>
+    </p:tnLst>
+  </p:timing>
+</p:sld>
+</file>
+
+<file path=ppt/slides/slide27.xml><?xml version="1.0" encoding="utf-8"?>
+<p:sld xmlns:a="http://schemas.openxmlformats.org/drawingml/2006/main" xmlns:r="http://schemas.openxmlformats.org/officeDocument/2006/relationships" xmlns:p="http://schemas.openxmlformats.org/presentationml/2006/main">
+  <p:cSld>
+    <p:spTree>
+      <p:nvGrpSpPr>
+        <p:cNvPr id="1" name=""/>
+        <p:cNvGrpSpPr/>
+        <p:nvPr/>
+      </p:nvGrpSpPr>
+      <p:grpSpPr>
+        <a:xfrm>
+          <a:off x="0" y="0"/>
+          <a:ext cx="0" cy="0"/>
+          <a:chOff x="0" y="0"/>
+          <a:chExt cx="0" cy="0"/>
+        </a:xfrm>
+      </p:grpSpPr>
+      <p:sp>
+        <p:nvSpPr>
+          <p:cNvPr id="94" name="TextShape 1"/>
+          <p:cNvSpPr txBox="1"/>
+          <p:nvPr/>
+        </p:nvSpPr>
+        <p:spPr>
+          <a:xfrm>
+            <a:off x="8472600" y="4663080"/>
+            <a:ext cx="547560" cy="392400"/>
+          </a:xfrm>
+          <a:prstGeom prst="rect">
+            <a:avLst/>
+          </a:prstGeom>
+          <a:noFill/>
+          <a:ln>
+            <a:noFill/>
+          </a:ln>
+        </p:spPr>
+        <p:txBody>
+          <a:bodyPr lIns="90000" tIns="91440" rIns="90000" bIns="91440" anchor="ctr"/>
+          <a:lstStyle/>
+          <a:p>
+            <a:pPr algn="r">
+              <a:lnSpc>
+                <a:spcPct val="100000"/>
+              </a:lnSpc>
+            </a:pPr>
+            <a:fld id="{53606E05-68C1-4429-846B-CDD23DD71137}" type="slidenum">
+              <a:rPr lang="pt-BR" sz="1000" b="0" strike="noStrike" spc="-1" dirty="0">
+                <a:solidFill>
+                  <a:srgbClr val="595959"/>
+                </a:solidFill>
+                <a:latin typeface="Arial"/>
+                <a:ea typeface="Arial"/>
+              </a:rPr>
+              <a:t>27</a:t>
+            </a:fld>
+            <a:endParaRPr lang="pt-BR" sz="1000" b="0" strike="noStrike" spc="-1">
+              <a:latin typeface="Times New Roman"/>
+            </a:endParaRPr>
+          </a:p>
+        </p:txBody>
+      </p:sp>
+      <p:sp>
+        <p:nvSpPr>
+          <p:cNvPr id="95" name="TextShape 2"/>
+          <p:cNvSpPr txBox="1"/>
+          <p:nvPr/>
+        </p:nvSpPr>
+        <p:spPr>
+          <a:xfrm>
+            <a:off x="276120" y="196920"/>
+            <a:ext cx="6980760" cy="585000"/>
+          </a:xfrm>
+          <a:prstGeom prst="rect">
+            <a:avLst/>
+          </a:prstGeom>
+          <a:noFill/>
+          <a:ln>
+            <a:noFill/>
+          </a:ln>
+        </p:spPr>
+        <p:txBody>
+          <a:bodyPr lIns="0" tIns="91440" rIns="0" bIns="91440" anchor="t"/>
+          <a:lstStyle/>
+          <a:p>
+            <a:pPr>
+              <a:lnSpc>
+                <a:spcPct val="80000"/>
+              </a:lnSpc>
+            </a:pPr>
+            <a:r>
+              <a:rPr lang="pt-BR" sz="3000" spc="-1" dirty="0">
+                <a:solidFill>
+                  <a:srgbClr val="0000CC"/>
+                </a:solidFill>
+                <a:latin typeface="Open Sans Light"/>
+                <a:ea typeface="Open Sans Light"/>
+              </a:rPr>
+              <a:t>UX</a:t>
+            </a:r>
+            <a:endParaRPr lang="pt-BR" dirty="0"/>
+          </a:p>
+          <a:p>
+            <a:pPr>
+              <a:lnSpc>
+                <a:spcPct val="80000"/>
+              </a:lnSpc>
+            </a:pPr>
+            <a:r>
+              <a:rPr lang="pt-BR" sz="3000" b="0" strike="noStrike" spc="-1" dirty="0">
+                <a:solidFill>
+                  <a:srgbClr val="0000CC"/>
+                </a:solidFill>
+                <a:latin typeface="Open Sans Light"/>
+                <a:ea typeface="Open Sans Light"/>
+              </a:rPr>
+              <a:t>—</a:t>
+            </a:r>
+            <a:endParaRPr lang="pt-BR" sz="3000" b="0" strike="noStrike" spc="-1" dirty="0">
+              <a:solidFill>
+                <a:srgbClr val="000000"/>
+              </a:solidFill>
+              <a:latin typeface="Arial"/>
+            </a:endParaRPr>
+          </a:p>
+        </p:txBody>
+      </p:sp>
+      <p:pic>
+        <p:nvPicPr>
+          <p:cNvPr id="96" name="Google Shape;84;p16"/>
+          <p:cNvPicPr/>
+          <p:nvPr/>
+        </p:nvPicPr>
+        <p:blipFill>
+          <a:blip r:embed="rId2"/>
+          <a:stretch/>
+        </p:blipFill>
+        <p:spPr>
+          <a:xfrm>
+            <a:off x="7963920" y="228600"/>
+            <a:ext cx="874080" cy="268200"/>
+          </a:xfrm>
+          <a:prstGeom prst="rect">
+            <a:avLst/>
+          </a:prstGeom>
+          <a:ln>
+            <a:noFill/>
+          </a:ln>
+        </p:spPr>
+      </p:pic>
+      <p:sp>
+        <p:nvSpPr>
+          <p:cNvPr id="98" name="TextShape 4"/>
+          <p:cNvSpPr txBox="1"/>
+          <p:nvPr/>
+        </p:nvSpPr>
+        <p:spPr>
+          <a:xfrm>
+            <a:off x="276120" y="928440"/>
+            <a:ext cx="6980760" cy="499320"/>
+          </a:xfrm>
+          <a:prstGeom prst="rect">
+            <a:avLst/>
+          </a:prstGeom>
+          <a:noFill/>
+          <a:ln>
+            <a:noFill/>
+          </a:ln>
+        </p:spPr>
+        <p:txBody>
+          <a:bodyPr lIns="0" tIns="91440" rIns="0" bIns="91440" anchor="t"/>
+          <a:lstStyle/>
+          <a:p>
+            <a:pPr marL="285750" indent="-285750">
+              <a:buFont typeface="Arial"/>
+              <a:buChar char="•"/>
+            </a:pPr>
+            <a:r>
+              <a:rPr lang="en-US" sz="1600" spc="-1" dirty="0" err="1">
+                <a:solidFill>
+                  <a:srgbClr val="0000CC"/>
+                </a:solidFill>
+                <a:ea typeface="+mn-lt"/>
+                <a:cs typeface="+mn-lt"/>
+              </a:rPr>
+              <a:t>Muitas</a:t>
+            </a:r>
+            <a:r>
+              <a:rPr lang="en-US" sz="1600" spc="-1" dirty="0">
+                <a:solidFill>
+                  <a:srgbClr val="0000CC"/>
+                </a:solidFill>
+                <a:ea typeface="+mn-lt"/>
+                <a:cs typeface="+mn-lt"/>
+              </a:rPr>
+              <a:t> </a:t>
+            </a:r>
+            <a:r>
+              <a:rPr lang="en-US" sz="1600" spc="-1" dirty="0" err="1">
+                <a:solidFill>
+                  <a:srgbClr val="0000CC"/>
+                </a:solidFill>
+                <a:ea typeface="+mn-lt"/>
+                <a:cs typeface="+mn-lt"/>
+              </a:rPr>
+              <a:t>vezes</a:t>
+            </a:r>
+            <a:r>
+              <a:rPr lang="en-US" sz="1600" spc="-1" dirty="0">
+                <a:solidFill>
+                  <a:srgbClr val="0000CC"/>
+                </a:solidFill>
+                <a:ea typeface="+mn-lt"/>
+                <a:cs typeface="+mn-lt"/>
+              </a:rPr>
+              <a:t> o </a:t>
+            </a:r>
+            <a:r>
+              <a:rPr lang="en-US" sz="1600" spc="-1" dirty="0" err="1">
+                <a:solidFill>
+                  <a:srgbClr val="0000CC"/>
+                </a:solidFill>
+                <a:ea typeface="+mn-lt"/>
+                <a:cs typeface="+mn-lt"/>
+              </a:rPr>
+              <a:t>terno</a:t>
+            </a:r>
+            <a:r>
+              <a:rPr lang="en-US" sz="1600" spc="-1" dirty="0">
+                <a:solidFill>
+                  <a:srgbClr val="0000CC"/>
+                </a:solidFill>
+                <a:ea typeface="+mn-lt"/>
+                <a:cs typeface="+mn-lt"/>
+              </a:rPr>
+              <a:t> UX é </a:t>
+            </a:r>
+            <a:r>
+              <a:rPr lang="en-US" sz="1600" spc="-1" dirty="0" err="1">
+                <a:solidFill>
+                  <a:srgbClr val="0000CC"/>
+                </a:solidFill>
+                <a:ea typeface="+mn-lt"/>
+                <a:cs typeface="+mn-lt"/>
+              </a:rPr>
+              <a:t>utilizado</a:t>
+            </a:r>
+            <a:r>
+              <a:rPr lang="en-US" sz="1600" spc="-1" dirty="0">
+                <a:solidFill>
+                  <a:srgbClr val="0000CC"/>
+                </a:solidFill>
+                <a:ea typeface="+mn-lt"/>
+                <a:cs typeface="+mn-lt"/>
+              </a:rPr>
+              <a:t> para </a:t>
+            </a:r>
+            <a:r>
+              <a:rPr lang="en-US" sz="1600" spc="-1" dirty="0" err="1">
+                <a:solidFill>
+                  <a:srgbClr val="0000CC"/>
+                </a:solidFill>
+                <a:ea typeface="+mn-lt"/>
+                <a:cs typeface="+mn-lt"/>
+              </a:rPr>
+              <a:t>substituir</a:t>
+            </a:r>
+            <a:r>
+              <a:rPr lang="en-US" sz="1600" spc="-1" dirty="0">
+                <a:solidFill>
+                  <a:srgbClr val="0000CC"/>
+                </a:solidFill>
+                <a:ea typeface="+mn-lt"/>
+                <a:cs typeface="+mn-lt"/>
+              </a:rPr>
+              <a:t> </a:t>
+            </a:r>
+            <a:r>
+              <a:rPr lang="en-US" sz="1600" spc="-1" dirty="0" err="1">
+                <a:solidFill>
+                  <a:srgbClr val="0000CC"/>
+                </a:solidFill>
+                <a:ea typeface="+mn-lt"/>
+                <a:cs typeface="+mn-lt"/>
+              </a:rPr>
+              <a:t>os</a:t>
+            </a:r>
+            <a:r>
+              <a:rPr lang="en-US" sz="1600" spc="-1" dirty="0">
+                <a:solidFill>
+                  <a:srgbClr val="0000CC"/>
+                </a:solidFill>
+                <a:ea typeface="+mn-lt"/>
+                <a:cs typeface="+mn-lt"/>
+              </a:rPr>
+              <a:t> </a:t>
+            </a:r>
+            <a:r>
+              <a:rPr lang="en-US" sz="1600" spc="-1" dirty="0" err="1">
+                <a:solidFill>
+                  <a:srgbClr val="0000CC"/>
+                </a:solidFill>
+                <a:ea typeface="+mn-lt"/>
+                <a:cs typeface="+mn-lt"/>
+              </a:rPr>
+              <a:t>termos</a:t>
+            </a:r>
+            <a:endParaRPr lang="en-US" sz="1600" spc="-1" dirty="0" err="1">
+              <a:solidFill>
+                <a:srgbClr val="0000CC"/>
+              </a:solidFill>
+              <a:latin typeface="Open Sans"/>
+              <a:ea typeface="+mn-lt"/>
+              <a:cs typeface="+mn-lt"/>
+            </a:endParaRPr>
+          </a:p>
+          <a:p>
+            <a:pPr marL="742950" lvl="1" indent="-285750">
+              <a:buFont typeface="Arial"/>
+              <a:buChar char="•"/>
+            </a:pPr>
+            <a:r>
+              <a:rPr lang="en-US" sz="1600" spc="-1" dirty="0">
+                <a:solidFill>
+                  <a:srgbClr val="0000CC"/>
+                </a:solidFill>
+                <a:latin typeface="Arial"/>
+                <a:ea typeface="+mn-lt"/>
+                <a:cs typeface="+mn-lt"/>
+              </a:rPr>
+              <a:t>UI Design</a:t>
+            </a:r>
+          </a:p>
+          <a:p>
+            <a:pPr marL="742950" lvl="1" indent="-285750">
+              <a:buFont typeface="Arial"/>
+              <a:buChar char="•"/>
+            </a:pPr>
+            <a:r>
+              <a:rPr lang="en-US" sz="1600" spc="-1" err="1">
+                <a:solidFill>
+                  <a:srgbClr val="0000CC"/>
+                </a:solidFill>
+                <a:latin typeface="Arial"/>
+                <a:cs typeface="Arial"/>
+              </a:rPr>
+              <a:t>Usabilidade</a:t>
+            </a:r>
+            <a:endParaRPr lang="en-US" sz="1600" spc="-1">
+              <a:solidFill>
+                <a:srgbClr val="0000CC"/>
+              </a:solidFill>
+              <a:latin typeface="Arial"/>
+              <a:cs typeface="Arial"/>
+            </a:endParaRPr>
+          </a:p>
+          <a:p>
+            <a:pPr marL="285750" indent="-285750">
+              <a:buFont typeface="Arial"/>
+              <a:buChar char="•"/>
+            </a:pPr>
+            <a:r>
+              <a:rPr lang="en-US" sz="1600" spc="-1" err="1">
+                <a:solidFill>
+                  <a:srgbClr val="0000CC"/>
+                </a:solidFill>
+                <a:ea typeface="+mn-lt"/>
+                <a:cs typeface="+mn-lt"/>
+              </a:rPr>
+              <a:t>Contudo</a:t>
+            </a:r>
+            <a:r>
+              <a:rPr lang="en-US" sz="1600" spc="-1">
+                <a:solidFill>
+                  <a:srgbClr val="0000CC"/>
+                </a:solidFill>
+                <a:ea typeface="+mn-lt"/>
+                <a:cs typeface="+mn-lt"/>
+              </a:rPr>
+              <a:t> </a:t>
+            </a:r>
+            <a:r>
+              <a:rPr lang="en-US" sz="1600" spc="-1" err="1">
+                <a:solidFill>
+                  <a:srgbClr val="0000CC"/>
+                </a:solidFill>
+                <a:ea typeface="+mn-lt"/>
+                <a:cs typeface="+mn-lt"/>
+              </a:rPr>
+              <a:t>estes</a:t>
+            </a:r>
+            <a:r>
+              <a:rPr lang="en-US" sz="1600" spc="-1">
+                <a:solidFill>
+                  <a:srgbClr val="0000CC"/>
+                </a:solidFill>
+                <a:ea typeface="+mn-lt"/>
+                <a:cs typeface="+mn-lt"/>
+              </a:rPr>
+              <a:t> </a:t>
+            </a:r>
+            <a:r>
+              <a:rPr lang="en-US" sz="1600" spc="-1" err="1">
+                <a:solidFill>
+                  <a:srgbClr val="0000CC"/>
+                </a:solidFill>
+                <a:ea typeface="+mn-lt"/>
+                <a:cs typeface="+mn-lt"/>
+              </a:rPr>
+              <a:t>são</a:t>
+            </a:r>
+            <a:r>
+              <a:rPr lang="en-US" sz="1600" spc="-1">
+                <a:solidFill>
+                  <a:srgbClr val="0000CC"/>
+                </a:solidFill>
+                <a:ea typeface="+mn-lt"/>
+                <a:cs typeface="+mn-lt"/>
+              </a:rPr>
+              <a:t> apenas uma parte da UX;</a:t>
+            </a:r>
+            <a:endParaRPr lang="en-US" sz="1600" spc="-1" dirty="0">
+              <a:solidFill>
+                <a:srgbClr val="0000CC"/>
+              </a:solidFill>
+              <a:ea typeface="+mn-lt"/>
+              <a:cs typeface="+mn-lt"/>
+            </a:endParaRPr>
+          </a:p>
+          <a:p>
+            <a:r>
+              <a:rPr lang="en-US" sz="1600" i="1" spc="-1" dirty="0">
+                <a:solidFill>
+                  <a:srgbClr val="FF0000"/>
+                </a:solidFill>
+                <a:ea typeface="+mn-lt"/>
+                <a:cs typeface="+mn-lt"/>
+              </a:rPr>
+              <a:t>"</a:t>
+            </a:r>
+            <a:r>
+              <a:rPr lang="en-US" sz="1600" i="1" spc="-1" err="1">
+                <a:solidFill>
+                  <a:srgbClr val="FF0000"/>
+                </a:solidFill>
+                <a:ea typeface="+mn-lt"/>
+                <a:cs typeface="+mn-lt"/>
+              </a:rPr>
+              <a:t>Nenhum</a:t>
+            </a:r>
+            <a:r>
+              <a:rPr lang="en-US" sz="1600" i="1" spc="-1" dirty="0">
+                <a:solidFill>
+                  <a:srgbClr val="FF0000"/>
+                </a:solidFill>
+                <a:ea typeface="+mn-lt"/>
+                <a:cs typeface="+mn-lt"/>
+              </a:rPr>
+              <a:t> </a:t>
+            </a:r>
+            <a:r>
+              <a:rPr lang="en-US" sz="1600" i="1" spc="-1" err="1">
+                <a:solidFill>
+                  <a:srgbClr val="FF0000"/>
+                </a:solidFill>
+                <a:ea typeface="+mn-lt"/>
+                <a:cs typeface="+mn-lt"/>
+              </a:rPr>
+              <a:t>produto</a:t>
+            </a:r>
+            <a:r>
+              <a:rPr lang="en-US" sz="1600" i="1" spc="-1" dirty="0">
+                <a:solidFill>
+                  <a:srgbClr val="FF0000"/>
+                </a:solidFill>
+                <a:ea typeface="+mn-lt"/>
+                <a:cs typeface="+mn-lt"/>
+              </a:rPr>
+              <a:t> é </a:t>
+            </a:r>
+            <a:r>
+              <a:rPr lang="en-US" sz="1600" i="1" spc="-1" err="1">
+                <a:solidFill>
+                  <a:srgbClr val="FF0000"/>
+                </a:solidFill>
+                <a:ea typeface="+mn-lt"/>
+                <a:cs typeface="+mn-lt"/>
+              </a:rPr>
+              <a:t>uma</a:t>
+            </a:r>
+            <a:r>
+              <a:rPr lang="en-US" sz="1600" i="1" spc="-1" dirty="0">
+                <a:solidFill>
+                  <a:srgbClr val="FF0000"/>
+                </a:solidFill>
+                <a:ea typeface="+mn-lt"/>
+                <a:cs typeface="+mn-lt"/>
+              </a:rPr>
+              <a:t> </a:t>
+            </a:r>
+            <a:r>
+              <a:rPr lang="en-US" sz="1600" i="1" spc="-1" err="1">
+                <a:solidFill>
+                  <a:srgbClr val="FF0000"/>
+                </a:solidFill>
+                <a:ea typeface="+mn-lt"/>
+                <a:cs typeface="+mn-lt"/>
+              </a:rPr>
+              <a:t>ilha</a:t>
+            </a:r>
+            <a:r>
+              <a:rPr lang="en-US" sz="1600" i="1" spc="-1" dirty="0">
+                <a:solidFill>
+                  <a:srgbClr val="FF0000"/>
+                </a:solidFill>
+                <a:ea typeface="+mn-lt"/>
+                <a:cs typeface="+mn-lt"/>
+              </a:rPr>
+              <a:t>. Um </a:t>
+            </a:r>
+            <a:r>
+              <a:rPr lang="en-US" sz="1600" i="1" spc="-1" err="1">
+                <a:solidFill>
+                  <a:srgbClr val="FF0000"/>
+                </a:solidFill>
+                <a:ea typeface="+mn-lt"/>
+                <a:cs typeface="+mn-lt"/>
+              </a:rPr>
+              <a:t>produto</a:t>
+            </a:r>
+            <a:r>
+              <a:rPr lang="en-US" sz="1600" i="1" spc="-1" dirty="0">
+                <a:solidFill>
+                  <a:srgbClr val="FF0000"/>
+                </a:solidFill>
+                <a:ea typeface="+mn-lt"/>
+                <a:cs typeface="+mn-lt"/>
+              </a:rPr>
+              <a:t> é </a:t>
+            </a:r>
+            <a:r>
+              <a:rPr lang="en-US" sz="1600" i="1" spc="-1" err="1">
+                <a:solidFill>
+                  <a:srgbClr val="FF0000"/>
+                </a:solidFill>
+                <a:ea typeface="+mn-lt"/>
+                <a:cs typeface="+mn-lt"/>
+              </a:rPr>
+              <a:t>maior</a:t>
+            </a:r>
+            <a:r>
+              <a:rPr lang="en-US" sz="1600" i="1" spc="-1" dirty="0">
+                <a:solidFill>
+                  <a:srgbClr val="FF0000"/>
+                </a:solidFill>
+                <a:ea typeface="+mn-lt"/>
+                <a:cs typeface="+mn-lt"/>
+              </a:rPr>
+              <a:t> que o </a:t>
+            </a:r>
+            <a:r>
+              <a:rPr lang="en-US" sz="1600" i="1" spc="-1" err="1">
+                <a:solidFill>
+                  <a:srgbClr val="FF0000"/>
+                </a:solidFill>
+                <a:ea typeface="+mn-lt"/>
+                <a:cs typeface="+mn-lt"/>
+              </a:rPr>
+              <a:t>produto</a:t>
+            </a:r>
+            <a:r>
+              <a:rPr lang="en-US" sz="1600" i="1" spc="-1" dirty="0">
+                <a:solidFill>
+                  <a:srgbClr val="FF0000"/>
+                </a:solidFill>
+                <a:ea typeface="+mn-lt"/>
+                <a:cs typeface="+mn-lt"/>
+              </a:rPr>
+              <a:t>”</a:t>
+            </a:r>
+            <a:r>
+              <a:rPr lang="en-US" sz="1600" spc="-1" dirty="0">
+                <a:solidFill>
+                  <a:srgbClr val="FF0000"/>
+                </a:solidFill>
+                <a:ea typeface="+mn-lt"/>
+                <a:cs typeface="+mn-lt"/>
+              </a:rPr>
+              <a:t> - Don Norman inventor do </a:t>
+            </a:r>
+            <a:r>
+              <a:rPr lang="en-US" sz="1600" spc="-1" err="1">
+                <a:solidFill>
+                  <a:srgbClr val="FF0000"/>
+                </a:solidFill>
+                <a:ea typeface="+mn-lt"/>
+                <a:cs typeface="+mn-lt"/>
+              </a:rPr>
+              <a:t>termo</a:t>
+            </a:r>
+            <a:r>
+              <a:rPr lang="en-US" sz="1600" spc="-1" dirty="0">
+                <a:solidFill>
+                  <a:srgbClr val="FF0000"/>
+                </a:solidFill>
+                <a:ea typeface="+mn-lt"/>
+                <a:cs typeface="+mn-lt"/>
+              </a:rPr>
+              <a:t> user experience</a:t>
+            </a:r>
+          </a:p>
+          <a:p>
+            <a:endParaRPr lang="en-US" sz="1600" spc="-1" dirty="0">
+              <a:solidFill>
+                <a:srgbClr val="0000CC"/>
+              </a:solidFill>
+              <a:latin typeface="Arial"/>
+              <a:cs typeface="Arial"/>
+            </a:endParaRPr>
+          </a:p>
+          <a:p>
+            <a:pPr marL="285750" indent="-285750">
+              <a:buFont typeface="Arial"/>
+              <a:buChar char="•"/>
+            </a:pPr>
+            <a:r>
+              <a:rPr lang="en-US" sz="1600" spc="-1">
+                <a:solidFill>
+                  <a:srgbClr val="0000CC"/>
+                </a:solidFill>
+                <a:ea typeface="+mn-lt"/>
+                <a:cs typeface="+mn-lt"/>
+              </a:rPr>
+              <a:t>Um </a:t>
+            </a:r>
+            <a:r>
+              <a:rPr lang="en-US" sz="1600" spc="-1" err="1">
+                <a:solidFill>
+                  <a:srgbClr val="0000CC"/>
+                </a:solidFill>
+                <a:ea typeface="+mn-lt"/>
+                <a:cs typeface="+mn-lt"/>
+              </a:rPr>
+              <a:t>produto</a:t>
+            </a:r>
+            <a:r>
+              <a:rPr lang="en-US" sz="1600" spc="-1">
+                <a:solidFill>
+                  <a:srgbClr val="0000CC"/>
+                </a:solidFill>
+                <a:ea typeface="+mn-lt"/>
+                <a:cs typeface="+mn-lt"/>
+              </a:rPr>
+              <a:t> é um conjunto </a:t>
+            </a:r>
+            <a:r>
+              <a:rPr lang="en-US" sz="1600" u="sng" spc="-1">
+                <a:solidFill>
+                  <a:srgbClr val="FF0000"/>
+                </a:solidFill>
+                <a:ea typeface="+mn-lt"/>
+                <a:cs typeface="+mn-lt"/>
+              </a:rPr>
+              <a:t>coeso e integrado</a:t>
+            </a:r>
+            <a:r>
+              <a:rPr lang="en-US" sz="1600" spc="-1">
+                <a:solidFill>
+                  <a:srgbClr val="0000CC"/>
+                </a:solidFill>
+                <a:ea typeface="+mn-lt"/>
+                <a:cs typeface="+mn-lt"/>
+              </a:rPr>
+              <a:t> de experiências.</a:t>
+            </a:r>
+            <a:endParaRPr lang="en-US" sz="1600" spc="-1" dirty="0">
+              <a:solidFill>
+                <a:srgbClr val="0000CC"/>
+              </a:solidFill>
+              <a:latin typeface="Arial"/>
+              <a:cs typeface="Arial"/>
+            </a:endParaRPr>
+          </a:p>
+          <a:p>
+            <a:pPr marL="285750" indent="-285750">
+              <a:buFont typeface="Arial"/>
+              <a:buChar char="•"/>
+            </a:pPr>
+            <a:r>
+              <a:rPr lang="en-US" sz="1600" spc="-1">
+                <a:solidFill>
+                  <a:srgbClr val="0000CC"/>
+                </a:solidFill>
+                <a:ea typeface="+mn-lt"/>
+                <a:cs typeface="+mn-lt"/>
+              </a:rPr>
+              <a:t>Designers de UX não se concentram </a:t>
+            </a:r>
+            <a:r>
+              <a:rPr lang="en-US" sz="1600" b="1" spc="-1">
+                <a:solidFill>
+                  <a:srgbClr val="0000CC"/>
+                </a:solidFill>
+                <a:ea typeface="+mn-lt"/>
+                <a:cs typeface="+mn-lt"/>
+              </a:rPr>
+              <a:t>apenas </a:t>
+            </a:r>
+            <a:r>
+              <a:rPr lang="en-US" sz="1600" spc="-1">
+                <a:solidFill>
+                  <a:srgbClr val="0000CC"/>
+                </a:solidFill>
+                <a:ea typeface="+mn-lt"/>
+                <a:cs typeface="+mn-lt"/>
+              </a:rPr>
+              <a:t>em produtos usáveis.</a:t>
+            </a:r>
+            <a:endParaRPr lang="en-US"/>
+          </a:p>
+          <a:p>
+            <a:pPr marL="285750" indent="-285750">
+              <a:buFont typeface="Arial"/>
+              <a:buChar char="•"/>
+            </a:pPr>
+            <a:r>
+              <a:rPr lang="en-US" sz="1600" spc="-1" dirty="0" err="1">
+                <a:solidFill>
+                  <a:srgbClr val="0000CC"/>
+                </a:solidFill>
+                <a:ea typeface="+mn-lt"/>
+                <a:cs typeface="+mn-lt"/>
+              </a:rPr>
+              <a:t>Focam</a:t>
+            </a:r>
+            <a:r>
+              <a:rPr lang="en-US" sz="1600" spc="-1" dirty="0">
+                <a:solidFill>
+                  <a:srgbClr val="0000CC"/>
+                </a:solidFill>
+                <a:ea typeface="+mn-lt"/>
+                <a:cs typeface="+mn-lt"/>
+              </a:rPr>
+              <a:t> </a:t>
+            </a:r>
+            <a:r>
+              <a:rPr lang="en-US" sz="1600" spc="-1" dirty="0" err="1">
+                <a:solidFill>
+                  <a:srgbClr val="0000CC"/>
+                </a:solidFill>
+                <a:ea typeface="+mn-lt"/>
+                <a:cs typeface="+mn-lt"/>
+              </a:rPr>
+              <a:t>em</a:t>
+            </a:r>
+            <a:r>
+              <a:rPr lang="en-US" sz="1600" spc="-1" dirty="0">
+                <a:solidFill>
+                  <a:srgbClr val="0000CC"/>
+                </a:solidFill>
+                <a:ea typeface="+mn-lt"/>
+                <a:cs typeface="+mn-lt"/>
+              </a:rPr>
+              <a:t> outros </a:t>
+            </a:r>
+            <a:r>
+              <a:rPr lang="en-US" sz="1600" spc="-1" dirty="0" err="1">
+                <a:solidFill>
+                  <a:srgbClr val="0000CC"/>
+                </a:solidFill>
+                <a:ea typeface="+mn-lt"/>
+                <a:cs typeface="+mn-lt"/>
+              </a:rPr>
+              <a:t>aspectos</a:t>
+            </a:r>
+            <a:r>
+              <a:rPr lang="en-US" sz="1600" spc="-1" dirty="0">
+                <a:solidFill>
+                  <a:srgbClr val="0000CC"/>
+                </a:solidFill>
+                <a:ea typeface="+mn-lt"/>
+                <a:cs typeface="+mn-lt"/>
+              </a:rPr>
+              <a:t>:</a:t>
+            </a:r>
+            <a:endParaRPr lang="en-US" dirty="0"/>
+          </a:p>
+          <a:p>
+            <a:pPr marL="742950" lvl="1" indent="-285750">
+              <a:buFont typeface="Arial"/>
+              <a:buChar char="•"/>
+            </a:pPr>
+            <a:r>
+              <a:rPr lang="en-US" sz="1600" spc="-1" dirty="0" err="1">
+                <a:solidFill>
+                  <a:srgbClr val="0000CC"/>
+                </a:solidFill>
+                <a:latin typeface="Arial"/>
+                <a:cs typeface="Arial"/>
+              </a:rPr>
+              <a:t>Prazer</a:t>
+            </a:r>
+          </a:p>
+          <a:p>
+            <a:pPr marL="742950" lvl="1" indent="-285750">
+              <a:buFont typeface="Arial"/>
+              <a:buChar char="•"/>
+            </a:pPr>
+            <a:r>
+              <a:rPr lang="en-US" sz="1600" spc="-1" err="1">
+                <a:solidFill>
+                  <a:srgbClr val="0000CC"/>
+                </a:solidFill>
+                <a:latin typeface="Arial"/>
+                <a:cs typeface="Arial"/>
+              </a:rPr>
+              <a:t>Eficiência</a:t>
+            </a:r>
+            <a:endParaRPr lang="en-US" sz="1600" spc="-1" dirty="0" err="1">
+              <a:solidFill>
+                <a:srgbClr val="0000CC"/>
+              </a:solidFill>
+              <a:latin typeface="Arial"/>
+              <a:cs typeface="Arial"/>
+            </a:endParaRPr>
+          </a:p>
+          <a:p>
+            <a:pPr marL="742950" lvl="1" indent="-285750">
+              <a:buFont typeface="Arial"/>
+              <a:buChar char="•"/>
+            </a:pPr>
+            <a:r>
+              <a:rPr lang="en-US" sz="1600" spc="-1" dirty="0" err="1">
+                <a:solidFill>
+                  <a:srgbClr val="0000CC"/>
+                </a:solidFill>
+                <a:latin typeface="Arial"/>
+                <a:cs typeface="Arial"/>
+              </a:rPr>
+              <a:t>Diversão</a:t>
+            </a:r>
+          </a:p>
+          <a:p>
+            <a:pPr marL="285750" indent="-285750">
+              <a:buFont typeface="Arial"/>
+              <a:buChar char="•"/>
+            </a:pPr>
+            <a:endParaRPr lang="en-US" sz="1600" spc="-1" dirty="0">
+              <a:solidFill>
+                <a:srgbClr val="0000CC"/>
+              </a:solidFill>
+              <a:latin typeface="Arial"/>
+              <a:cs typeface="Arial"/>
+            </a:endParaRPr>
+          </a:p>
+          <a:p>
+            <a:pPr marL="742950" lvl="1" indent="-285750">
+              <a:buFont typeface="Arial"/>
+              <a:buChar char="•"/>
+            </a:pPr>
+            <a:endParaRPr lang="en-US" sz="1600" spc="-1">
+              <a:solidFill>
+                <a:srgbClr val="0000CC"/>
+              </a:solidFill>
+              <a:latin typeface="Courier New"/>
+              <a:cs typeface="Arial"/>
+            </a:endParaRPr>
+          </a:p>
+          <a:p>
+            <a:br>
+              <a:rPr lang="en-US" dirty="0"/>
+            </a:br>
+            <a:br>
+              <a:rPr lang="en-US" dirty="0"/>
+            </a:br>
+            <a:endParaRPr lang="en-US"/>
+          </a:p>
+          <a:p>
+            <a:pPr>
+              <a:buFont typeface="Arial"/>
+              <a:buChar char="•"/>
+            </a:pPr>
+            <a:endParaRPr lang="pt-BR" sz="1600" spc="-1" dirty="0">
+              <a:solidFill>
+                <a:srgbClr val="0000CC"/>
+              </a:solidFill>
+              <a:latin typeface="DejaVu Sans"/>
+              <a:ea typeface="Open Sans"/>
+              <a:cs typeface="Arial"/>
+            </a:endParaRPr>
+          </a:p>
+          <a:p>
+            <a:pPr>
+              <a:buFont typeface="Arial"/>
+              <a:buChar char="•"/>
+            </a:pPr>
+            <a:endParaRPr lang="pt-BR" sz="1600" spc="-1">
+              <a:solidFill>
+                <a:srgbClr val="0000CC"/>
+              </a:solidFill>
+              <a:latin typeface="Open Sans"/>
+              <a:ea typeface="Open Sans"/>
+              <a:cs typeface="Arial"/>
+            </a:endParaRPr>
+          </a:p>
+          <a:p>
+            <a:pPr marL="285750" indent="-285750">
+              <a:buFont typeface="Arial"/>
+              <a:buChar char="•"/>
+            </a:pPr>
+            <a:endParaRPr lang="pt-BR" sz="1600" spc="-1">
+              <a:solidFill>
+                <a:srgbClr val="0000CC"/>
+              </a:solidFill>
+              <a:latin typeface="Arial"/>
+              <a:ea typeface="Open Sans"/>
+              <a:cs typeface="Arial"/>
+            </a:endParaRPr>
+          </a:p>
+          <a:p>
+            <a:pPr marL="285750" indent="-285750">
+              <a:buFont typeface="Arial"/>
+              <a:buChar char="•"/>
+            </a:pPr>
+            <a:endParaRPr lang="pt-BR" sz="1600" spc="-1">
+              <a:solidFill>
+                <a:srgbClr val="0000CC"/>
+              </a:solidFill>
+              <a:latin typeface="Arial"/>
+              <a:ea typeface="Open Sans"/>
+              <a:cs typeface="Arial"/>
+            </a:endParaRPr>
+          </a:p>
+          <a:p>
+            <a:pPr marL="1200150" lvl="2" indent="-285750">
+              <a:buFont typeface="Wingdings"/>
+              <a:buChar char="§"/>
+            </a:pPr>
+            <a:endParaRPr lang="pt-BR" sz="1600" spc="-1">
+              <a:solidFill>
+                <a:srgbClr val="0000CC"/>
+              </a:solidFill>
+              <a:latin typeface="Open Sans"/>
+              <a:ea typeface="Open Sans"/>
+              <a:cs typeface="Arial"/>
+            </a:endParaRPr>
+          </a:p>
+          <a:p>
+            <a:pPr marL="285750" indent="-285750">
+              <a:buFont typeface="Arial"/>
+              <a:buChar char="•"/>
+            </a:pPr>
+            <a:endParaRPr lang="pt-BR" sz="1600" spc="-1">
+              <a:solidFill>
+                <a:srgbClr val="0000CC"/>
+              </a:solidFill>
+              <a:latin typeface="Open Sans"/>
+              <a:ea typeface="Open Sans"/>
+              <a:cs typeface="Arial"/>
+            </a:endParaRPr>
+          </a:p>
+          <a:p>
+            <a:pPr marL="285750" indent="-285750">
+              <a:buFont typeface="Arial"/>
+              <a:buChar char="•"/>
+            </a:pPr>
+            <a:endParaRPr lang="pt-BR" sz="1600" spc="-1">
+              <a:solidFill>
+                <a:srgbClr val="0000CC"/>
+              </a:solidFill>
+              <a:latin typeface="Open Sans"/>
+              <a:ea typeface="Open Sans"/>
+              <a:cs typeface="Arial"/>
+            </a:endParaRPr>
+          </a:p>
+        </p:txBody>
+      </p:sp>
+      <p:pic>
+        <p:nvPicPr>
+          <p:cNvPr id="6" name="Imagem 5">
+            <a:extLst>
+              <a:ext uri="{FF2B5EF4-FFF2-40B4-BE49-F238E27FC236}">
+                <a16:creationId xmlns:a16="http://schemas.microsoft.com/office/drawing/2014/main" id="{533B8F6D-4A79-90E5-5F99-CC7C9F60ACF4}"/>
+              </a:ext>
+            </a:extLst>
+          </p:cNvPr>
+          <p:cNvPicPr>
+            <a:picLocks noChangeAspect="1"/>
+          </p:cNvPicPr>
+          <p:nvPr/>
+        </p:nvPicPr>
+        <p:blipFill>
+          <a:blip r:embed="rId3"/>
+          <a:stretch>
+            <a:fillRect/>
+          </a:stretch>
+        </p:blipFill>
+        <p:spPr>
+          <a:xfrm>
+            <a:off x="3897613" y="3461259"/>
+            <a:ext cx="5112049" cy="1596066"/>
+          </a:xfrm>
+          <a:prstGeom prst="rect">
+            <a:avLst/>
+          </a:prstGeom>
+        </p:spPr>
+      </p:pic>
+      <p:pic>
+        <p:nvPicPr>
+          <p:cNvPr id="7" name="Imagem 6" descr="Interface gráfica do usuário, Texto, Aplicativo&#10;&#10;Descrição gerada automaticamente">
+            <a:extLst>
+              <a:ext uri="{FF2B5EF4-FFF2-40B4-BE49-F238E27FC236}">
+                <a16:creationId xmlns:a16="http://schemas.microsoft.com/office/drawing/2014/main" id="{B90C2755-B6E9-FCFD-E6DC-36ED0C095080}"/>
+              </a:ext>
+            </a:extLst>
+          </p:cNvPr>
+          <p:cNvPicPr>
+            <a:picLocks noChangeAspect="1"/>
+          </p:cNvPicPr>
+          <p:nvPr/>
+        </p:nvPicPr>
+        <p:blipFill>
+          <a:blip r:embed="rId4"/>
+          <a:stretch>
+            <a:fillRect/>
+          </a:stretch>
+        </p:blipFill>
+        <p:spPr>
+          <a:xfrm>
+            <a:off x="7705636" y="841525"/>
+            <a:ext cx="1323975" cy="2619375"/>
+          </a:xfrm>
+          <a:prstGeom prst="rect">
+            <a:avLst/>
+          </a:prstGeom>
+        </p:spPr>
+      </p:pic>
+    </p:spTree>
+    <p:extLst>
+      <p:ext uri="{BB962C8B-B14F-4D97-AF65-F5344CB8AC3E}">
+        <p14:creationId xmlns:p14="http://schemas.microsoft.com/office/powerpoint/2010/main" val="1307986386"/>
+      </p:ext>
+    </p:extLst>
+  </p:cSld>
+  <p:clrMapOvr>
+    <a:masterClrMapping/>
+  </p:clrMapOvr>
+  <p:timing>
+    <p:tnLst>
+      <p:par>
+        <p:cTn id="1" dur="indefinite" restart="never" nodeType="tmRoot">
+          <p:childTnLst>
+            <p:seq>
+              <p:cTn id="2" dur="indefinite" nodeType="mainSeq"/>
+              <p:prevCondLst>
+                <p:cond evt="onPrev" delay="0">
+                  <p:tgtEl>
+                    <p:sldTgt/>
+                  </p:tgtEl>
+                </p:cond>
+              </p:prevCondLst>
+              <p:nextCondLst>
+                <p:cond evt="onNext" delay="0">
+                  <p:tgtEl>
+                    <p:sldTgt/>
+                  </p:tgtEl>
+                </p:cond>
+              </p:nextCondLst>
+            </p:seq>
+          </p:childTnLst>
+        </p:cTn>
+      </p:par>
+    </p:tnLst>
+  </p:timing>
+</p:sld>
+</file>
+
+<file path=ppt/slides/slide28.xml><?xml version="1.0" encoding="utf-8"?>
+<p:sld xmlns:a="http://schemas.openxmlformats.org/drawingml/2006/main" xmlns:r="http://schemas.openxmlformats.org/officeDocument/2006/relationships" xmlns:p="http://schemas.openxmlformats.org/presentationml/2006/main">
+  <p:cSld>
+    <p:spTree>
+      <p:nvGrpSpPr>
+        <p:cNvPr id="1" name=""/>
+        <p:cNvGrpSpPr/>
+        <p:nvPr/>
+      </p:nvGrpSpPr>
+      <p:grpSpPr>
+        <a:xfrm>
+          <a:off x="0" y="0"/>
+          <a:ext cx="0" cy="0"/>
+          <a:chOff x="0" y="0"/>
+          <a:chExt cx="0" cy="0"/>
+        </a:xfrm>
+      </p:grpSpPr>
+      <p:sp>
+        <p:nvSpPr>
+          <p:cNvPr id="94" name="TextShape 1"/>
+          <p:cNvSpPr txBox="1"/>
+          <p:nvPr/>
+        </p:nvSpPr>
+        <p:spPr>
+          <a:xfrm>
+            <a:off x="8472600" y="4663080"/>
+            <a:ext cx="547560" cy="392400"/>
+          </a:xfrm>
+          <a:prstGeom prst="rect">
+            <a:avLst/>
+          </a:prstGeom>
+          <a:noFill/>
+          <a:ln>
+            <a:noFill/>
+          </a:ln>
+        </p:spPr>
+        <p:txBody>
+          <a:bodyPr lIns="90000" tIns="91440" rIns="90000" bIns="91440" anchor="ctr"/>
+          <a:lstStyle/>
+          <a:p>
+            <a:pPr algn="r">
+              <a:lnSpc>
+                <a:spcPct val="100000"/>
+              </a:lnSpc>
+            </a:pPr>
+            <a:fld id="{53606E05-68C1-4429-846B-CDD23DD71137}" type="slidenum">
+              <a:rPr lang="pt-BR" sz="1000" b="0" strike="noStrike" spc="-1" dirty="0">
+                <a:solidFill>
+                  <a:srgbClr val="595959"/>
+                </a:solidFill>
+                <a:latin typeface="Arial"/>
+                <a:ea typeface="Arial"/>
+              </a:rPr>
+              <a:t>28</a:t>
+            </a:fld>
+            <a:endParaRPr lang="pt-BR" sz="1000" b="0" strike="noStrike" spc="-1">
+              <a:latin typeface="Times New Roman"/>
+            </a:endParaRPr>
+          </a:p>
+        </p:txBody>
+      </p:sp>
+      <p:sp>
+        <p:nvSpPr>
+          <p:cNvPr id="95" name="TextShape 2"/>
+          <p:cNvSpPr txBox="1"/>
+          <p:nvPr/>
+        </p:nvSpPr>
+        <p:spPr>
+          <a:xfrm>
+            <a:off x="276120" y="196920"/>
+            <a:ext cx="6980760" cy="585000"/>
+          </a:xfrm>
+          <a:prstGeom prst="rect">
+            <a:avLst/>
+          </a:prstGeom>
+          <a:noFill/>
+          <a:ln>
+            <a:noFill/>
+          </a:ln>
+        </p:spPr>
+        <p:txBody>
+          <a:bodyPr lIns="0" tIns="91440" rIns="0" bIns="91440" anchor="t"/>
+          <a:lstStyle/>
+          <a:p>
+            <a:pPr>
+              <a:lnSpc>
+                <a:spcPct val="80000"/>
+              </a:lnSpc>
+            </a:pPr>
+            <a:r>
+              <a:rPr lang="pt-BR" sz="3000" spc="-1" dirty="0">
+                <a:solidFill>
+                  <a:srgbClr val="0000CC"/>
+                </a:solidFill>
+                <a:latin typeface="Open Sans Light"/>
+                <a:ea typeface="Open Sans Light"/>
+              </a:rPr>
+              <a:t>Javascript</a:t>
+            </a:r>
+            <a:endParaRPr lang="pt-BR" dirty="0"/>
+          </a:p>
+          <a:p>
+            <a:pPr>
+              <a:lnSpc>
+                <a:spcPct val="80000"/>
+              </a:lnSpc>
+            </a:pPr>
+            <a:r>
+              <a:rPr lang="pt-BR" sz="3000" b="0" strike="noStrike" spc="-1" dirty="0">
+                <a:solidFill>
+                  <a:srgbClr val="0000CC"/>
+                </a:solidFill>
+                <a:latin typeface="Open Sans Light"/>
+                <a:ea typeface="Open Sans Light"/>
+              </a:rPr>
+              <a:t>—</a:t>
+            </a:r>
+            <a:endParaRPr lang="pt-BR" sz="3000" b="0" strike="noStrike" spc="-1" dirty="0">
+              <a:solidFill>
+                <a:srgbClr val="000000"/>
+              </a:solidFill>
+              <a:latin typeface="Arial"/>
+            </a:endParaRPr>
+          </a:p>
+        </p:txBody>
+      </p:sp>
+      <p:pic>
+        <p:nvPicPr>
+          <p:cNvPr id="96" name="Google Shape;84;p16"/>
+          <p:cNvPicPr/>
+          <p:nvPr/>
+        </p:nvPicPr>
+        <p:blipFill>
+          <a:blip r:embed="rId2"/>
+          <a:stretch/>
+        </p:blipFill>
+        <p:spPr>
+          <a:xfrm>
+            <a:off x="7963920" y="228600"/>
+            <a:ext cx="874080" cy="268200"/>
+          </a:xfrm>
+          <a:prstGeom prst="rect">
+            <a:avLst/>
+          </a:prstGeom>
+          <a:ln>
+            <a:noFill/>
+          </a:ln>
+        </p:spPr>
+      </p:pic>
+      <p:sp>
+        <p:nvSpPr>
+          <p:cNvPr id="98" name="TextShape 4"/>
+          <p:cNvSpPr txBox="1"/>
+          <p:nvPr/>
+        </p:nvSpPr>
+        <p:spPr>
+          <a:xfrm>
+            <a:off x="276120" y="928440"/>
+            <a:ext cx="6980760" cy="499320"/>
+          </a:xfrm>
+          <a:prstGeom prst="rect">
+            <a:avLst/>
+          </a:prstGeom>
+          <a:noFill/>
+          <a:ln>
+            <a:noFill/>
+          </a:ln>
+        </p:spPr>
+        <p:txBody>
+          <a:bodyPr lIns="0" tIns="91440" rIns="0" bIns="91440" anchor="t"/>
+          <a:lstStyle/>
+          <a:p>
+            <a:pPr>
+              <a:buFont typeface="Arial"/>
+              <a:buChar char="•"/>
+            </a:pPr>
+            <a:r>
+              <a:rPr lang="en-US" sz="1600" spc="-1" dirty="0" err="1">
+                <a:solidFill>
+                  <a:srgbClr val="0000CC"/>
+                </a:solidFill>
+                <a:ea typeface="+mn-lt"/>
+                <a:cs typeface="+mn-lt"/>
+              </a:rPr>
+              <a:t>Javascript</a:t>
+            </a:r>
+            <a:r>
+              <a:rPr lang="en-US" sz="1600" spc="-1" dirty="0">
+                <a:solidFill>
+                  <a:srgbClr val="0000CC"/>
+                </a:solidFill>
+                <a:ea typeface="+mn-lt"/>
+                <a:cs typeface="+mn-lt"/>
+              </a:rPr>
+              <a:t>: A </a:t>
+            </a:r>
+            <a:r>
+              <a:rPr lang="en-US" sz="1600" spc="-1" dirty="0" err="1">
+                <a:solidFill>
+                  <a:srgbClr val="0000CC"/>
+                </a:solidFill>
+                <a:ea typeface="+mn-lt"/>
+                <a:cs typeface="+mn-lt"/>
+              </a:rPr>
+              <a:t>Lógica</a:t>
+            </a:r>
+            <a:r>
+              <a:rPr lang="en-US" sz="1600" spc="-1" dirty="0">
+                <a:solidFill>
+                  <a:srgbClr val="0000CC"/>
+                </a:solidFill>
+                <a:ea typeface="+mn-lt"/>
+                <a:cs typeface="+mn-lt"/>
+              </a:rPr>
+              <a:t> que </a:t>
+            </a:r>
+            <a:r>
+              <a:rPr lang="en-US" sz="1600" spc="-1" dirty="0" err="1">
+                <a:solidFill>
+                  <a:srgbClr val="0000CC"/>
+                </a:solidFill>
+                <a:ea typeface="+mn-lt"/>
+                <a:cs typeface="+mn-lt"/>
+              </a:rPr>
+              <a:t>permite</a:t>
+            </a:r>
+            <a:r>
+              <a:rPr lang="en-US" sz="1600" spc="-1" dirty="0">
+                <a:solidFill>
+                  <a:srgbClr val="0000CC"/>
+                </a:solidFill>
+                <a:ea typeface="+mn-lt"/>
+                <a:cs typeface="+mn-lt"/>
+              </a:rPr>
+              <a:t> </a:t>
+            </a:r>
+            <a:r>
+              <a:rPr lang="en-US" sz="1600" spc="-1" dirty="0" err="1">
+                <a:solidFill>
+                  <a:srgbClr val="0000CC"/>
+                </a:solidFill>
+                <a:ea typeface="+mn-lt"/>
+                <a:cs typeface="+mn-lt"/>
+              </a:rPr>
+              <a:t>atualizar</a:t>
+            </a:r>
+            <a:r>
+              <a:rPr lang="en-US" sz="1600" spc="-1" dirty="0">
+                <a:solidFill>
+                  <a:srgbClr val="0000CC"/>
+                </a:solidFill>
+                <a:ea typeface="+mn-lt"/>
+                <a:cs typeface="+mn-lt"/>
+              </a:rPr>
+              <a:t> o </a:t>
+            </a:r>
+            <a:br>
+              <a:rPr lang="en-US" sz="1600" spc="-1" dirty="0">
+                <a:solidFill>
+                  <a:srgbClr val="0000CC"/>
+                </a:solidFill>
+                <a:ea typeface="+mn-lt"/>
+                <a:cs typeface="+mn-lt"/>
+              </a:rPr>
+            </a:br>
+            <a:r>
+              <a:rPr lang="en-US" sz="1600" spc="-1" dirty="0" err="1">
+                <a:solidFill>
+                  <a:srgbClr val="0000CC"/>
+                </a:solidFill>
+                <a:ea typeface="+mn-lt"/>
+                <a:cs typeface="+mn-lt"/>
+              </a:rPr>
+              <a:t>conteúdo</a:t>
+            </a:r>
+            <a:r>
+              <a:rPr lang="en-US" sz="1600" spc="-1" dirty="0">
+                <a:solidFill>
+                  <a:srgbClr val="0000CC"/>
+                </a:solidFill>
+                <a:ea typeface="+mn-lt"/>
+                <a:cs typeface="+mn-lt"/>
+              </a:rPr>
+              <a:t> de </a:t>
+            </a:r>
+            <a:r>
+              <a:rPr lang="en-US" sz="1600" spc="-1" dirty="0" err="1">
+                <a:solidFill>
+                  <a:srgbClr val="0000CC"/>
+                </a:solidFill>
+                <a:ea typeface="+mn-lt"/>
+                <a:cs typeface="+mn-lt"/>
+              </a:rPr>
+              <a:t>uma</a:t>
+            </a:r>
+            <a:r>
+              <a:rPr lang="en-US" sz="1600" spc="-1" dirty="0">
+                <a:solidFill>
+                  <a:srgbClr val="0000CC"/>
+                </a:solidFill>
+                <a:ea typeface="+mn-lt"/>
+                <a:cs typeface="+mn-lt"/>
+              </a:rPr>
+              <a:t> </a:t>
+            </a:r>
+            <a:r>
+              <a:rPr lang="en-US" sz="1600" spc="-1" dirty="0" err="1">
+                <a:solidFill>
+                  <a:srgbClr val="0000CC"/>
+                </a:solidFill>
+                <a:ea typeface="+mn-lt"/>
+                <a:cs typeface="+mn-lt"/>
+              </a:rPr>
+              <a:t>página</a:t>
+            </a:r>
+            <a:r>
+              <a:rPr lang="en-US" sz="1600" spc="-1" dirty="0">
+                <a:solidFill>
+                  <a:srgbClr val="0000CC"/>
+                </a:solidFill>
+                <a:ea typeface="+mn-lt"/>
+                <a:cs typeface="+mn-lt"/>
+              </a:rPr>
+              <a:t> </a:t>
+            </a:r>
+            <a:r>
+              <a:rPr lang="en-US" sz="1600" b="1" spc="-1" dirty="0" err="1">
+                <a:solidFill>
+                  <a:srgbClr val="0000CC"/>
+                </a:solidFill>
+                <a:ea typeface="+mn-lt"/>
+                <a:cs typeface="+mn-lt"/>
+              </a:rPr>
+              <a:t>dinânicamente</a:t>
+            </a:r>
+            <a:r>
+              <a:rPr lang="en-US" sz="1600" b="1" spc="-1" dirty="0">
+                <a:solidFill>
+                  <a:srgbClr val="0000CC"/>
+                </a:solidFill>
+                <a:ea typeface="+mn-lt"/>
+                <a:cs typeface="+mn-lt"/>
+              </a:rPr>
+              <a:t> </a:t>
+            </a:r>
+            <a:r>
+              <a:rPr lang="en-US" sz="1600" spc="-1" dirty="0">
+                <a:solidFill>
+                  <a:srgbClr val="0000CC"/>
+                </a:solidFill>
+                <a:ea typeface="+mn-lt"/>
+                <a:cs typeface="+mn-lt"/>
+              </a:rPr>
+              <a:t>(DOM)</a:t>
+            </a:r>
+            <a:endParaRPr lang="en-US" dirty="0"/>
+          </a:p>
+          <a:p>
+            <a:pPr marL="742950" lvl="1" indent="-285750">
+              <a:buFont typeface="Arial"/>
+              <a:buChar char="•"/>
+            </a:pPr>
+            <a:r>
+              <a:rPr lang="en-US" sz="1600" spc="-1" dirty="0" err="1">
+                <a:solidFill>
+                  <a:srgbClr val="0000CC"/>
+                </a:solidFill>
+                <a:ea typeface="+mn-lt"/>
+                <a:cs typeface="+mn-lt"/>
+              </a:rPr>
+              <a:t>Quem</a:t>
+            </a:r>
+            <a:r>
+              <a:rPr lang="en-US" sz="1600" spc="-1" dirty="0">
+                <a:solidFill>
+                  <a:srgbClr val="0000CC"/>
+                </a:solidFill>
+                <a:ea typeface="+mn-lt"/>
+                <a:cs typeface="+mn-lt"/>
+              </a:rPr>
+              <a:t> sabe JAVA, </a:t>
+            </a:r>
+            <a:r>
+              <a:rPr lang="en-US" sz="1600" spc="-1" dirty="0" err="1">
+                <a:solidFill>
+                  <a:srgbClr val="0000CC"/>
+                </a:solidFill>
+                <a:ea typeface="+mn-lt"/>
+                <a:cs typeface="+mn-lt"/>
+              </a:rPr>
+              <a:t>não</a:t>
+            </a:r>
+            <a:r>
+              <a:rPr lang="en-US" sz="1600" spc="-1" dirty="0">
+                <a:solidFill>
+                  <a:srgbClr val="0000CC"/>
+                </a:solidFill>
+                <a:ea typeface="+mn-lt"/>
+                <a:cs typeface="+mn-lt"/>
+              </a:rPr>
+              <a:t> </a:t>
+            </a:r>
+            <a:r>
+              <a:rPr lang="en-US" sz="1600" spc="-1" dirty="0" err="1">
+                <a:solidFill>
+                  <a:srgbClr val="0000CC"/>
+                </a:solidFill>
+                <a:ea typeface="+mn-lt"/>
+                <a:cs typeface="+mn-lt"/>
+              </a:rPr>
+              <a:t>irá</a:t>
+            </a:r>
+            <a:r>
+              <a:rPr lang="en-US" sz="1600" spc="-1" dirty="0">
+                <a:solidFill>
+                  <a:srgbClr val="0000CC"/>
+                </a:solidFill>
+                <a:ea typeface="+mn-lt"/>
+                <a:cs typeface="+mn-lt"/>
+              </a:rPr>
+              <a:t> </a:t>
+            </a:r>
+            <a:r>
+              <a:rPr lang="en-US" sz="1600" spc="-1" dirty="0" err="1">
+                <a:solidFill>
+                  <a:srgbClr val="0000CC"/>
+                </a:solidFill>
+                <a:ea typeface="+mn-lt"/>
+                <a:cs typeface="+mn-lt"/>
+              </a:rPr>
+              <a:t>estranhar</a:t>
+            </a:r>
+            <a:r>
+              <a:rPr lang="en-US" sz="1600" spc="-1" dirty="0">
+                <a:solidFill>
+                  <a:srgbClr val="0000CC"/>
+                </a:solidFill>
+                <a:ea typeface="+mn-lt"/>
+                <a:cs typeface="+mn-lt"/>
+              </a:rPr>
+              <a:t>.</a:t>
+            </a:r>
+            <a:endParaRPr lang="en-US" dirty="0"/>
+          </a:p>
+          <a:p>
+            <a:pPr marL="742950" lvl="1" indent="-285750">
+              <a:buFont typeface="Arial"/>
+              <a:buChar char="•"/>
+            </a:pPr>
+            <a:endParaRPr lang="en-US" sz="1600" spc="-1" dirty="0">
+              <a:solidFill>
+                <a:srgbClr val="0000CC"/>
+              </a:solidFill>
+              <a:latin typeface="Arial"/>
+              <a:ea typeface="+mn-lt"/>
+              <a:cs typeface="+mn-lt"/>
+            </a:endParaRPr>
+          </a:p>
+          <a:p>
+            <a:pPr marL="742950" lvl="1" indent="-285750">
+              <a:buFont typeface="Arial"/>
+              <a:buChar char="•"/>
+            </a:pPr>
+            <a:endParaRPr lang="en-US" sz="1600" spc="-1" dirty="0">
+              <a:solidFill>
+                <a:srgbClr val="0000CC"/>
+              </a:solidFill>
+              <a:latin typeface="Arial"/>
+              <a:ea typeface="+mn-lt"/>
+              <a:cs typeface="+mn-lt"/>
+            </a:endParaRPr>
+          </a:p>
+          <a:p>
+            <a:r>
+              <a:rPr lang="en-US" sz="1600" b="1" spc="-1" dirty="0">
+                <a:solidFill>
+                  <a:srgbClr val="0000CC"/>
+                </a:solidFill>
+                <a:ea typeface="+mn-lt"/>
+                <a:cs typeface="+mn-lt"/>
+              </a:rPr>
+              <a:t>HTML &lt; </a:t>
+            </a:r>
+            <a:r>
+              <a:rPr lang="en-US" sz="1600" b="1" spc="-1" err="1">
+                <a:solidFill>
+                  <a:srgbClr val="0000CC"/>
+                </a:solidFill>
+                <a:ea typeface="+mn-lt"/>
+                <a:cs typeface="+mn-lt"/>
+              </a:rPr>
+              <a:t>Javascript</a:t>
+            </a:r>
+            <a:r>
+              <a:rPr lang="en-US" sz="1600" b="1" spc="-1" dirty="0">
+                <a:solidFill>
+                  <a:srgbClr val="0000CC"/>
+                </a:solidFill>
+                <a:ea typeface="+mn-lt"/>
+                <a:cs typeface="+mn-lt"/>
+              </a:rPr>
+              <a:t> &lt; Node &lt; Angular</a:t>
+            </a:r>
+            <a:endParaRPr lang="en-US" b="1" dirty="0"/>
+          </a:p>
+          <a:p>
+            <a:pPr marL="285750" indent="-285750">
+              <a:buFont typeface="Arial"/>
+              <a:buChar char="•"/>
+            </a:pPr>
+            <a:endParaRPr lang="en-US" sz="1600" spc="-1" dirty="0">
+              <a:solidFill>
+                <a:srgbClr val="0000CC"/>
+              </a:solidFill>
+              <a:ea typeface="+mn-lt"/>
+              <a:cs typeface="+mn-lt"/>
+            </a:endParaRPr>
+          </a:p>
+          <a:p>
+            <a:pPr marL="285750" indent="-285750">
+              <a:buFont typeface="Arial"/>
+              <a:buChar char="•"/>
+            </a:pPr>
+            <a:r>
+              <a:rPr lang="en-US" sz="1600" spc="-1" dirty="0">
+                <a:solidFill>
+                  <a:srgbClr val="0000CC"/>
+                </a:solidFill>
+                <a:ea typeface="+mn-lt"/>
+                <a:cs typeface="+mn-lt"/>
+              </a:rPr>
+              <a:t>V8 (Engine </a:t>
+            </a:r>
+            <a:r>
+              <a:rPr lang="en-US" sz="1600" spc="-1" dirty="0" err="1">
+                <a:solidFill>
+                  <a:srgbClr val="0000CC"/>
+                </a:solidFill>
+                <a:ea typeface="+mn-lt"/>
+                <a:cs typeface="+mn-lt"/>
+              </a:rPr>
+              <a:t>Javascript</a:t>
+            </a:r>
+            <a:r>
+              <a:rPr lang="en-US" sz="1600" spc="-1" dirty="0">
+                <a:solidFill>
+                  <a:srgbClr val="0000CC"/>
+                </a:solidFill>
+                <a:ea typeface="+mn-lt"/>
+                <a:cs typeface="+mn-lt"/>
+              </a:rPr>
+              <a:t> </a:t>
+            </a:r>
+            <a:r>
+              <a:rPr lang="en-US" sz="1600" spc="-1" dirty="0" err="1">
+                <a:solidFill>
+                  <a:srgbClr val="0000CC"/>
+                </a:solidFill>
+                <a:ea typeface="+mn-lt"/>
+                <a:cs typeface="+mn-lt"/>
+              </a:rPr>
+              <a:t>usado</a:t>
+            </a:r>
+            <a:r>
+              <a:rPr lang="en-US" sz="1600" spc="-1" dirty="0">
+                <a:solidFill>
+                  <a:srgbClr val="0000CC"/>
+                </a:solidFill>
+                <a:ea typeface="+mn-lt"/>
+                <a:cs typeface="+mn-lt"/>
+              </a:rPr>
+              <a:t> no Chrome)</a:t>
+            </a:r>
+            <a:endParaRPr lang="en-US" sz="1600" b="1" spc="-1" dirty="0">
+              <a:solidFill>
+                <a:srgbClr val="0000CC"/>
+              </a:solidFill>
+              <a:latin typeface="Arial"/>
+              <a:cs typeface="Arial"/>
+            </a:endParaRPr>
+          </a:p>
+          <a:p>
+            <a:pPr marL="742950" lvl="1" indent="-285750">
+              <a:buFont typeface="Arial"/>
+              <a:buChar char="•"/>
+            </a:pPr>
+            <a:r>
+              <a:rPr lang="en-US" sz="1600" spc="-1" dirty="0" err="1">
+                <a:solidFill>
+                  <a:srgbClr val="0000CC"/>
+                </a:solidFill>
+                <a:latin typeface="Arial"/>
+                <a:cs typeface="Arial"/>
+              </a:rPr>
+              <a:t>Escrito</a:t>
+            </a:r>
+            <a:r>
+              <a:rPr lang="en-US" sz="1600" spc="-1" dirty="0">
+                <a:solidFill>
+                  <a:srgbClr val="0000CC"/>
+                </a:solidFill>
+                <a:latin typeface="Arial"/>
+                <a:cs typeface="Arial"/>
+              </a:rPr>
+              <a:t> </a:t>
+            </a:r>
+            <a:r>
+              <a:rPr lang="en-US" sz="1600" spc="-1" dirty="0" err="1">
+                <a:solidFill>
+                  <a:srgbClr val="0000CC"/>
+                </a:solidFill>
+                <a:latin typeface="Arial"/>
+                <a:cs typeface="Arial"/>
+              </a:rPr>
+              <a:t>em</a:t>
+            </a:r>
+            <a:r>
+              <a:rPr lang="en-US" sz="1600" spc="-1" dirty="0">
+                <a:solidFill>
+                  <a:srgbClr val="0000CC"/>
+                </a:solidFill>
+                <a:latin typeface="Arial"/>
+                <a:cs typeface="Arial"/>
+              </a:rPr>
+              <a:t> C++;</a:t>
+            </a:r>
+          </a:p>
+          <a:p>
+            <a:pPr marL="742950" lvl="1" indent="-285750">
+              <a:buFont typeface="Arial"/>
+              <a:buChar char="•"/>
+            </a:pPr>
+            <a:r>
+              <a:rPr lang="en-US" sz="1600" spc="-1" dirty="0" err="1">
+                <a:solidFill>
+                  <a:srgbClr val="0000CC"/>
+                </a:solidFill>
+                <a:latin typeface="Arial"/>
+                <a:cs typeface="Arial"/>
+              </a:rPr>
+              <a:t>Utilizado</a:t>
+            </a:r>
+            <a:r>
+              <a:rPr lang="en-US" sz="1600" spc="-1" dirty="0">
+                <a:solidFill>
+                  <a:srgbClr val="0000CC"/>
+                </a:solidFill>
+                <a:latin typeface="Arial"/>
+                <a:cs typeface="Arial"/>
+              </a:rPr>
+              <a:t> no Chrome (e clones);</a:t>
+            </a:r>
+          </a:p>
+          <a:p>
+            <a:pPr marL="742950" lvl="1" indent="-285750">
+              <a:buFont typeface="Arial"/>
+              <a:buChar char="•"/>
+            </a:pPr>
+            <a:r>
+              <a:rPr lang="en-US" sz="1600" spc="-1" dirty="0">
+                <a:solidFill>
+                  <a:srgbClr val="0000CC"/>
+                </a:solidFill>
+                <a:latin typeface="Arial"/>
+                <a:cs typeface="Arial"/>
+              </a:rPr>
+              <a:t>MS </a:t>
+            </a:r>
+            <a:r>
+              <a:rPr lang="en-US" sz="1600" spc="-1" dirty="0" err="1">
+                <a:solidFill>
+                  <a:srgbClr val="0000CC"/>
+                </a:solidFill>
+                <a:latin typeface="Arial"/>
+                <a:cs typeface="Arial"/>
+              </a:rPr>
+              <a:t>passou</a:t>
+            </a:r>
+            <a:r>
+              <a:rPr lang="en-US" sz="1600" spc="-1" dirty="0">
+                <a:solidFill>
+                  <a:srgbClr val="0000CC"/>
+                </a:solidFill>
+                <a:latin typeface="Arial"/>
+                <a:cs typeface="Arial"/>
+              </a:rPr>
+              <a:t> a </a:t>
+            </a:r>
+            <a:r>
+              <a:rPr lang="en-US" sz="1600" spc="-1" dirty="0" err="1">
+                <a:solidFill>
+                  <a:srgbClr val="0000CC"/>
+                </a:solidFill>
+                <a:latin typeface="Arial"/>
+                <a:cs typeface="Arial"/>
+              </a:rPr>
+              <a:t>utilizar</a:t>
+            </a:r>
+            <a:r>
+              <a:rPr lang="en-US" sz="1600" spc="-1" dirty="0">
+                <a:solidFill>
+                  <a:srgbClr val="0000CC"/>
+                </a:solidFill>
+                <a:latin typeface="Arial"/>
+                <a:cs typeface="Arial"/>
+              </a:rPr>
+              <a:t> o V8 no Edge </a:t>
+            </a:r>
+            <a:r>
+              <a:rPr lang="en-US" sz="1600" spc="-1" dirty="0" err="1">
+                <a:solidFill>
+                  <a:srgbClr val="0000CC"/>
+                </a:solidFill>
+                <a:latin typeface="Arial"/>
+                <a:cs typeface="Arial"/>
+              </a:rPr>
+              <a:t>em</a:t>
+            </a:r>
+            <a:r>
+              <a:rPr lang="en-US" sz="1600" spc="-1" dirty="0">
+                <a:solidFill>
+                  <a:srgbClr val="0000CC"/>
+                </a:solidFill>
+                <a:latin typeface="Arial"/>
+                <a:cs typeface="Arial"/>
+              </a:rPr>
+              <a:t> 2020 (Chakra deprecated);</a:t>
+            </a:r>
+          </a:p>
+          <a:p>
+            <a:pPr marL="742950" lvl="1" indent="-285750">
+              <a:buFont typeface="Arial"/>
+              <a:buChar char="•"/>
+            </a:pPr>
+            <a:r>
+              <a:rPr lang="en-US" sz="1600" spc="-1" dirty="0">
+                <a:solidFill>
+                  <a:srgbClr val="0000CC"/>
+                </a:solidFill>
+                <a:latin typeface="Arial"/>
+                <a:cs typeface="Arial"/>
+              </a:rPr>
+              <a:t>Firefox </a:t>
+            </a:r>
+            <a:r>
+              <a:rPr lang="en-US" sz="1600" spc="-1" dirty="0" err="1">
+                <a:solidFill>
+                  <a:srgbClr val="0000CC"/>
+                </a:solidFill>
+                <a:latin typeface="Arial"/>
+                <a:cs typeface="Arial"/>
+              </a:rPr>
+              <a:t>utiliza</a:t>
+            </a:r>
+            <a:r>
+              <a:rPr lang="en-US" sz="1600" spc="-1" dirty="0">
+                <a:solidFill>
+                  <a:srgbClr val="0000CC"/>
+                </a:solidFill>
+                <a:latin typeface="Arial"/>
+                <a:cs typeface="Arial"/>
+              </a:rPr>
+              <a:t> o </a:t>
+            </a:r>
+            <a:r>
+              <a:rPr lang="en-US" sz="1600" spc="-1" dirty="0" err="1">
+                <a:solidFill>
+                  <a:srgbClr val="0000CC"/>
+                </a:solidFill>
+                <a:latin typeface="Arial"/>
+                <a:cs typeface="Arial"/>
+              </a:rPr>
+              <a:t>SpiderMonkey</a:t>
+            </a:r>
+            <a:r>
+              <a:rPr lang="en-US" sz="1600" spc="-1" dirty="0">
+                <a:solidFill>
+                  <a:srgbClr val="0000CC"/>
+                </a:solidFill>
+                <a:latin typeface="Arial"/>
+                <a:cs typeface="Arial"/>
+              </a:rPr>
+              <a:t>.</a:t>
+            </a:r>
+          </a:p>
+          <a:p>
+            <a:pPr marL="742950" lvl="1" indent="-285750">
+              <a:buFont typeface="Arial"/>
+              <a:buChar char="•"/>
+            </a:pPr>
+            <a:endParaRPr lang="en-US" sz="1600" spc="-1" dirty="0">
+              <a:solidFill>
+                <a:srgbClr val="0000CC"/>
+              </a:solidFill>
+              <a:latin typeface="Arial"/>
+              <a:cs typeface="Arial"/>
+            </a:endParaRPr>
+          </a:p>
+          <a:p>
+            <a:pPr marL="285750" indent="-285750">
+              <a:buFont typeface="Arial"/>
+              <a:buChar char="•"/>
+            </a:pPr>
+            <a:endParaRPr lang="en-US" sz="1600" spc="-1" dirty="0">
+              <a:solidFill>
+                <a:srgbClr val="0000CC"/>
+              </a:solidFill>
+              <a:latin typeface="Open Sans"/>
+              <a:cs typeface="Arial"/>
+            </a:endParaRPr>
+          </a:p>
+          <a:p>
+            <a:pPr marL="742950" lvl="1" indent="-285750">
+              <a:buFont typeface="Arial"/>
+              <a:buChar char="•"/>
+            </a:pPr>
+            <a:endParaRPr lang="en-US" sz="1600" spc="-1" dirty="0">
+              <a:solidFill>
+                <a:srgbClr val="0000CC"/>
+              </a:solidFill>
+              <a:latin typeface="Open Sans"/>
+              <a:cs typeface="Arial"/>
+            </a:endParaRPr>
+          </a:p>
+          <a:p>
+            <a:br>
+              <a:rPr lang="en-US" dirty="0"/>
+            </a:br>
+            <a:br>
+              <a:rPr lang="en-US" dirty="0"/>
+            </a:br>
+            <a:endParaRPr lang="en-US"/>
+          </a:p>
+          <a:p>
+            <a:pPr>
+              <a:buFont typeface="Arial"/>
+              <a:buChar char="•"/>
+            </a:pPr>
+            <a:endParaRPr lang="pt-BR" sz="1600" spc="-1" dirty="0">
+              <a:solidFill>
+                <a:srgbClr val="0000CC"/>
+              </a:solidFill>
+              <a:latin typeface="DejaVu Sans"/>
+              <a:ea typeface="Open Sans"/>
+              <a:cs typeface="Arial"/>
+            </a:endParaRPr>
+          </a:p>
+          <a:p>
+            <a:pPr>
+              <a:buFont typeface="Arial"/>
+              <a:buChar char="•"/>
+            </a:pPr>
+            <a:endParaRPr lang="pt-BR" sz="1600" spc="-1">
+              <a:solidFill>
+                <a:srgbClr val="0000CC"/>
+              </a:solidFill>
+              <a:latin typeface="Open Sans"/>
+              <a:ea typeface="Open Sans"/>
+              <a:cs typeface="Arial"/>
+            </a:endParaRPr>
+          </a:p>
+          <a:p>
+            <a:pPr marL="285750" indent="-285750">
+              <a:buFont typeface="Arial"/>
+              <a:buChar char="•"/>
+            </a:pPr>
+            <a:endParaRPr lang="pt-BR" sz="1600" spc="-1">
+              <a:solidFill>
+                <a:srgbClr val="0000CC"/>
+              </a:solidFill>
+              <a:latin typeface="Arial"/>
+              <a:ea typeface="Open Sans"/>
+              <a:cs typeface="Arial"/>
+            </a:endParaRPr>
+          </a:p>
+          <a:p>
+            <a:pPr marL="285750" indent="-285750">
+              <a:buFont typeface="Arial"/>
+              <a:buChar char="•"/>
+            </a:pPr>
+            <a:endParaRPr lang="pt-BR" sz="1600" spc="-1">
+              <a:solidFill>
+                <a:srgbClr val="0000CC"/>
+              </a:solidFill>
+              <a:latin typeface="Arial"/>
+              <a:ea typeface="Open Sans"/>
+              <a:cs typeface="Arial"/>
+            </a:endParaRPr>
+          </a:p>
+          <a:p>
+            <a:pPr marL="1200150" lvl="2" indent="-285750">
+              <a:buFont typeface="Wingdings"/>
+              <a:buChar char="§"/>
+            </a:pPr>
+            <a:endParaRPr lang="pt-BR" sz="1600" spc="-1">
+              <a:solidFill>
+                <a:srgbClr val="0000CC"/>
+              </a:solidFill>
+              <a:latin typeface="Open Sans"/>
+              <a:ea typeface="Open Sans"/>
+              <a:cs typeface="Arial"/>
+            </a:endParaRPr>
+          </a:p>
+          <a:p>
+            <a:pPr marL="285750" indent="-285750">
+              <a:buFont typeface="Arial"/>
+              <a:buChar char="•"/>
+            </a:pPr>
+            <a:endParaRPr lang="pt-BR" sz="1600" spc="-1">
+              <a:solidFill>
+                <a:srgbClr val="0000CC"/>
+              </a:solidFill>
+              <a:latin typeface="Open Sans"/>
+              <a:ea typeface="Open Sans"/>
+              <a:cs typeface="Arial"/>
+            </a:endParaRPr>
+          </a:p>
+          <a:p>
+            <a:pPr marL="285750" indent="-285750">
+              <a:buFont typeface="Arial"/>
+              <a:buChar char="•"/>
+            </a:pPr>
+            <a:endParaRPr lang="pt-BR" sz="1600" spc="-1">
+              <a:solidFill>
+                <a:srgbClr val="0000CC"/>
+              </a:solidFill>
+              <a:latin typeface="Open Sans"/>
+              <a:ea typeface="Open Sans"/>
+              <a:cs typeface="Arial"/>
+            </a:endParaRPr>
+          </a:p>
+        </p:txBody>
+      </p:sp>
+      <p:pic>
+        <p:nvPicPr>
+          <p:cNvPr id="2" name="Imagem 1" descr="Uma imagem contendo Interface gráfica do usuário&#10;&#10;Descrição gerada automaticamente">
+            <a:extLst>
+              <a:ext uri="{FF2B5EF4-FFF2-40B4-BE49-F238E27FC236}">
+                <a16:creationId xmlns:a16="http://schemas.microsoft.com/office/drawing/2014/main" id="{85256611-7181-2D00-3879-9AA2F1BC3BA3}"/>
+              </a:ext>
+            </a:extLst>
+          </p:cNvPr>
+          <p:cNvPicPr>
+            <a:picLocks noChangeAspect="1"/>
+          </p:cNvPicPr>
+          <p:nvPr/>
+        </p:nvPicPr>
+        <p:blipFill>
+          <a:blip r:embed="rId3"/>
+          <a:stretch>
+            <a:fillRect/>
+          </a:stretch>
+        </p:blipFill>
+        <p:spPr>
+          <a:xfrm>
+            <a:off x="5699544" y="502489"/>
+            <a:ext cx="2705100" cy="2628900"/>
+          </a:xfrm>
+          <a:prstGeom prst="rect">
+            <a:avLst/>
+          </a:prstGeom>
+        </p:spPr>
+      </p:pic>
+    </p:spTree>
+    <p:extLst>
+      <p:ext uri="{BB962C8B-B14F-4D97-AF65-F5344CB8AC3E}">
+        <p14:creationId xmlns:p14="http://schemas.microsoft.com/office/powerpoint/2010/main" val="1080121834"/>
+      </p:ext>
+    </p:extLst>
+  </p:cSld>
+  <p:clrMapOvr>
+    <a:masterClrMapping/>
+  </p:clrMapOvr>
+  <p:timing>
+    <p:tnLst>
+      <p:par>
+        <p:cTn id="1" dur="indefinite" restart="never" nodeType="tmRoot">
+          <p:childTnLst>
+            <p:seq>
+              <p:cTn id="2" dur="indefinite" nodeType="mainSeq"/>
+              <p:prevCondLst>
+                <p:cond evt="onPrev" delay="0">
+                  <p:tgtEl>
+                    <p:sldTgt/>
+                  </p:tgtEl>
+                </p:cond>
+              </p:prevCondLst>
+              <p:nextCondLst>
+                <p:cond evt="onNext" delay="0">
+                  <p:tgtEl>
+                    <p:sldTgt/>
+                  </p:tgtEl>
+                </p:cond>
+              </p:nextCondLst>
+            </p:seq>
+          </p:childTnLst>
+        </p:cTn>
+      </p:par>
+    </p:tnLst>
+  </p:timing>
+</p:sld>
+</file>
+
+<file path=ppt/slides/slide29.xml><?xml version="1.0" encoding="utf-8"?>
+<p:sld xmlns:a="http://schemas.openxmlformats.org/drawingml/2006/main" xmlns:r="http://schemas.openxmlformats.org/officeDocument/2006/relationships" xmlns:p="http://schemas.openxmlformats.org/presentationml/2006/main">
+  <p:cSld>
+    <p:spTree>
+      <p:nvGrpSpPr>
+        <p:cNvPr id="1" name=""/>
+        <p:cNvGrpSpPr/>
+        <p:nvPr/>
+      </p:nvGrpSpPr>
+      <p:grpSpPr>
+        <a:xfrm>
+          <a:off x="0" y="0"/>
+          <a:ext cx="0" cy="0"/>
+          <a:chOff x="0" y="0"/>
+          <a:chExt cx="0" cy="0"/>
+        </a:xfrm>
+      </p:grpSpPr>
+      <p:sp>
+        <p:nvSpPr>
+          <p:cNvPr id="94" name="TextShape 1"/>
+          <p:cNvSpPr txBox="1"/>
+          <p:nvPr/>
+        </p:nvSpPr>
+        <p:spPr>
+          <a:xfrm>
+            <a:off x="8472600" y="4663080"/>
+            <a:ext cx="547560" cy="392400"/>
+          </a:xfrm>
+          <a:prstGeom prst="rect">
+            <a:avLst/>
+          </a:prstGeom>
+          <a:noFill/>
+          <a:ln>
+            <a:noFill/>
+          </a:ln>
+        </p:spPr>
+        <p:txBody>
+          <a:bodyPr lIns="90000" tIns="91440" rIns="90000" bIns="91440" anchor="ctr"/>
+          <a:lstStyle/>
+          <a:p>
+            <a:pPr algn="r">
+              <a:lnSpc>
+                <a:spcPct val="100000"/>
+              </a:lnSpc>
+            </a:pPr>
+            <a:fld id="{53606E05-68C1-4429-846B-CDD23DD71137}" type="slidenum">
+              <a:rPr lang="pt-BR" sz="1000" b="0" strike="noStrike" spc="-1" dirty="0">
+                <a:solidFill>
+                  <a:srgbClr val="595959"/>
+                </a:solidFill>
+                <a:latin typeface="Arial"/>
+                <a:ea typeface="Arial"/>
+              </a:rPr>
+              <a:t>29</a:t>
+            </a:fld>
+            <a:endParaRPr lang="pt-BR" sz="1000" b="0" strike="noStrike" spc="-1">
+              <a:latin typeface="Times New Roman"/>
+            </a:endParaRPr>
+          </a:p>
+        </p:txBody>
+      </p:sp>
+      <p:sp>
+        <p:nvSpPr>
+          <p:cNvPr id="95" name="TextShape 2"/>
+          <p:cNvSpPr txBox="1"/>
+          <p:nvPr/>
+        </p:nvSpPr>
+        <p:spPr>
+          <a:xfrm>
+            <a:off x="276120" y="196920"/>
+            <a:ext cx="6980760" cy="585000"/>
+          </a:xfrm>
+          <a:prstGeom prst="rect">
+            <a:avLst/>
+          </a:prstGeom>
+          <a:noFill/>
+          <a:ln>
+            <a:noFill/>
+          </a:ln>
+        </p:spPr>
+        <p:txBody>
+          <a:bodyPr lIns="0" tIns="91440" rIns="0" bIns="91440" anchor="t"/>
+          <a:lstStyle/>
+          <a:p>
+            <a:pPr>
+              <a:lnSpc>
+                <a:spcPct val="80000"/>
+              </a:lnSpc>
+            </a:pPr>
+            <a:r>
+              <a:rPr lang="pt-BR" sz="3000" spc="-1" dirty="0">
+                <a:solidFill>
+                  <a:srgbClr val="0000CC"/>
+                </a:solidFill>
+                <a:latin typeface="Open Sans Light"/>
+                <a:ea typeface="Open Sans Light"/>
+              </a:rPr>
+              <a:t>Javascript + Node</a:t>
+            </a:r>
+            <a:endParaRPr lang="pt-BR" dirty="0"/>
+          </a:p>
+          <a:p>
+            <a:pPr>
+              <a:lnSpc>
+                <a:spcPct val="80000"/>
+              </a:lnSpc>
+            </a:pPr>
+            <a:r>
+              <a:rPr lang="pt-BR" sz="3000" b="0" strike="noStrike" spc="-1" dirty="0">
+                <a:solidFill>
+                  <a:srgbClr val="0000CC"/>
+                </a:solidFill>
+                <a:latin typeface="Open Sans Light"/>
+                <a:ea typeface="Open Sans Light"/>
+              </a:rPr>
+              <a:t>—</a:t>
+            </a:r>
+            <a:endParaRPr lang="pt-BR" sz="3000" b="0" strike="noStrike" spc="-1" dirty="0">
+              <a:solidFill>
+                <a:srgbClr val="000000"/>
+              </a:solidFill>
+              <a:latin typeface="Arial"/>
+            </a:endParaRPr>
+          </a:p>
+        </p:txBody>
+      </p:sp>
+      <p:pic>
+        <p:nvPicPr>
+          <p:cNvPr id="96" name="Google Shape;84;p16"/>
+          <p:cNvPicPr/>
+          <p:nvPr/>
+        </p:nvPicPr>
+        <p:blipFill>
+          <a:blip r:embed="rId2"/>
+          <a:stretch/>
+        </p:blipFill>
+        <p:spPr>
+          <a:xfrm>
+            <a:off x="7963920" y="228600"/>
+            <a:ext cx="874080" cy="268200"/>
+          </a:xfrm>
+          <a:prstGeom prst="rect">
+            <a:avLst/>
+          </a:prstGeom>
+          <a:ln>
+            <a:noFill/>
+          </a:ln>
+        </p:spPr>
+      </p:pic>
+      <p:sp>
+        <p:nvSpPr>
+          <p:cNvPr id="98" name="TextShape 4"/>
+          <p:cNvSpPr txBox="1"/>
+          <p:nvPr/>
+        </p:nvSpPr>
+        <p:spPr>
+          <a:xfrm>
+            <a:off x="276120" y="928440"/>
+            <a:ext cx="6980760" cy="499320"/>
+          </a:xfrm>
+          <a:prstGeom prst="rect">
+            <a:avLst/>
+          </a:prstGeom>
+          <a:noFill/>
+          <a:ln>
+            <a:noFill/>
+          </a:ln>
+        </p:spPr>
+        <p:txBody>
+          <a:bodyPr lIns="0" tIns="91440" rIns="0" bIns="91440" anchor="t"/>
+          <a:lstStyle/>
+          <a:p>
+            <a:pPr>
+              <a:buFont typeface="Arial"/>
+              <a:buChar char="•"/>
+            </a:pPr>
+            <a:r>
+              <a:rPr lang="en-US" sz="1600" spc="-1" err="1">
+                <a:solidFill>
+                  <a:srgbClr val="0000CC"/>
+                </a:solidFill>
+                <a:ea typeface="+mn-lt"/>
+                <a:cs typeface="+mn-lt"/>
+              </a:rPr>
+              <a:t>Antigamente</a:t>
+            </a:r>
+            <a:r>
+              <a:rPr lang="en-US" sz="1600" spc="-1" dirty="0">
+                <a:solidFill>
+                  <a:srgbClr val="0000CC"/>
+                </a:solidFill>
+                <a:ea typeface="+mn-lt"/>
+                <a:cs typeface="+mn-lt"/>
+              </a:rPr>
+              <a:t> era </a:t>
+            </a:r>
+            <a:r>
+              <a:rPr lang="en-US" sz="1600" spc="-1" err="1">
+                <a:solidFill>
+                  <a:srgbClr val="0000CC"/>
+                </a:solidFill>
+                <a:ea typeface="+mn-lt"/>
+                <a:cs typeface="+mn-lt"/>
+              </a:rPr>
+              <a:t>muito</a:t>
+            </a:r>
+            <a:r>
+              <a:rPr lang="en-US" sz="1600" spc="-1" dirty="0">
+                <a:solidFill>
+                  <a:srgbClr val="0000CC"/>
+                </a:solidFill>
+                <a:ea typeface="+mn-lt"/>
+                <a:cs typeface="+mn-lt"/>
+              </a:rPr>
+              <a:t> </a:t>
+            </a:r>
+            <a:r>
+              <a:rPr lang="en-US" sz="1600" spc="-1" err="1">
+                <a:solidFill>
+                  <a:srgbClr val="0000CC"/>
+                </a:solidFill>
+                <a:ea typeface="+mn-lt"/>
+                <a:cs typeface="+mn-lt"/>
+              </a:rPr>
+              <a:t>comum</a:t>
+            </a:r>
+            <a:r>
+              <a:rPr lang="en-US" sz="1600" spc="-1" dirty="0">
+                <a:solidFill>
+                  <a:srgbClr val="0000CC"/>
+                </a:solidFill>
+                <a:ea typeface="+mn-lt"/>
+                <a:cs typeface="+mn-lt"/>
+              </a:rPr>
+              <a:t> a </a:t>
+            </a:r>
+            <a:r>
+              <a:rPr lang="en-US" sz="1600" spc="-1" err="1">
+                <a:solidFill>
+                  <a:srgbClr val="0000CC"/>
+                </a:solidFill>
+                <a:ea typeface="+mn-lt"/>
+                <a:cs typeface="+mn-lt"/>
+              </a:rPr>
+              <a:t>separação</a:t>
+            </a:r>
+            <a:r>
+              <a:rPr lang="en-US" sz="1600" spc="-1" dirty="0">
+                <a:solidFill>
+                  <a:srgbClr val="0000CC"/>
+                </a:solidFill>
+                <a:ea typeface="+mn-lt"/>
+                <a:cs typeface="+mn-lt"/>
+              </a:rPr>
+              <a:t> </a:t>
+            </a:r>
+            <a:r>
+              <a:rPr lang="en-US" sz="1600" spc="-1" err="1">
+                <a:solidFill>
+                  <a:srgbClr val="0000CC"/>
+                </a:solidFill>
+                <a:ea typeface="+mn-lt"/>
+                <a:cs typeface="+mn-lt"/>
+              </a:rPr>
+              <a:t>clara</a:t>
+            </a:r>
+            <a:r>
+              <a:rPr lang="en-US" sz="1600" spc="-1" dirty="0">
+                <a:solidFill>
+                  <a:srgbClr val="0000CC"/>
+                </a:solidFill>
+                <a:ea typeface="+mn-lt"/>
+                <a:cs typeface="+mn-lt"/>
+              </a:rPr>
+              <a:t> entre Frontend e Backend</a:t>
+            </a:r>
+            <a:endParaRPr lang="pt-BR" dirty="0"/>
+          </a:p>
+          <a:p>
+            <a:pPr>
+              <a:buFont typeface="Arial"/>
+              <a:buChar char="•"/>
+            </a:pPr>
+            <a:endParaRPr lang="en-US" sz="1600" spc="-1" dirty="0">
+              <a:solidFill>
+                <a:srgbClr val="0000CC"/>
+              </a:solidFill>
+              <a:ea typeface="+mn-lt"/>
+              <a:cs typeface="+mn-lt"/>
+            </a:endParaRPr>
+          </a:p>
+          <a:p>
+            <a:pPr marL="742950" lvl="1" indent="-285750">
+              <a:buFont typeface="Courier New"/>
+              <a:buChar char="o"/>
+            </a:pPr>
+            <a:r>
+              <a:rPr lang="en-US" sz="1600" spc="-1" dirty="0">
+                <a:solidFill>
+                  <a:srgbClr val="0000CC"/>
+                </a:solidFill>
+                <a:ea typeface="+mn-lt"/>
+                <a:cs typeface="+mn-lt"/>
+              </a:rPr>
+              <a:t>No Frontend era </a:t>
+            </a:r>
+            <a:r>
+              <a:rPr lang="en-US" sz="1600" spc="-1" err="1">
+                <a:solidFill>
+                  <a:srgbClr val="0000CC"/>
+                </a:solidFill>
+                <a:ea typeface="+mn-lt"/>
+                <a:cs typeface="+mn-lt"/>
+              </a:rPr>
+              <a:t>utilizado</a:t>
+            </a:r>
+            <a:r>
+              <a:rPr lang="en-US" sz="1600" spc="-1" dirty="0">
+                <a:solidFill>
+                  <a:srgbClr val="0000CC"/>
+                </a:solidFill>
+                <a:ea typeface="+mn-lt"/>
+                <a:cs typeface="+mn-lt"/>
+              </a:rPr>
+              <a:t>: HTML + CSS + </a:t>
+            </a:r>
+            <a:r>
+              <a:rPr lang="en-US" sz="1600" spc="-1" err="1">
+                <a:solidFill>
+                  <a:srgbClr val="0000CC"/>
+                </a:solidFill>
+                <a:ea typeface="+mn-lt"/>
+                <a:cs typeface="+mn-lt"/>
+              </a:rPr>
+              <a:t>Javascript</a:t>
+            </a:r>
+            <a:endParaRPr lang="en-US" err="1"/>
+          </a:p>
+          <a:p>
+            <a:pPr marL="742950" lvl="1" indent="-285750">
+              <a:buFont typeface="Courier New"/>
+              <a:buChar char="o"/>
+            </a:pPr>
+            <a:r>
+              <a:rPr lang="en-US" sz="1600" spc="-1" dirty="0">
+                <a:solidFill>
+                  <a:srgbClr val="0000CC"/>
+                </a:solidFill>
+                <a:ea typeface="+mn-lt"/>
+                <a:cs typeface="+mn-lt"/>
+              </a:rPr>
+              <a:t>No Backend </a:t>
+            </a:r>
+            <a:r>
+              <a:rPr lang="en-US" sz="1600" spc="-1" err="1">
+                <a:solidFill>
+                  <a:srgbClr val="0000CC"/>
+                </a:solidFill>
+                <a:ea typeface="+mn-lt"/>
+                <a:cs typeface="+mn-lt"/>
+              </a:rPr>
+              <a:t>usava</a:t>
+            </a:r>
+            <a:r>
+              <a:rPr lang="en-US" sz="1600" spc="-1" dirty="0">
+                <a:solidFill>
+                  <a:srgbClr val="0000CC"/>
+                </a:solidFill>
+                <a:ea typeface="+mn-lt"/>
+                <a:cs typeface="+mn-lt"/>
+              </a:rPr>
+              <a:t>-se JAVA, Python, C++, C#...</a:t>
+            </a:r>
+            <a:endParaRPr lang="en-US"/>
+          </a:p>
+          <a:p>
+            <a:pPr marL="285750" indent="-285750">
+              <a:buFont typeface="Arial"/>
+              <a:buChar char="•"/>
+            </a:pPr>
+            <a:r>
+              <a:rPr lang="en-US" sz="1600" spc="-1" dirty="0">
+                <a:solidFill>
+                  <a:srgbClr val="0000CC"/>
+                </a:solidFill>
+                <a:ea typeface="+mn-lt"/>
+                <a:cs typeface="+mn-lt"/>
+              </a:rPr>
+              <a:t>Assim </a:t>
+            </a:r>
+            <a:r>
+              <a:rPr lang="en-US" sz="1600" spc="-1" err="1">
+                <a:solidFill>
+                  <a:srgbClr val="0000CC"/>
+                </a:solidFill>
+                <a:ea typeface="+mn-lt"/>
+                <a:cs typeface="+mn-lt"/>
+              </a:rPr>
+              <a:t>os</a:t>
+            </a:r>
+            <a:r>
+              <a:rPr lang="en-US" sz="1600" spc="-1" dirty="0">
+                <a:solidFill>
+                  <a:srgbClr val="0000CC"/>
+                </a:solidFill>
+                <a:ea typeface="+mn-lt"/>
+                <a:cs typeface="+mn-lt"/>
+              </a:rPr>
+              <a:t> </a:t>
+            </a:r>
+            <a:r>
+              <a:rPr lang="en-US" sz="1600" spc="-1" err="1">
+                <a:solidFill>
+                  <a:srgbClr val="0000CC"/>
+                </a:solidFill>
+                <a:ea typeface="+mn-lt"/>
+                <a:cs typeface="+mn-lt"/>
+              </a:rPr>
+              <a:t>devs</a:t>
+            </a:r>
+            <a:r>
+              <a:rPr lang="en-US" sz="1600" spc="-1" dirty="0">
+                <a:solidFill>
+                  <a:srgbClr val="0000CC"/>
+                </a:solidFill>
+                <a:ea typeface="+mn-lt"/>
+                <a:cs typeface="+mn-lt"/>
+              </a:rPr>
+              <a:t> Front e Backend </a:t>
+            </a:r>
+            <a:r>
+              <a:rPr lang="en-US" sz="1600" spc="-1" err="1">
+                <a:solidFill>
+                  <a:srgbClr val="0000CC"/>
+                </a:solidFill>
+                <a:ea typeface="+mn-lt"/>
+                <a:cs typeface="+mn-lt"/>
+              </a:rPr>
+              <a:t>não</a:t>
+            </a:r>
+            <a:r>
+              <a:rPr lang="en-US" sz="1600" spc="-1" dirty="0">
+                <a:solidFill>
+                  <a:srgbClr val="0000CC"/>
+                </a:solidFill>
+                <a:ea typeface="+mn-lt"/>
+                <a:cs typeface="+mn-lt"/>
+              </a:rPr>
+              <a:t> se </a:t>
+            </a:r>
+            <a:r>
+              <a:rPr lang="en-US" sz="1600" spc="-1" err="1">
+                <a:solidFill>
+                  <a:srgbClr val="0000CC"/>
+                </a:solidFill>
+                <a:ea typeface="+mn-lt"/>
+                <a:cs typeface="+mn-lt"/>
+              </a:rPr>
+              <a:t>misturavam</a:t>
+            </a:r>
+            <a:r>
+              <a:rPr lang="en-US" sz="1600" spc="-1" dirty="0">
+                <a:solidFill>
+                  <a:srgbClr val="0000CC"/>
+                </a:solidFill>
+                <a:ea typeface="+mn-lt"/>
+                <a:cs typeface="+mn-lt"/>
+              </a:rPr>
+              <a:t>… </a:t>
+            </a:r>
+            <a:r>
+              <a:rPr lang="en-US" sz="1600" spc="-1" err="1">
+                <a:solidFill>
+                  <a:srgbClr val="0000CC"/>
+                </a:solidFill>
+                <a:ea typeface="+mn-lt"/>
+                <a:cs typeface="+mn-lt"/>
+              </a:rPr>
+              <a:t>até</a:t>
+            </a:r>
+            <a:r>
+              <a:rPr lang="en-US" sz="1600" spc="-1" dirty="0">
+                <a:solidFill>
+                  <a:srgbClr val="0000CC"/>
+                </a:solidFill>
+                <a:ea typeface="+mn-lt"/>
+                <a:cs typeface="+mn-lt"/>
+              </a:rPr>
+              <a:t> que…</a:t>
+            </a:r>
+            <a:endParaRPr lang="en-US" dirty="0"/>
+          </a:p>
+          <a:p>
+            <a:pPr marL="285750" indent="-285750">
+              <a:buFont typeface="Arial"/>
+              <a:buChar char="•"/>
+            </a:pPr>
+            <a:endParaRPr lang="en-US" sz="1600" spc="-1" dirty="0">
+              <a:solidFill>
+                <a:srgbClr val="0000CC"/>
+              </a:solidFill>
+              <a:latin typeface="Arial"/>
+              <a:ea typeface="+mn-lt"/>
+              <a:cs typeface="+mn-lt"/>
+            </a:endParaRPr>
+          </a:p>
+          <a:p>
+            <a:r>
+              <a:rPr lang="en-US" spc="-1" dirty="0">
+                <a:solidFill>
+                  <a:srgbClr val="FF0000"/>
+                </a:solidFill>
+                <a:latin typeface="Arial"/>
+                <a:cs typeface="Arial"/>
+              </a:rPr>
+              <a:t>Vamos </a:t>
+            </a:r>
+            <a:r>
+              <a:rPr lang="en-US" spc="-1" err="1">
+                <a:solidFill>
+                  <a:srgbClr val="FF0000"/>
+                </a:solidFill>
+                <a:latin typeface="Arial"/>
+                <a:cs typeface="Arial"/>
+              </a:rPr>
+              <a:t>arranjar</a:t>
+            </a:r>
+            <a:r>
+              <a:rPr lang="en-US" spc="-1" dirty="0">
+                <a:solidFill>
+                  <a:srgbClr val="FF0000"/>
+                </a:solidFill>
+                <a:latin typeface="Arial"/>
+                <a:cs typeface="Arial"/>
+              </a:rPr>
+              <a:t> </a:t>
+            </a:r>
+            <a:r>
+              <a:rPr lang="en-US" spc="-1" err="1">
+                <a:solidFill>
+                  <a:srgbClr val="FF0000"/>
+                </a:solidFill>
+                <a:latin typeface="Arial"/>
+                <a:cs typeface="Arial"/>
+              </a:rPr>
+              <a:t>uma</a:t>
+            </a:r>
+            <a:r>
+              <a:rPr lang="en-US" spc="-1" dirty="0">
+                <a:solidFill>
+                  <a:srgbClr val="FF0000"/>
+                </a:solidFill>
+                <a:latin typeface="Arial"/>
+                <a:cs typeface="Arial"/>
+              </a:rPr>
+              <a:t> forma de </a:t>
+            </a:r>
+            <a:r>
+              <a:rPr lang="en-US" spc="-1" err="1">
+                <a:solidFill>
+                  <a:srgbClr val="FF0000"/>
+                </a:solidFill>
+                <a:latin typeface="Arial"/>
+                <a:cs typeface="Arial"/>
+              </a:rPr>
+              <a:t>rodar</a:t>
+            </a:r>
+            <a:r>
+              <a:rPr lang="en-US" spc="-1" dirty="0">
+                <a:solidFill>
+                  <a:srgbClr val="FF0000"/>
+                </a:solidFill>
+                <a:latin typeface="Arial"/>
+                <a:cs typeface="Arial"/>
+              </a:rPr>
+              <a:t> </a:t>
+            </a:r>
+            <a:r>
+              <a:rPr lang="en-US" spc="-1" err="1">
+                <a:solidFill>
+                  <a:srgbClr val="FF0000"/>
+                </a:solidFill>
+                <a:latin typeface="Arial"/>
+                <a:cs typeface="Arial"/>
+              </a:rPr>
+              <a:t>Javascript</a:t>
+            </a:r>
+            <a:r>
+              <a:rPr lang="en-US" spc="-1" dirty="0">
+                <a:solidFill>
+                  <a:srgbClr val="FF0000"/>
+                </a:solidFill>
+                <a:latin typeface="Arial"/>
+                <a:cs typeface="Arial"/>
+              </a:rPr>
+              <a:t> TAMBÉM no</a:t>
+            </a:r>
+            <a:br>
+              <a:rPr lang="en-US" spc="-1" dirty="0">
+                <a:solidFill>
+                  <a:srgbClr val="FF0000"/>
+                </a:solidFill>
+                <a:latin typeface="Arial"/>
+                <a:cs typeface="Arial"/>
+              </a:rPr>
+            </a:br>
+            <a:r>
+              <a:rPr lang="en-US" spc="-1" err="1">
+                <a:solidFill>
+                  <a:srgbClr val="FF0000"/>
+                </a:solidFill>
+                <a:latin typeface="Arial"/>
+                <a:cs typeface="Arial"/>
+              </a:rPr>
+              <a:t>servidor</a:t>
+            </a:r>
+            <a:r>
+              <a:rPr lang="en-US" spc="-1" dirty="0">
+                <a:solidFill>
+                  <a:srgbClr val="FF0000"/>
+                </a:solidFill>
+                <a:latin typeface="Arial"/>
+                <a:cs typeface="Arial"/>
+              </a:rPr>
+              <a:t>! …………………... </a:t>
+            </a:r>
+            <a:r>
+              <a:rPr lang="en-US" spc="-1" dirty="0">
+                <a:solidFill>
+                  <a:srgbClr val="FF0000"/>
+                </a:solidFill>
+                <a:latin typeface="Arial"/>
+                <a:cs typeface="Arial"/>
+                <a:hlinkClick r:id="rId3">
+                  <a:extLst>
+                    <a:ext uri="{A12FA001-AC4F-418D-AE19-62706E023703}">
+                      <ahyp:hlinkClr xmlns:ahyp="http://schemas.microsoft.com/office/drawing/2018/hyperlinkcolor" val="tx"/>
+                    </a:ext>
+                  </a:extLst>
+                </a:hlinkClick>
+              </a:rPr>
+              <a:t>Node</a:t>
+            </a:r>
+            <a:r>
+              <a:rPr lang="en-US" spc="-1" dirty="0">
+                <a:solidFill>
+                  <a:srgbClr val="FF0000"/>
+                </a:solidFill>
+                <a:latin typeface="Arial"/>
+                <a:cs typeface="Arial"/>
+              </a:rPr>
+              <a:t>!</a:t>
+            </a:r>
+            <a:endParaRPr lang="en-US" dirty="0">
+              <a:solidFill>
+                <a:srgbClr val="FF0000"/>
+              </a:solidFill>
+            </a:endParaRPr>
+          </a:p>
+          <a:p>
+            <a:pPr marL="285750" indent="-285750">
+              <a:buFont typeface="Arial"/>
+              <a:buChar char="•"/>
+            </a:pPr>
+            <a:endParaRPr lang="en-US" sz="1600" spc="-1" dirty="0">
+              <a:solidFill>
+                <a:srgbClr val="0000CC"/>
+              </a:solidFill>
+              <a:latin typeface="Open Sans"/>
+              <a:cs typeface="Arial"/>
+            </a:endParaRPr>
+          </a:p>
+          <a:p>
+            <a:pPr marL="285750" indent="-285750">
+              <a:buFont typeface="Arial"/>
+              <a:buChar char="•"/>
+            </a:pPr>
+            <a:r>
+              <a:rPr lang="en-US" sz="1600" spc="-1" dirty="0" err="1">
+                <a:solidFill>
+                  <a:srgbClr val="0000CC"/>
+                </a:solidFill>
+                <a:ea typeface="+mn-lt"/>
+                <a:cs typeface="+mn-lt"/>
+              </a:rPr>
+              <a:t>Arrancaram</a:t>
+            </a:r>
+            <a:r>
+              <a:rPr lang="en-US" sz="1600" spc="-1" dirty="0">
+                <a:solidFill>
+                  <a:srgbClr val="0000CC"/>
+                </a:solidFill>
+                <a:ea typeface="+mn-lt"/>
+                <a:cs typeface="+mn-lt"/>
+              </a:rPr>
+              <a:t> o V8 do Chrome e </a:t>
+            </a:r>
+            <a:r>
+              <a:rPr lang="en-US" sz="1600" spc="-1" dirty="0" err="1">
+                <a:solidFill>
+                  <a:srgbClr val="0000CC"/>
+                </a:solidFill>
+                <a:ea typeface="+mn-lt"/>
+                <a:cs typeface="+mn-lt"/>
+              </a:rPr>
+              <a:t>permitiram</a:t>
+            </a:r>
+            <a:r>
+              <a:rPr lang="en-US" sz="1600" spc="-1" dirty="0">
+                <a:solidFill>
+                  <a:srgbClr val="0000CC"/>
+                </a:solidFill>
+                <a:ea typeface="+mn-lt"/>
+                <a:cs typeface="+mn-lt"/>
+              </a:rPr>
+              <a:t> que </a:t>
+            </a:r>
+            <a:r>
+              <a:rPr lang="en-US" sz="1600" spc="-1" dirty="0" err="1">
+                <a:solidFill>
+                  <a:srgbClr val="0000CC"/>
+                </a:solidFill>
+                <a:ea typeface="+mn-lt"/>
+                <a:cs typeface="+mn-lt"/>
+              </a:rPr>
+              <a:t>ele</a:t>
+            </a:r>
+            <a:r>
+              <a:rPr lang="en-US" sz="1600" spc="-1" dirty="0">
+                <a:solidFill>
+                  <a:srgbClr val="0000CC"/>
+                </a:solidFill>
+                <a:ea typeface="+mn-lt"/>
+                <a:cs typeface="+mn-lt"/>
+              </a:rPr>
+              <a:t> </a:t>
+            </a:r>
+            <a:r>
+              <a:rPr lang="en-US" sz="1600" spc="-1" dirty="0" err="1">
+                <a:solidFill>
+                  <a:srgbClr val="0000CC"/>
+                </a:solidFill>
+                <a:ea typeface="+mn-lt"/>
+                <a:cs typeface="+mn-lt"/>
+              </a:rPr>
+              <a:t>rodasse</a:t>
+            </a:r>
+            <a:r>
+              <a:rPr lang="en-US" sz="1600" spc="-1" dirty="0">
+                <a:solidFill>
+                  <a:srgbClr val="0000CC"/>
+                </a:solidFill>
+                <a:ea typeface="+mn-lt"/>
+                <a:cs typeface="+mn-lt"/>
+              </a:rPr>
+              <a:t> FORA de um Browser.</a:t>
+            </a:r>
+            <a:br>
+              <a:rPr lang="en-US" dirty="0"/>
+            </a:br>
+            <a:br>
+              <a:rPr lang="en-US" dirty="0"/>
+            </a:br>
+            <a:endParaRPr lang="en-US"/>
+          </a:p>
+          <a:p>
+            <a:pPr>
+              <a:buFont typeface="Arial"/>
+              <a:buChar char="•"/>
+            </a:pPr>
+            <a:endParaRPr lang="pt-BR" sz="1600" spc="-1" dirty="0">
+              <a:solidFill>
+                <a:srgbClr val="0000CC"/>
+              </a:solidFill>
+              <a:latin typeface="DejaVu Sans"/>
+              <a:ea typeface="Open Sans"/>
+              <a:cs typeface="Arial"/>
+            </a:endParaRPr>
+          </a:p>
+          <a:p>
+            <a:pPr>
+              <a:buFont typeface="Arial"/>
+              <a:buChar char="•"/>
+            </a:pPr>
+            <a:endParaRPr lang="pt-BR" sz="1600" spc="-1">
+              <a:solidFill>
+                <a:srgbClr val="0000CC"/>
+              </a:solidFill>
+              <a:latin typeface="Open Sans"/>
+              <a:ea typeface="Open Sans"/>
+              <a:cs typeface="Arial"/>
+            </a:endParaRPr>
+          </a:p>
+          <a:p>
+            <a:pPr marL="285750" indent="-285750">
+              <a:buFont typeface="Arial"/>
+              <a:buChar char="•"/>
+            </a:pPr>
+            <a:endParaRPr lang="pt-BR" sz="1600" spc="-1">
+              <a:solidFill>
+                <a:srgbClr val="0000CC"/>
+              </a:solidFill>
+              <a:latin typeface="Arial"/>
+              <a:ea typeface="Open Sans"/>
+              <a:cs typeface="Arial"/>
+            </a:endParaRPr>
+          </a:p>
+          <a:p>
+            <a:pPr marL="285750" indent="-285750">
+              <a:buFont typeface="Arial"/>
+              <a:buChar char="•"/>
+            </a:pPr>
+            <a:endParaRPr lang="pt-BR" sz="1600" spc="-1">
+              <a:solidFill>
+                <a:srgbClr val="0000CC"/>
+              </a:solidFill>
+              <a:latin typeface="Arial"/>
+              <a:ea typeface="Open Sans"/>
+              <a:cs typeface="Arial"/>
+            </a:endParaRPr>
+          </a:p>
+          <a:p>
+            <a:pPr marL="1200150" lvl="2" indent="-285750">
+              <a:buFont typeface="Wingdings"/>
+              <a:buChar char="§"/>
+            </a:pPr>
+            <a:endParaRPr lang="pt-BR" sz="1600" spc="-1">
+              <a:solidFill>
+                <a:srgbClr val="0000CC"/>
+              </a:solidFill>
+              <a:latin typeface="Open Sans"/>
+              <a:ea typeface="Open Sans"/>
+              <a:cs typeface="Arial"/>
+            </a:endParaRPr>
+          </a:p>
+          <a:p>
+            <a:pPr marL="285750" indent="-285750">
+              <a:buFont typeface="Arial"/>
+              <a:buChar char="•"/>
+            </a:pPr>
+            <a:endParaRPr lang="pt-BR" sz="1600" spc="-1">
+              <a:solidFill>
+                <a:srgbClr val="0000CC"/>
+              </a:solidFill>
+              <a:latin typeface="Open Sans"/>
+              <a:ea typeface="Open Sans"/>
+              <a:cs typeface="Arial"/>
+            </a:endParaRPr>
+          </a:p>
+          <a:p>
+            <a:pPr marL="285750" indent="-285750">
+              <a:buFont typeface="Arial"/>
+              <a:buChar char="•"/>
+            </a:pPr>
+            <a:endParaRPr lang="pt-BR" sz="1600" spc="-1">
+              <a:solidFill>
+                <a:srgbClr val="0000CC"/>
+              </a:solidFill>
+              <a:latin typeface="Open Sans"/>
+              <a:ea typeface="Open Sans"/>
+              <a:cs typeface="Arial"/>
+            </a:endParaRPr>
+          </a:p>
+        </p:txBody>
+      </p:sp>
+      <p:pic>
+        <p:nvPicPr>
+          <p:cNvPr id="2" name="Imagem 1">
+            <a:extLst>
+              <a:ext uri="{FF2B5EF4-FFF2-40B4-BE49-F238E27FC236}">
+                <a16:creationId xmlns:a16="http://schemas.microsoft.com/office/drawing/2014/main" id="{D611F5E6-933F-EFB2-EC9A-B51BF40C5AF3}"/>
+              </a:ext>
+            </a:extLst>
+          </p:cNvPr>
+          <p:cNvPicPr>
+            <a:picLocks noChangeAspect="1"/>
+          </p:cNvPicPr>
+          <p:nvPr/>
+        </p:nvPicPr>
+        <p:blipFill>
+          <a:blip r:embed="rId4"/>
+          <a:stretch>
+            <a:fillRect/>
+          </a:stretch>
+        </p:blipFill>
+        <p:spPr>
+          <a:xfrm>
+            <a:off x="7021813" y="3527845"/>
+            <a:ext cx="1990724" cy="1031575"/>
+          </a:xfrm>
+          <a:prstGeom prst="rect">
+            <a:avLst/>
+          </a:prstGeom>
+        </p:spPr>
+      </p:pic>
+    </p:spTree>
+    <p:extLst>
+      <p:ext uri="{BB962C8B-B14F-4D97-AF65-F5344CB8AC3E}">
+        <p14:creationId xmlns:p14="http://schemas.microsoft.com/office/powerpoint/2010/main" val="3464026060"/>
+      </p:ext>
+    </p:extLst>
+  </p:cSld>
+  <p:clrMapOvr>
+    <a:masterClrMapping/>
+  </p:clrMapOvr>
+  <p:timing>
+    <p:tnLst>
+      <p:par>
+        <p:cTn id="1" dur="indefinite" restart="never" nodeType="tmRoot">
+          <p:childTnLst>
+            <p:seq>
+              <p:cTn id="2" dur="indefinite" nodeType="mainSeq"/>
+              <p:prevCondLst>
+                <p:cond evt="onPrev" delay="0">
+                  <p:tgtEl>
+                    <p:sldTgt/>
+                  </p:tgtEl>
+                </p:cond>
+              </p:prevCondLst>
+              <p:nextCondLst>
+                <p:cond evt="onNext" delay="0">
+                  <p:tgtEl>
+                    <p:sldTgt/>
+                  </p:tgtEl>
+                </p:cond>
+              </p:nextCondLst>
+            </p:seq>
+          </p:childTnLst>
+        </p:cTn>
+      </p:par>
+    </p:tnLst>
+  </p:timing>
+</p:sld>
+</file>
+
+<file path=ppt/slides/slide3.xml><?xml version="1.0" encoding="utf-8"?>
+<p:sld xmlns:a="http://schemas.openxmlformats.org/drawingml/2006/main" xmlns:r="http://schemas.openxmlformats.org/officeDocument/2006/relationships" xmlns:p="http://schemas.openxmlformats.org/presentationml/2006/main">
+  <p:cSld>
+    <p:bg>
+      <p:bgPr>
+        <a:blipFill rotWithShape="0">
+          <a:blip r:embed="rId2"/>
+          <a:stretch>
+            <a:fillRect/>
+          </a:stretch>
+        </a:blipFill>
+        <a:effectLst/>
+      </p:bgPr>
+    </p:bg>
+    <p:spTree>
+      <p:nvGrpSpPr>
+        <p:cNvPr id="1" name=""/>
+        <p:cNvGrpSpPr/>
+        <p:nvPr/>
+      </p:nvGrpSpPr>
+      <p:grpSpPr>
+        <a:xfrm>
+          <a:off x="0" y="0"/>
+          <a:ext cx="0" cy="0"/>
+          <a:chOff x="0" y="0"/>
+          <a:chExt cx="0" cy="0"/>
+        </a:xfrm>
+      </p:grpSpPr>
+      <p:pic>
+        <p:nvPicPr>
+          <p:cNvPr id="80" name="Google Shape;64;p14"/>
+          <p:cNvPicPr/>
+          <p:nvPr/>
+        </p:nvPicPr>
+        <p:blipFill>
+          <a:blip r:embed="rId3"/>
+          <a:srcRect l="19953" t="12607"/>
+          <a:stretch/>
+        </p:blipFill>
+        <p:spPr>
+          <a:xfrm>
+            <a:off x="0" y="0"/>
+            <a:ext cx="5803920" cy="4224600"/>
+          </a:xfrm>
+          <a:prstGeom prst="rect">
+            <a:avLst/>
+          </a:prstGeom>
+          <a:ln>
+            <a:noFill/>
+          </a:ln>
+        </p:spPr>
+      </p:pic>
+      <p:pic>
+        <p:nvPicPr>
+          <p:cNvPr id="81" name="Google Shape;65;p14"/>
+          <p:cNvPicPr/>
+          <p:nvPr/>
+        </p:nvPicPr>
+        <p:blipFill>
+          <a:blip r:embed="rId4"/>
+          <a:stretch/>
+        </p:blipFill>
+        <p:spPr>
+          <a:xfrm>
+            <a:off x="3240" y="-6840"/>
+            <a:ext cx="9142920" cy="5142600"/>
+          </a:xfrm>
+          <a:prstGeom prst="rect">
+            <a:avLst/>
+          </a:prstGeom>
+          <a:ln>
+            <a:noFill/>
+          </a:ln>
+        </p:spPr>
+      </p:pic>
+      <p:sp>
+        <p:nvSpPr>
+          <p:cNvPr id="82" name="TextShape 1"/>
+          <p:cNvSpPr txBox="1"/>
+          <p:nvPr/>
+        </p:nvSpPr>
+        <p:spPr>
+          <a:xfrm>
+            <a:off x="5438520" y="1743480"/>
+            <a:ext cx="4656600" cy="1656000"/>
+          </a:xfrm>
+          <a:prstGeom prst="rect">
+            <a:avLst/>
+          </a:prstGeom>
+          <a:noFill/>
+          <a:ln>
+            <a:noFill/>
+          </a:ln>
+        </p:spPr>
+        <p:txBody>
+          <a:bodyPr lIns="0" tIns="91440" rIns="0" bIns="91440"/>
+          <a:lstStyle/>
+          <a:p>
+            <a:pPr>
+              <a:lnSpc>
+                <a:spcPct val="100000"/>
+              </a:lnSpc>
+            </a:pPr>
+            <a:r>
+              <a:rPr lang="pt-BR" sz="4500" b="0" strike="noStrike" spc="-1">
+                <a:solidFill>
+                  <a:srgbClr val="0000CC"/>
+                </a:solidFill>
+                <a:latin typeface="Open Sans Light"/>
+                <a:ea typeface="Open Sans Light"/>
+              </a:rPr>
+              <a:t>HTML</a:t>
+            </a:r>
+            <a:br/>
+            <a:endParaRPr lang="pt-BR" sz="4500" b="0" strike="noStrike" spc="-1">
+              <a:solidFill>
+                <a:srgbClr val="000000"/>
+              </a:solidFill>
+              <a:latin typeface="Arial"/>
+            </a:endParaRPr>
+          </a:p>
+        </p:txBody>
+      </p:sp>
+      <p:pic>
+        <p:nvPicPr>
+          <p:cNvPr id="83" name="Google Shape;67;p14"/>
+          <p:cNvPicPr/>
+          <p:nvPr/>
+        </p:nvPicPr>
+        <p:blipFill>
+          <a:blip r:embed="rId5"/>
+          <a:stretch/>
+        </p:blipFill>
+        <p:spPr>
+          <a:xfrm>
+            <a:off x="7963920" y="228600"/>
+            <a:ext cx="874080" cy="268200"/>
+          </a:xfrm>
+          <a:prstGeom prst="rect">
+            <a:avLst/>
+          </a:prstGeom>
+          <a:ln>
+            <a:noFill/>
+          </a:ln>
+        </p:spPr>
+      </p:pic>
+      <p:sp>
+        <p:nvSpPr>
+          <p:cNvPr id="84" name="CustomShape 2"/>
+          <p:cNvSpPr/>
+          <p:nvPr/>
+        </p:nvSpPr>
+        <p:spPr>
+          <a:xfrm>
+            <a:off x="5600880" y="5676840"/>
+            <a:ext cx="3332520" cy="665640"/>
+          </a:xfrm>
+          <a:prstGeom prst="rect">
+            <a:avLst/>
+          </a:prstGeom>
+          <a:noFill/>
+          <a:ln>
+            <a:noFill/>
+          </a:ln>
+        </p:spPr>
+        <p:style>
+          <a:lnRef idx="0">
+            <a:scrgbClr r="0" g="0" b="0"/>
+          </a:lnRef>
+          <a:fillRef idx="0">
+            <a:scrgbClr r="0" g="0" b="0"/>
+          </a:fillRef>
+          <a:effectRef idx="0">
+            <a:scrgbClr r="0" g="0" b="0"/>
+          </a:effectRef>
+          <a:fontRef idx="minor"/>
+        </p:style>
+      </p:sp>
+    </p:spTree>
+  </p:cSld>
+  <p:clrMapOvr>
+    <a:masterClrMapping/>
+  </p:clrMapOvr>
+  <p:timing>
+    <p:tnLst>
+      <p:par>
+        <p:cTn id="1" dur="indefinite" restart="never" nodeType="tmRoot">
+          <p:childTnLst>
+            <p:seq>
+              <p:cTn id="2" dur="indefinite" nodeType="mainSeq"/>
+              <p:prevCondLst>
+                <p:cond evt="onPrev" delay="0">
+                  <p:tgtEl>
+                    <p:sldTgt/>
+                  </p:tgtEl>
+                </p:cond>
+              </p:prevCondLst>
+              <p:nextCondLst>
+                <p:cond evt="onNext" delay="0">
+                  <p:tgtEl>
+                    <p:sldTgt/>
+                  </p:tgtEl>
+                </p:cond>
+              </p:nextCondLst>
+            </p:seq>
+          </p:childTnLst>
+        </p:cTn>
+      </p:par>
+    </p:tnLst>
+  </p:timing>
+</p:sld>
+</file>
+
+<file path=ppt/slides/slide30.xml><?xml version="1.0" encoding="utf-8"?>
 <p:sld xmlns:a="http://schemas.openxmlformats.org/drawingml/2006/main" xmlns:r="http://schemas.openxmlformats.org/officeDocument/2006/relationships" xmlns:p="http://schemas.openxmlformats.org/presentationml/2006/main">
   <p:cSld>
     <p:bg>
@@ -17246,219 +21367,6 @@
 </p:sld>
 </file>
 
-<file path=ppt/slides/slide3.xml><?xml version="1.0" encoding="utf-8"?>
-<p:sld xmlns:a="http://schemas.openxmlformats.org/drawingml/2006/main" xmlns:r="http://schemas.openxmlformats.org/officeDocument/2006/relationships" xmlns:p="http://schemas.openxmlformats.org/presentationml/2006/main">
-  <p:cSld>
-    <p:bg>
-      <p:bgPr>
-        <a:blipFill rotWithShape="0">
-          <a:blip r:embed="rId2"/>
-          <a:stretch>
-            <a:fillRect/>
-          </a:stretch>
-        </a:blipFill>
-        <a:effectLst/>
-      </p:bgPr>
-    </p:bg>
-    <p:spTree>
-      <p:nvGrpSpPr>
-        <p:cNvPr id="1" name=""/>
-        <p:cNvGrpSpPr/>
-        <p:nvPr/>
-      </p:nvGrpSpPr>
-      <p:grpSpPr>
-        <a:xfrm>
-          <a:off x="0" y="0"/>
-          <a:ext cx="0" cy="0"/>
-          <a:chOff x="0" y="0"/>
-          <a:chExt cx="0" cy="0"/>
-        </a:xfrm>
-      </p:grpSpPr>
-      <p:pic>
-        <p:nvPicPr>
-          <p:cNvPr id="80" name="Google Shape;64;p14"/>
-          <p:cNvPicPr/>
-          <p:nvPr/>
-        </p:nvPicPr>
-        <p:blipFill>
-          <a:blip r:embed="rId3"/>
-          <a:srcRect l="19953" t="12607"/>
-          <a:stretch/>
-        </p:blipFill>
-        <p:spPr>
-          <a:xfrm>
-            <a:off x="0" y="0"/>
-            <a:ext cx="5803920" cy="4224600"/>
-          </a:xfrm>
-          <a:prstGeom prst="rect">
-            <a:avLst/>
-          </a:prstGeom>
-          <a:ln>
-            <a:noFill/>
-          </a:ln>
-        </p:spPr>
-      </p:pic>
-      <p:pic>
-        <p:nvPicPr>
-          <p:cNvPr id="81" name="Google Shape;65;p14"/>
-          <p:cNvPicPr/>
-          <p:nvPr/>
-        </p:nvPicPr>
-        <p:blipFill>
-          <a:blip r:embed="rId4"/>
-          <a:stretch/>
-        </p:blipFill>
-        <p:spPr>
-          <a:xfrm>
-            <a:off x="3240" y="-6840"/>
-            <a:ext cx="9142920" cy="5142600"/>
-          </a:xfrm>
-          <a:prstGeom prst="rect">
-            <a:avLst/>
-          </a:prstGeom>
-          <a:ln>
-            <a:noFill/>
-          </a:ln>
-        </p:spPr>
-      </p:pic>
-      <p:sp>
-        <p:nvSpPr>
-          <p:cNvPr id="82" name="TextShape 1"/>
-          <p:cNvSpPr txBox="1"/>
-          <p:nvPr/>
-        </p:nvSpPr>
-        <p:spPr>
-          <a:xfrm>
-            <a:off x="5438520" y="1743480"/>
-            <a:ext cx="4656600" cy="1656000"/>
-          </a:xfrm>
-          <a:prstGeom prst="rect">
-            <a:avLst/>
-          </a:prstGeom>
-          <a:noFill/>
-          <a:ln>
-            <a:noFill/>
-          </a:ln>
-        </p:spPr>
-        <p:txBody>
-          <a:bodyPr lIns="0" tIns="91440" rIns="0" bIns="91440"/>
-          <a:lstStyle/>
-          <a:p>
-            <a:pPr>
-              <a:lnSpc>
-                <a:spcPct val="100000"/>
-              </a:lnSpc>
-            </a:pPr>
-            <a:r>
-              <a:rPr lang="pt-BR" sz="4500" b="0" strike="noStrike" spc="-1">
-                <a:solidFill>
-                  <a:srgbClr val="0000CC"/>
-                </a:solidFill>
-                <a:latin typeface="Open Sans Light"/>
-                <a:ea typeface="Open Sans Light"/>
-              </a:rPr>
-              <a:t>HTML</a:t>
-            </a:r>
-            <a:br/>
-            <a:endParaRPr lang="pt-BR" sz="4500" b="0" strike="noStrike" spc="-1">
-              <a:solidFill>
-                <a:srgbClr val="000000"/>
-              </a:solidFill>
-              <a:latin typeface="Arial"/>
-            </a:endParaRPr>
-          </a:p>
-        </p:txBody>
-      </p:sp>
-      <p:pic>
-        <p:nvPicPr>
-          <p:cNvPr id="83" name="Google Shape;67;p14"/>
-          <p:cNvPicPr/>
-          <p:nvPr/>
-        </p:nvPicPr>
-        <p:blipFill>
-          <a:blip r:embed="rId5"/>
-          <a:stretch/>
-        </p:blipFill>
-        <p:spPr>
-          <a:xfrm>
-            <a:off x="7963920" y="228600"/>
-            <a:ext cx="874080" cy="268200"/>
-          </a:xfrm>
-          <a:prstGeom prst="rect">
-            <a:avLst/>
-          </a:prstGeom>
-          <a:ln>
-            <a:noFill/>
-          </a:ln>
-        </p:spPr>
-      </p:pic>
-      <p:sp>
-        <p:nvSpPr>
-          <p:cNvPr id="84" name="CustomShape 2"/>
-          <p:cNvSpPr/>
-          <p:nvPr/>
-        </p:nvSpPr>
-        <p:spPr>
-          <a:xfrm>
-            <a:off x="5600880" y="5676840"/>
-            <a:ext cx="3332520" cy="665640"/>
-          </a:xfrm>
-          <a:prstGeom prst="rect">
-            <a:avLst/>
-          </a:prstGeom>
-          <a:noFill/>
-          <a:ln>
-            <a:noFill/>
-          </a:ln>
-        </p:spPr>
-        <p:style>
-          <a:lnRef idx="0">
-            <a:scrgbClr r="0" g="0" b="0"/>
-          </a:lnRef>
-          <a:fillRef idx="0">
-            <a:scrgbClr r="0" g="0" b="0"/>
-          </a:fillRef>
-          <a:effectRef idx="0">
-            <a:scrgbClr r="0" g="0" b="0"/>
-          </a:effectRef>
-          <a:fontRef idx="minor"/>
-        </p:style>
-      </p:sp>
-    </p:spTree>
-  </p:cSld>
-  <p:clrMapOvr>
-    <a:masterClrMapping/>
-  </p:clrMapOvr>
-  <p:timing>
-    <p:tnLst>
-      <p:par>
-        <p:cTn id="1" dur="indefinite" restart="never" nodeType="tmRoot">
-          <p:childTnLst>
-            <p:seq>
-              <p:cTn id="2" dur="indefinite" nodeType="mainSeq"/>
-              <p:prevCondLst>
-                <p:cond evt="onPrev" delay="0">
-                  <p:tgtEl>
-                    <p:sldTgt/>
-                  </p:tgtEl>
-                </p:cond>
-              </p:prevCondLst>
-              <p:nextCondLst>
-                <p:cond evt="onNext" delay="0">
-                  <p:tgtEl>
-                    <p:sldTgt/>
-                  </p:tgtEl>
-                </p:cond>
-              </p:nextCondLst>
-            </p:seq>
-          </p:childTnLst>
-        </p:cTn>
-      </p:par>
-    </p:tnLst>
-  </p:timing>
-</p:sld>
-</file>
-
 <file path=ppt/slides/slide4.xml><?xml version="1.0" encoding="utf-8"?>
 <p:sld xmlns:a="http://schemas.openxmlformats.org/drawingml/2006/main" xmlns:r="http://schemas.openxmlformats.org/officeDocument/2006/relationships" xmlns:p="http://schemas.openxmlformats.org/presentationml/2006/main">
   <p:cSld>
@@ -17642,7 +21550,7 @@
               <a:buChar char="•"/>
             </a:pPr>
             <a:r>
-              <a:rPr lang="pt-BR" sz="1600" spc="-1">
+              <a:rPr lang="pt-BR" sz="1600" spc="-1" dirty="0">
                 <a:solidFill>
                   <a:srgbClr val="0000CC"/>
                 </a:solidFill>
@@ -17654,7 +21562,7 @@
               <a:t>Hyper Text Markup Language</a:t>
             </a:r>
             <a:r>
-              <a:rPr lang="pt-BR" sz="1600" spc="-1">
+              <a:rPr lang="pt-BR" sz="1600" spc="-1" dirty="0">
                 <a:solidFill>
                   <a:srgbClr val="0000CC"/>
                 </a:solidFill>
@@ -17664,8 +21572,12 @@
               </a:rPr>
               <a:t> (HTML);</a:t>
             </a:r>
-            <a:endParaRPr lang="pt-BR" sz="1600">
+            <a:endParaRPr lang="pt-BR" sz="1600" spc="-1" dirty="0">
+              <a:solidFill>
+                <a:srgbClr val="0000CC"/>
+              </a:solidFill>
               <a:latin typeface="Open Sans"/>
+              <a:cs typeface="Arial"/>
             </a:endParaRPr>
           </a:p>
           <a:p>
@@ -17674,7 +21586,69 @@
               <a:buChar char="•"/>
             </a:pPr>
             <a:r>
-              <a:rPr lang="pt-BR" sz="1600" spc="-1">
+              <a:rPr lang="pt-BR" sz="1600" spc="-1" dirty="0">
+                <a:solidFill>
+                  <a:srgbClr val="0000CC"/>
+                </a:solidFill>
+                <a:latin typeface="Open Sans"/>
+                <a:ea typeface="+mn-lt"/>
+                <a:cs typeface="+mn-lt"/>
+              </a:rPr>
+              <a:t>Feita inicialmente para cientistas (</a:t>
+            </a:r>
+            <a:r>
+              <a:rPr lang="pt-BR" sz="1600" b="1" spc="-1" dirty="0">
+                <a:solidFill>
+                  <a:srgbClr val="0000CC"/>
+                </a:solidFill>
+                <a:latin typeface="Open Sans"/>
+                <a:ea typeface="+mn-lt"/>
+                <a:cs typeface="+mn-lt"/>
+              </a:rPr>
+              <a:t>era simples</a:t>
+            </a:r>
+            <a:r>
+              <a:rPr lang="pt-BR" sz="1600" spc="-1" dirty="0">
+                <a:solidFill>
+                  <a:srgbClr val="0000CC"/>
+                </a:solidFill>
+                <a:latin typeface="Open Sans"/>
+                <a:ea typeface="+mn-lt"/>
+                <a:cs typeface="+mn-lt"/>
+              </a:rPr>
+              <a:t>) [</a:t>
+            </a:r>
+            <a:r>
+              <a:rPr lang="pt-BR" sz="1600" spc="-1" dirty="0">
+                <a:solidFill>
+                  <a:srgbClr val="0000CC"/>
+                </a:solidFill>
+                <a:latin typeface="Open Sans"/>
+                <a:ea typeface="+mn-lt"/>
+                <a:cs typeface="+mn-lt"/>
+                <a:hlinkClick r:id="rId4"/>
+              </a:rPr>
+              <a:t>CERN</a:t>
+            </a:r>
+            <a:r>
+              <a:rPr lang="pt-BR" sz="1600" spc="-1" dirty="0">
+                <a:solidFill>
+                  <a:srgbClr val="0000CC"/>
+                </a:solidFill>
+                <a:latin typeface="Open Sans"/>
+                <a:ea typeface="+mn-lt"/>
+                <a:cs typeface="+mn-lt"/>
+              </a:rPr>
+              <a:t> de Genebra]</a:t>
+            </a:r>
+          </a:p>
+          <a:p>
+            <a:pPr marL="285750" indent="-285750">
+              <a:buFont typeface="Arial"/>
+              <a:buChar char="•"/>
+            </a:pPr>
+            <a:r>
+              <a:rPr lang="pt-BR" sz="1600" spc="-1" dirty="0">
                 <a:solidFill>
                   <a:srgbClr val="0000CC"/>
                 </a:solidFill>
@@ -17684,7 +21658,7 @@
               </a:rPr>
               <a:t>Linguagem de Marcação (descritora);</a:t>
             </a:r>
-            <a:endParaRPr lang="pt-BR" sz="1600">
+            <a:endParaRPr lang="pt-BR" sz="1600" dirty="0">
               <a:latin typeface="Open Sans"/>
             </a:endParaRPr>
           </a:p>
@@ -17694,7 +21668,7 @@
               <a:buChar char="•"/>
             </a:pPr>
             <a:r>
-              <a:rPr lang="pt-BR" sz="1600" spc="-1">
+              <a:rPr lang="pt-BR" sz="1600" spc="-1" dirty="0">
                 <a:solidFill>
                   <a:srgbClr val="0000CC"/>
                 </a:solidFill>
@@ -17705,7 +21679,7 @@
               <a:t>Descreve a estrutura de uma página através de elementos, ou </a:t>
             </a:r>
             <a:r>
-              <a:rPr lang="pt-BR" sz="1600" spc="-1" err="1">
+              <a:rPr lang="pt-BR" sz="1600" spc="-1" dirty="0" err="1">
                 <a:solidFill>
                   <a:srgbClr val="0000CC"/>
                 </a:solidFill>
@@ -17716,7 +21690,7 @@
               <a:t>tags</a:t>
             </a:r>
             <a:r>
-              <a:rPr lang="pt-BR" sz="1600" spc="-1">
+              <a:rPr lang="pt-BR" sz="1600" spc="-1" dirty="0">
                 <a:solidFill>
                   <a:srgbClr val="0000CC"/>
                 </a:solidFill>
@@ -17726,7 +21700,7 @@
               </a:rPr>
               <a:t>;</a:t>
             </a:r>
-            <a:endParaRPr lang="pt-BR" sz="1600">
+            <a:endParaRPr lang="pt-BR" sz="1600" dirty="0">
               <a:latin typeface="Open Sans"/>
             </a:endParaRPr>
           </a:p>
@@ -17736,7 +21710,7 @@
               <a:buChar char="•"/>
             </a:pPr>
             <a:r>
-              <a:rPr lang="pt-BR" sz="1600" spc="-1">
+              <a:rPr lang="pt-BR" sz="1600" spc="-1" dirty="0">
                 <a:solidFill>
                   <a:srgbClr val="0000CC"/>
                 </a:solidFill>
@@ -17746,7 +21720,7 @@
               </a:rPr>
               <a:t>Originalmente feita para ser estática;</a:t>
             </a:r>
-            <a:endParaRPr lang="pt-BR">
+            <a:endParaRPr lang="pt-BR" dirty="0">
               <a:latin typeface="Open Sans"/>
             </a:endParaRPr>
           </a:p>
@@ -17840,7 +21814,7 @@
               <a:buChar char="•"/>
             </a:pPr>
             <a:r>
-              <a:rPr lang="pt-BR" sz="1600" spc="-1">
+              <a:rPr lang="pt-BR" sz="1600" spc="-1" dirty="0">
                 <a:solidFill>
                   <a:srgbClr val="0000CC"/>
                 </a:solidFill>
@@ -17850,7 +21824,7 @@
               </a:rPr>
               <a:t>Mãos à Obra</a:t>
             </a:r>
-            <a:endParaRPr lang="pt-BR" sz="1600" spc="-1">
+            <a:endParaRPr lang="pt-BR" sz="1600" spc="-1" dirty="0">
               <a:solidFill>
                 <a:srgbClr val="0000CC"/>
               </a:solidFill>
@@ -17864,7 +21838,7 @@
               <a:buAutoNum type="arabicPeriod"/>
             </a:pPr>
             <a:r>
-              <a:rPr lang="pt-BR" sz="1600" spc="-1">
+              <a:rPr lang="pt-BR" sz="1600" spc="-1" dirty="0">
                 <a:solidFill>
                   <a:srgbClr val="0000CC"/>
                 </a:solidFill>
@@ -17874,7 +21848,7 @@
               </a:rPr>
               <a:t>Abrir um arquivo de texto em branco</a:t>
             </a:r>
-            <a:endParaRPr lang="pt-BR">
+            <a:endParaRPr lang="pt-BR" dirty="0">
               <a:latin typeface="Open Sans"/>
             </a:endParaRPr>
           </a:p>
@@ -17883,7 +21857,7 @@
               <a:buAutoNum type="arabicPeriod"/>
             </a:pPr>
             <a:r>
-              <a:rPr lang="pt-BR" sz="1600" spc="-1">
+              <a:rPr lang="pt-BR" sz="1600" spc="-1" dirty="0">
                 <a:solidFill>
                   <a:srgbClr val="0000CC"/>
                 </a:solidFill>
@@ -17893,7 +21867,7 @@
               </a:rPr>
               <a:t>Salvar como index.html</a:t>
             </a:r>
-            <a:endParaRPr lang="pt-BR">
+            <a:endParaRPr lang="pt-BR" dirty="0">
               <a:latin typeface="Open Sans"/>
             </a:endParaRPr>
           </a:p>
@@ -17902,7 +21876,7 @@
               <a:buAutoNum type="arabicPeriod"/>
             </a:pPr>
             <a:r>
-              <a:rPr lang="pt-BR" sz="1600" spc="-1">
+              <a:rPr lang="pt-BR" sz="1600" spc="-1" dirty="0">
                 <a:solidFill>
                   <a:srgbClr val="0000CC"/>
                 </a:solidFill>
@@ -17913,7 +21887,7 @@
               <a:t>Abrir no </a:t>
             </a:r>
             <a:r>
-              <a:rPr lang="pt-BR" sz="1600" spc="-1" err="1">
+              <a:rPr lang="pt-BR" sz="1600" spc="-1" dirty="0" err="1">
                 <a:solidFill>
                   <a:srgbClr val="0000CC"/>
                 </a:solidFill>
@@ -17923,7 +21897,7 @@
               </a:rPr>
               <a:t>VSCode</a:t>
             </a:r>
-            <a:endParaRPr lang="pt-BR" err="1">
+            <a:endParaRPr lang="pt-BR" dirty="0" err="1">
               <a:latin typeface="Open Sans"/>
             </a:endParaRPr>
           </a:p>
@@ -18028,7 +22002,7 @@
           <p:nvPr/>
         </p:nvPicPr>
         <p:blipFill>
-          <a:blip r:embed="rId4"/>
+          <a:blip r:embed="rId5"/>
           <a:stretch>
             <a:fillRect/>
           </a:stretch>
@@ -18261,12 +22235,8 @@
           <a:bodyPr lIns="0" tIns="91440" rIns="0" bIns="91440" anchor="t"/>
           <a:lstStyle/>
           <a:p>
-            <a:pPr>
-              <a:buFont typeface="Arial"/>
-              <a:buChar char="•"/>
-            </a:pPr>
-            <a:r>
-              <a:rPr lang="pt-BR" spc="-1">
+            <a:r>
+              <a:rPr lang="pt-BR" spc="-1" dirty="0">
                 <a:solidFill>
                   <a:srgbClr val="000000"/>
                 </a:solidFill>
@@ -18277,7 +22247,7 @@
               <a:t>&lt;!DOCTYPE </a:t>
             </a:r>
             <a:r>
-              <a:rPr lang="pt-BR" spc="-1" err="1">
+              <a:rPr lang="pt-BR" spc="-1" dirty="0" err="1">
                 <a:solidFill>
                   <a:srgbClr val="000000"/>
                 </a:solidFill>
@@ -18288,7 +22258,7 @@
               <a:t>html</a:t>
             </a:r>
             <a:r>
-              <a:rPr lang="pt-BR" spc="-1">
+              <a:rPr lang="pt-BR" spc="-1" dirty="0">
                 <a:solidFill>
                   <a:srgbClr val="000000"/>
                 </a:solidFill>
@@ -18299,24 +22269,21 @@
               <a:t>&gt; - Indica tipo do documento</a:t>
             </a:r>
             <a:br>
-              <a:rPr lang="pt-BR" spc="-1">
-                <a:solidFill>
-                  <a:srgbClr val="000000"/>
-                </a:solidFill>
+              <a:rPr lang="pt-BR" spc="-1" dirty="0">
                 <a:latin typeface="Arial"/>
                 <a:ea typeface="+mn-lt"/>
                 <a:cs typeface="Arial"/>
               </a:rPr>
             </a:br>
             <a:br>
-              <a:rPr lang="pt-BR" spc="-1">
+              <a:rPr lang="pt-BR" spc="-1" dirty="0">
                 <a:latin typeface="Courier New"/>
                 <a:ea typeface="+mn-lt"/>
                 <a:cs typeface="Courier New"/>
               </a:rPr>
             </a:br>
             <a:r>
-              <a:rPr lang="pt-BR" spc="-1">
+              <a:rPr lang="pt-BR" spc="-1" dirty="0">
                 <a:solidFill>
                   <a:srgbClr val="000000"/>
                 </a:solidFill>
@@ -18327,7 +22294,7 @@
               <a:t>&lt;</a:t>
             </a:r>
             <a:r>
-              <a:rPr lang="pt-BR" spc="-1" err="1">
+              <a:rPr lang="pt-BR" spc="-1" dirty="0" err="1">
                 <a:solidFill>
                   <a:srgbClr val="000000"/>
                 </a:solidFill>
@@ -18338,7 +22305,7 @@
               <a:t>html</a:t>
             </a:r>
             <a:r>
-              <a:rPr lang="pt-BR" spc="-1">
+              <a:rPr lang="pt-BR" spc="-1" dirty="0">
                 <a:solidFill>
                   <a:srgbClr val="000000"/>
                 </a:solidFill>
@@ -18349,7 +22316,7 @@
               <a:t>&gt; </a:t>
             </a:r>
             <a:r>
-              <a:rPr lang="pt-BR" spc="-1">
+              <a:rPr lang="pt-BR" spc="-1" dirty="0">
                 <a:solidFill>
                   <a:srgbClr val="000000"/>
                 </a:solidFill>
@@ -18360,7 +22327,7 @@
               <a:t>- </a:t>
             </a:r>
             <a:r>
-              <a:rPr lang="pt-BR" spc="-1" err="1">
+              <a:rPr lang="pt-BR" spc="-1" dirty="0" err="1">
                 <a:solidFill>
                   <a:srgbClr val="000000"/>
                 </a:solidFill>
@@ -18371,7 +22338,7 @@
               <a:t>tag</a:t>
             </a:r>
             <a:r>
-              <a:rPr lang="pt-BR" spc="-1">
+              <a:rPr lang="pt-BR" spc="-1" dirty="0">
                 <a:solidFill>
                   <a:srgbClr val="000000"/>
                 </a:solidFill>
@@ -18381,7 +22348,7 @@
               </a:rPr>
               <a:t> de início de uma página</a:t>
             </a:r>
-            <a:endParaRPr lang="pt-BR">
+            <a:endParaRPr lang="pt-BR" dirty="0">
               <a:solidFill>
                 <a:srgbClr val="000000"/>
               </a:solidFill>
@@ -18390,7 +22357,7 @@
           </a:p>
           <a:p>
             <a:r>
-              <a:rPr lang="pt-BR" b="1" spc="-1">
+              <a:rPr lang="pt-BR" b="1" spc="-1" dirty="0">
                 <a:solidFill>
                   <a:srgbClr val="FF0000"/>
                 </a:solidFill>
@@ -18401,7 +22368,7 @@
               <a:t>*</a:t>
             </a:r>
             <a:r>
-              <a:rPr lang="pt-BR" spc="-1">
+              <a:rPr lang="pt-BR" spc="-1" dirty="0">
                 <a:solidFill>
                   <a:srgbClr val="FF0000"/>
                 </a:solidFill>
@@ -18412,7 +22379,7 @@
               <a:t>Lembrar que </a:t>
             </a:r>
             <a:r>
-              <a:rPr lang="pt-BR" spc="-1" err="1">
+              <a:rPr lang="pt-BR" spc="-1" dirty="0" err="1">
                 <a:solidFill>
                   <a:srgbClr val="FF0000"/>
                 </a:solidFill>
@@ -18423,7 +22390,7 @@
               <a:t>tags</a:t>
             </a:r>
             <a:r>
-              <a:rPr lang="pt-BR" spc="-1">
+              <a:rPr lang="pt-BR" spc="-1" dirty="0">
                 <a:solidFill>
                   <a:srgbClr val="FF0000"/>
                 </a:solidFill>
@@ -18433,11 +22400,18 @@
               </a:rPr>
               <a:t> devem ser fechadas</a:t>
             </a:r>
-            <a:endParaRPr lang="pt-BR"/>
+            <a:endParaRPr lang="pt-BR" dirty="0"/>
           </a:p>
           <a:p>
             <a:br>
-              <a:rPr lang="pt-BR" b="1" spc="-1">
+              <a:rPr lang="pt-BR" b="1" spc="-1" dirty="0">
+                <a:latin typeface="Courier New"/>
+                <a:ea typeface="+mn-lt"/>
+                <a:cs typeface="Courier New"/>
+              </a:rPr>
+            </a:br>
+            <a:r>
+              <a:rPr lang="pt-BR" b="1" spc="-1" dirty="0">
                 <a:solidFill>
                   <a:srgbClr val="000000"/>
                 </a:solidFill>
@@ -18445,9 +22419,53 @@
                 <a:ea typeface="+mn-lt"/>
                 <a:cs typeface="Courier New"/>
               </a:rPr>
+              <a:t>&lt;</a:t>
+            </a:r>
+            <a:r>
+              <a:rPr lang="pt-BR" b="1" spc="-1" dirty="0" err="1">
+                <a:solidFill>
+                  <a:srgbClr val="000000"/>
+                </a:solidFill>
+                <a:latin typeface="Courier New"/>
+                <a:ea typeface="+mn-lt"/>
+                <a:cs typeface="Courier New"/>
+              </a:rPr>
+              <a:t>head</a:t>
+            </a:r>
+            <a:r>
+              <a:rPr lang="pt-BR" b="1" spc="-1" dirty="0">
+                <a:solidFill>
+                  <a:srgbClr val="000000"/>
+                </a:solidFill>
+                <a:latin typeface="Courier New"/>
+                <a:ea typeface="+mn-lt"/>
+                <a:cs typeface="Courier New"/>
+              </a:rPr>
+              <a:t>&gt;</a:t>
+            </a:r>
+            <a:r>
+              <a:rPr lang="pt-BR" spc="-1" dirty="0">
+                <a:solidFill>
+                  <a:srgbClr val="000000"/>
+                </a:solidFill>
+                <a:latin typeface="Arial"/>
+                <a:ea typeface="+mn-lt"/>
+                <a:cs typeface="+mn-lt"/>
+              </a:rPr>
+              <a:t> - Para alterar o nome da aba</a:t>
+            </a:r>
+            <a:endParaRPr lang="pt-BR" dirty="0"/>
+          </a:p>
+          <a:p>
+            <a:br>
+              <a:rPr lang="pt-BR" b="1" spc="-1" dirty="0">
+                <a:latin typeface="Courier New"/>
+                <a:ea typeface="+mn-lt"/>
+                <a:cs typeface="Courier New"/>
+              </a:rPr>
             </a:br>
             <a:r>
-              <a:rPr lang="pt-BR" b="1" spc="-1">
+              <a:rPr lang="pt-BR" b="1" spc="-1" dirty="0">
                 <a:solidFill>
                   <a:srgbClr val="000000"/>
                 </a:solidFill>
@@ -18458,7 +22476,7 @@
               <a:t>&lt;</a:t>
             </a:r>
             <a:r>
-              <a:rPr lang="pt-BR" b="1" spc="-1" err="1">
+              <a:rPr lang="pt-BR" b="1" spc="-1" dirty="0" err="1">
                 <a:solidFill>
                   <a:srgbClr val="000000"/>
                 </a:solidFill>
@@ -18466,10 +22484,10 @@
                 <a:ea typeface="+mn-lt"/>
                 <a:cs typeface="Courier New"/>
               </a:rPr>
-              <a:t>head</a:t>
-            </a:r>
-            <a:r>
-              <a:rPr lang="pt-BR" b="1" spc="-1">
+              <a:t>title</a:t>
+            </a:r>
+            <a:r>
+              <a:rPr lang="pt-BR" b="1" spc="-1" dirty="0">
                 <a:solidFill>
                   <a:srgbClr val="000000"/>
                 </a:solidFill>
@@ -18480,7 +22498,7 @@
               <a:t>&gt;</a:t>
             </a:r>
             <a:r>
-              <a:rPr lang="pt-BR" spc="-1">
+              <a:rPr lang="pt-BR" spc="-1" dirty="0">
                 <a:solidFill>
                   <a:srgbClr val="000000"/>
                 </a:solidFill>
@@ -18488,13 +22506,20 @@
                 <a:ea typeface="+mn-lt"/>
                 <a:cs typeface="+mn-lt"/>
               </a:rPr>
-              <a:t> - Para alterar o nome da aba</a:t>
-            </a:r>
-            <a:endParaRPr lang="pt-BR"/>
+              <a:t> - Observe o nome da Aba</a:t>
+            </a:r>
+            <a:endParaRPr lang="pt-BR" dirty="0"/>
           </a:p>
           <a:p>
             <a:br>
-              <a:rPr lang="pt-BR" b="1" spc="-1">
+              <a:rPr lang="pt-BR" b="1" spc="-1" dirty="0">
+                <a:latin typeface="Courier New"/>
+                <a:ea typeface="+mn-lt"/>
+                <a:cs typeface="Courier New"/>
+              </a:rPr>
+            </a:br>
+            <a:r>
+              <a:rPr lang="pt-BR" b="1" spc="-1" dirty="0">
                 <a:solidFill>
                   <a:srgbClr val="000000"/>
                 </a:solidFill>
@@ -18502,9 +22527,31 @@
                 <a:ea typeface="+mn-lt"/>
                 <a:cs typeface="Courier New"/>
               </a:rPr>
+              <a:t>&lt;body&gt;</a:t>
+            </a:r>
+            <a:r>
+              <a:rPr lang="pt-BR" spc="-1" dirty="0">
+                <a:solidFill>
+                  <a:srgbClr val="000000"/>
+                </a:solidFill>
+                <a:latin typeface="Arial"/>
+                <a:ea typeface="+mn-lt"/>
+                <a:cs typeface="+mn-lt"/>
+              </a:rPr>
+              <a:t> - O que estará no corpo da página</a:t>
+            </a:r>
+            <a:endParaRPr lang="pt-BR" dirty="0"/>
+          </a:p>
+          <a:p>
+            <a:br>
+              <a:rPr lang="pt-BR" b="1" spc="-1" dirty="0">
+                <a:latin typeface="Courier New"/>
+                <a:ea typeface="+mn-lt"/>
+                <a:cs typeface="Courier New"/>
+              </a:rPr>
             </a:br>
             <a:r>
-              <a:rPr lang="pt-BR" b="1" spc="-1">
+              <a:rPr lang="pt-BR" b="1" spc="-1" dirty="0">
                 <a:solidFill>
                   <a:srgbClr val="000000"/>
                 </a:solidFill>
@@ -18512,130 +22559,35 @@
                 <a:ea typeface="+mn-lt"/>
                 <a:cs typeface="Courier New"/>
               </a:rPr>
-              <a:t>&lt;</a:t>
-            </a:r>
-            <a:r>
-              <a:rPr lang="pt-BR" b="1" spc="-1" err="1">
+              <a:t>&lt;h1&gt;</a:t>
+            </a:r>
+            <a:r>
+              <a:rPr lang="pt-BR" spc="-1" dirty="0">
                 <a:solidFill>
                   <a:srgbClr val="000000"/>
                 </a:solidFill>
-                <a:latin typeface="Courier New"/>
-                <a:ea typeface="+mn-lt"/>
-                <a:cs typeface="Courier New"/>
-              </a:rPr>
-              <a:t>title</a:t>
-            </a:r>
-            <a:r>
-              <a:rPr lang="pt-BR" b="1" spc="-1">
-                <a:solidFill>
-                  <a:srgbClr val="000000"/>
-                </a:solidFill>
-                <a:latin typeface="Courier New"/>
-                <a:ea typeface="+mn-lt"/>
-                <a:cs typeface="Courier New"/>
-              </a:rPr>
-              <a:t>&gt;</a:t>
-            </a:r>
-            <a:r>
-              <a:rPr lang="pt-BR" spc="-1">
-                <a:solidFill>
-                  <a:srgbClr val="000000"/>
-                </a:solidFill>
                 <a:latin typeface="Arial"/>
                 <a:ea typeface="+mn-lt"/>
                 <a:cs typeface="+mn-lt"/>
               </a:rPr>
-              <a:t> - Observe o nome da Aba</a:t>
-            </a:r>
-            <a:endParaRPr lang="pt-BR"/>
-          </a:p>
-          <a:p>
+              <a:t> - Cabeçalho </a:t>
+            </a:r>
             <a:br>
-              <a:rPr lang="pt-BR" b="1" spc="-1">
-                <a:solidFill>
-                  <a:srgbClr val="000000"/>
-                </a:solidFill>
-                <a:latin typeface="Courier New"/>
-                <a:ea typeface="+mn-lt"/>
-                <a:cs typeface="Courier New"/>
-              </a:rPr>
-            </a:br>
-            <a:r>
-              <a:rPr lang="pt-BR" b="1" spc="-1">
-                <a:solidFill>
-                  <a:srgbClr val="000000"/>
-                </a:solidFill>
-                <a:latin typeface="Courier New"/>
-                <a:ea typeface="+mn-lt"/>
-                <a:cs typeface="Courier New"/>
-              </a:rPr>
-              <a:t>&lt;body&gt;</a:t>
-            </a:r>
-            <a:r>
-              <a:rPr lang="pt-BR" spc="-1">
-                <a:solidFill>
-                  <a:srgbClr val="000000"/>
-                </a:solidFill>
-                <a:latin typeface="Arial"/>
-                <a:ea typeface="+mn-lt"/>
-                <a:cs typeface="+mn-lt"/>
-              </a:rPr>
-              <a:t> - O que estará no corpo da página</a:t>
-            </a:r>
-            <a:endParaRPr lang="pt-BR"/>
-          </a:p>
-          <a:p>
-            <a:br>
-              <a:rPr lang="pt-BR" b="1" spc="-1">
-                <a:solidFill>
-                  <a:srgbClr val="000000"/>
-                </a:solidFill>
-                <a:latin typeface="Courier New"/>
-                <a:ea typeface="+mn-lt"/>
-                <a:cs typeface="Courier New"/>
-              </a:rPr>
-            </a:br>
-            <a:r>
-              <a:rPr lang="pt-BR" b="1" spc="-1">
-                <a:solidFill>
-                  <a:srgbClr val="000000"/>
-                </a:solidFill>
-                <a:latin typeface="Courier New"/>
-                <a:ea typeface="+mn-lt"/>
-                <a:cs typeface="Courier New"/>
-              </a:rPr>
-              <a:t>&lt;h1&gt;</a:t>
-            </a:r>
-            <a:r>
-              <a:rPr lang="pt-BR" spc="-1">
-                <a:solidFill>
-                  <a:srgbClr val="000000"/>
-                </a:solidFill>
-                <a:latin typeface="Arial"/>
-                <a:ea typeface="+mn-lt"/>
-                <a:cs typeface="+mn-lt"/>
-              </a:rPr>
-              <a:t> - Cabeçalho </a:t>
-            </a:r>
-            <a:br>
-              <a:rPr lang="pt-BR" spc="-1">
-                <a:solidFill>
-                  <a:srgbClr val="000000"/>
-                </a:solidFill>
+              <a:rPr lang="pt-BR" spc="-1" dirty="0">
                 <a:latin typeface="Arial"/>
                 <a:ea typeface="+mn-lt"/>
                 <a:cs typeface="Arial"/>
               </a:rPr>
             </a:br>
             <a:br>
-              <a:rPr lang="pt-BR" spc="-1">
+              <a:rPr lang="pt-BR" spc="-1" dirty="0">
                 <a:latin typeface="Arial"/>
                 <a:ea typeface="+mn-lt"/>
                 <a:cs typeface="Arial"/>
               </a:rPr>
             </a:br>
             <a:r>
-              <a:rPr lang="pt-BR" b="1" spc="-1">
+              <a:rPr lang="pt-BR" b="1" spc="-1" dirty="0">
                 <a:solidFill>
                   <a:srgbClr val="000000"/>
                 </a:solidFill>
@@ -18646,7 +22598,7 @@
               <a:t>&lt;p&gt;</a:t>
             </a:r>
             <a:r>
-              <a:rPr lang="pt-BR" spc="-1">
+              <a:rPr lang="pt-BR" spc="-1" dirty="0">
                 <a:solidFill>
                   <a:srgbClr val="000000"/>
                 </a:solidFill>
@@ -18656,7 +22608,7 @@
               </a:rPr>
               <a:t> - Parágrafo</a:t>
             </a:r>
-            <a:endParaRPr lang="pt-BR"/>
+            <a:endParaRPr lang="pt-BR" dirty="0"/>
           </a:p>
           <a:p>
             <a:pPr marL="285750" indent="-285750">
@@ -18816,6 +22768,47 @@
           </a:prstGeom>
         </p:spPr>
       </p:pic>
+      <p:sp>
+        <p:nvSpPr>
+          <p:cNvPr id="2" name="CaixaDeTexto 1">
+            <a:extLst>
+              <a:ext uri="{FF2B5EF4-FFF2-40B4-BE49-F238E27FC236}">
+                <a16:creationId xmlns:a16="http://schemas.microsoft.com/office/drawing/2014/main" id="{C4334BD8-4E28-B002-7985-B51A5109CED6}"/>
+              </a:ext>
+            </a:extLst>
+          </p:cNvPr>
+          <p:cNvSpPr txBox="1"/>
+          <p:nvPr/>
+        </p:nvSpPr>
+        <p:spPr>
+          <a:xfrm>
+            <a:off x="608080" y="4423783"/>
+            <a:ext cx="2743200" cy="365760"/>
+          </a:xfrm>
+          <a:prstGeom prst="rect">
+            <a:avLst/>
+          </a:prstGeom>
+          <a:noFill/>
+        </p:spPr>
+        <p:txBody>
+          <a:bodyPr rot="0" spcFirstLastPara="0" vertOverflow="overflow" horzOverflow="overflow" vert="horz" wrap="square" lIns="91440" tIns="45720" rIns="91440" bIns="45720" numCol="1" spcCol="0" rtlCol="0" fromWordArt="0" anchor="t" anchorCtr="0" forceAA="0" compatLnSpc="1">
+            <a:prstTxWarp prst="textNoShape">
+              <a:avLst/>
+            </a:prstTxWarp>
+            <a:spAutoFit/>
+          </a:bodyPr>
+          <a:lstStyle/>
+          <a:p>
+            <a:r>
+              <a:rPr lang="pt-BR" dirty="0">
+                <a:hlinkClick r:id="rId4"/>
+              </a:rPr>
+              <a:t>Validador HTML</a:t>
+            </a:r>
+            <a:endParaRPr lang="pt-BR" dirty="0"/>
+          </a:p>
+        </p:txBody>
+      </p:sp>
     </p:spTree>
     <p:extLst>
       <p:ext uri="{BB962C8B-B14F-4D97-AF65-F5344CB8AC3E}">
